--- a/Figures/Track-tree.pptx
+++ b/Figures/Track-tree.pptx
@@ -2,19 +2,19 @@
 <file path=ppt/presentation.xml><?xml version="1.0" encoding="utf-8"?>
 <p:presentation xmlns:a="http://schemas.openxmlformats.org/drawingml/2006/main" xmlns:r="http://schemas.openxmlformats.org/officeDocument/2006/relationships" xmlns:p="http://schemas.openxmlformats.org/presentationml/2006/main" saveSubsetFonts="1">
   <p:sldMasterIdLst>
-    <p:sldMasterId id="2147483660" r:id="rId1"/>
+    <p:sldMasterId id="2147483696" r:id="rId1"/>
   </p:sldMasterIdLst>
   <p:sldIdLst>
     <p:sldId id="256" r:id="rId2"/>
   </p:sldIdLst>
-  <p:sldSz cx="9144000" cy="6858000" type="screen4x3"/>
+  <p:sldSz cx="3600450" cy="5040313"/>
   <p:notesSz cx="6858000" cy="9144000"/>
   <p:defaultTextStyle>
     <a:defPPr>
       <a:defRPr lang="nb-NO"/>
     </a:defPPr>
-    <a:lvl1pPr marL="0" algn="l" defTabSz="914400" rtl="0" eaLnBrk="1" latinLnBrk="0" hangingPunct="1">
-      <a:defRPr sz="1800" kern="1200">
+    <a:lvl1pPr marL="0" algn="l" defTabSz="575949" rtl="0" eaLnBrk="1" latinLnBrk="0" hangingPunct="1">
+      <a:defRPr sz="1134" kern="1200">
         <a:solidFill>
           <a:schemeClr val="tx1"/>
         </a:solidFill>
@@ -23,8 +23,8 @@
         <a:cs typeface="+mn-cs"/>
       </a:defRPr>
     </a:lvl1pPr>
-    <a:lvl2pPr marL="457200" algn="l" defTabSz="914400" rtl="0" eaLnBrk="1" latinLnBrk="0" hangingPunct="1">
-      <a:defRPr sz="1800" kern="1200">
+    <a:lvl2pPr marL="287975" algn="l" defTabSz="575949" rtl="0" eaLnBrk="1" latinLnBrk="0" hangingPunct="1">
+      <a:defRPr sz="1134" kern="1200">
         <a:solidFill>
           <a:schemeClr val="tx1"/>
         </a:solidFill>
@@ -33,8 +33,8 @@
         <a:cs typeface="+mn-cs"/>
       </a:defRPr>
     </a:lvl2pPr>
-    <a:lvl3pPr marL="914400" algn="l" defTabSz="914400" rtl="0" eaLnBrk="1" latinLnBrk="0" hangingPunct="1">
-      <a:defRPr sz="1800" kern="1200">
+    <a:lvl3pPr marL="575949" algn="l" defTabSz="575949" rtl="0" eaLnBrk="1" latinLnBrk="0" hangingPunct="1">
+      <a:defRPr sz="1134" kern="1200">
         <a:solidFill>
           <a:schemeClr val="tx1"/>
         </a:solidFill>
@@ -43,8 +43,8 @@
         <a:cs typeface="+mn-cs"/>
       </a:defRPr>
     </a:lvl3pPr>
-    <a:lvl4pPr marL="1371600" algn="l" defTabSz="914400" rtl="0" eaLnBrk="1" latinLnBrk="0" hangingPunct="1">
-      <a:defRPr sz="1800" kern="1200">
+    <a:lvl4pPr marL="863923" algn="l" defTabSz="575949" rtl="0" eaLnBrk="1" latinLnBrk="0" hangingPunct="1">
+      <a:defRPr sz="1134" kern="1200">
         <a:solidFill>
           <a:schemeClr val="tx1"/>
         </a:solidFill>
@@ -53,8 +53,8 @@
         <a:cs typeface="+mn-cs"/>
       </a:defRPr>
     </a:lvl4pPr>
-    <a:lvl5pPr marL="1828800" algn="l" defTabSz="914400" rtl="0" eaLnBrk="1" latinLnBrk="0" hangingPunct="1">
-      <a:defRPr sz="1800" kern="1200">
+    <a:lvl5pPr marL="1151898" algn="l" defTabSz="575949" rtl="0" eaLnBrk="1" latinLnBrk="0" hangingPunct="1">
+      <a:defRPr sz="1134" kern="1200">
         <a:solidFill>
           <a:schemeClr val="tx1"/>
         </a:solidFill>
@@ -63,8 +63,8 @@
         <a:cs typeface="+mn-cs"/>
       </a:defRPr>
     </a:lvl5pPr>
-    <a:lvl6pPr marL="2286000" algn="l" defTabSz="914400" rtl="0" eaLnBrk="1" latinLnBrk="0" hangingPunct="1">
-      <a:defRPr sz="1800" kern="1200">
+    <a:lvl6pPr marL="1439873" algn="l" defTabSz="575949" rtl="0" eaLnBrk="1" latinLnBrk="0" hangingPunct="1">
+      <a:defRPr sz="1134" kern="1200">
         <a:solidFill>
           <a:schemeClr val="tx1"/>
         </a:solidFill>
@@ -73,8 +73,8 @@
         <a:cs typeface="+mn-cs"/>
       </a:defRPr>
     </a:lvl6pPr>
-    <a:lvl7pPr marL="2743200" algn="l" defTabSz="914400" rtl="0" eaLnBrk="1" latinLnBrk="0" hangingPunct="1">
-      <a:defRPr sz="1800" kern="1200">
+    <a:lvl7pPr marL="1727847" algn="l" defTabSz="575949" rtl="0" eaLnBrk="1" latinLnBrk="0" hangingPunct="1">
+      <a:defRPr sz="1134" kern="1200">
         <a:solidFill>
           <a:schemeClr val="tx1"/>
         </a:solidFill>
@@ -83,8 +83,8 @@
         <a:cs typeface="+mn-cs"/>
       </a:defRPr>
     </a:lvl7pPr>
-    <a:lvl8pPr marL="3200400" algn="l" defTabSz="914400" rtl="0" eaLnBrk="1" latinLnBrk="0" hangingPunct="1">
-      <a:defRPr sz="1800" kern="1200">
+    <a:lvl8pPr marL="2015822" algn="l" defTabSz="575949" rtl="0" eaLnBrk="1" latinLnBrk="0" hangingPunct="1">
+      <a:defRPr sz="1134" kern="1200">
         <a:solidFill>
           <a:schemeClr val="tx1"/>
         </a:solidFill>
@@ -93,8 +93,8 @@
         <a:cs typeface="+mn-cs"/>
       </a:defRPr>
     </a:lvl8pPr>
-    <a:lvl9pPr marL="3657600" algn="l" defTabSz="914400" rtl="0" eaLnBrk="1" latinLnBrk="0" hangingPunct="1">
-      <a:defRPr sz="1800" kern="1200">
+    <a:lvl9pPr marL="2303796" algn="l" defTabSz="575949" rtl="0" eaLnBrk="1" latinLnBrk="0" hangingPunct="1">
+      <a:defRPr sz="1134" kern="1200">
         <a:solidFill>
           <a:schemeClr val="tx1"/>
         </a:solidFill>
@@ -104,12 +104,17 @@
       </a:defRPr>
     </a:lvl9pPr>
   </p:defaultTextStyle>
+  <p:extLst>
+    <p:ext uri="{EFAFB233-063F-42B5-8137-9DF3F51BA10A}">
+      <p15:sldGuideLst xmlns:p15="http://schemas.microsoft.com/office/powerpoint/2012/main"/>
+    </p:ext>
+  </p:extLst>
 </p:presentation>
 </file>
 
 <file path=ppt/slideLayouts/slideLayout1.xml><?xml version="1.0" encoding="utf-8"?>
 <p:sldLayout xmlns:a="http://schemas.openxmlformats.org/drawingml/2006/main" xmlns:r="http://schemas.openxmlformats.org/officeDocument/2006/relationships" xmlns:p="http://schemas.openxmlformats.org/presentationml/2006/main" type="title" preserve="1">
-  <p:cSld name="Title Slide">
+  <p:cSld name="Tittellysbilde">
     <p:spTree>
       <p:nvGrpSpPr>
         <p:cNvPr id="1" name=""/>
@@ -136,21 +141,21 @@
         </p:nvSpPr>
         <p:spPr>
           <a:xfrm>
-            <a:off x="685800" y="1122363"/>
-            <a:ext cx="7772400" cy="2387600"/>
+            <a:off x="270034" y="824885"/>
+            <a:ext cx="3060383" cy="1754776"/>
           </a:xfrm>
         </p:spPr>
         <p:txBody>
           <a:bodyPr anchor="b"/>
           <a:lstStyle>
             <a:lvl1pPr algn="ctr">
-              <a:defRPr sz="6000"/>
+              <a:defRPr sz="2363"/>
             </a:lvl1pPr>
           </a:lstStyle>
           <a:p>
             <a:r>
-              <a:rPr lang="en-US" smtClean="0"/>
-              <a:t>Click to edit Master title style</a:t>
+              <a:rPr lang="nb-NO" smtClean="0"/>
+              <a:t>Klikk for å redigere tittelstil</a:t>
             </a:r>
             <a:endParaRPr lang="en-US" dirty="0"/>
           </a:p>
@@ -168,8 +173,8 @@
         </p:nvSpPr>
         <p:spPr>
           <a:xfrm>
-            <a:off x="1143000" y="3602038"/>
-            <a:ext cx="6858000" cy="1655762"/>
+            <a:off x="450056" y="2647331"/>
+            <a:ext cx="2700338" cy="1216909"/>
           </a:xfrm>
         </p:spPr>
         <p:txBody>
@@ -177,45 +182,45 @@
           <a:lstStyle>
             <a:lvl1pPr marL="0" indent="0" algn="ctr">
               <a:buNone/>
-              <a:defRPr sz="2400"/>
+              <a:defRPr sz="945"/>
             </a:lvl1pPr>
-            <a:lvl2pPr marL="457200" indent="0" algn="ctr">
-              <a:buNone/>
-              <a:defRPr sz="2000"/>
+            <a:lvl2pPr marL="180045" indent="0" algn="ctr">
+              <a:buNone/>
+              <a:defRPr sz="788"/>
             </a:lvl2pPr>
-            <a:lvl3pPr marL="914400" indent="0" algn="ctr">
-              <a:buNone/>
-              <a:defRPr sz="1800"/>
+            <a:lvl3pPr marL="360091" indent="0" algn="ctr">
+              <a:buNone/>
+              <a:defRPr sz="709"/>
             </a:lvl3pPr>
-            <a:lvl4pPr marL="1371600" indent="0" algn="ctr">
-              <a:buNone/>
-              <a:defRPr sz="1600"/>
+            <a:lvl4pPr marL="540136" indent="0" algn="ctr">
+              <a:buNone/>
+              <a:defRPr sz="630"/>
             </a:lvl4pPr>
-            <a:lvl5pPr marL="1828800" indent="0" algn="ctr">
-              <a:buNone/>
-              <a:defRPr sz="1600"/>
+            <a:lvl5pPr marL="720181" indent="0" algn="ctr">
+              <a:buNone/>
+              <a:defRPr sz="630"/>
             </a:lvl5pPr>
-            <a:lvl6pPr marL="2286000" indent="0" algn="ctr">
-              <a:buNone/>
-              <a:defRPr sz="1600"/>
+            <a:lvl6pPr marL="900227" indent="0" algn="ctr">
+              <a:buNone/>
+              <a:defRPr sz="630"/>
             </a:lvl6pPr>
-            <a:lvl7pPr marL="2743200" indent="0" algn="ctr">
-              <a:buNone/>
-              <a:defRPr sz="1600"/>
+            <a:lvl7pPr marL="1080272" indent="0" algn="ctr">
+              <a:buNone/>
+              <a:defRPr sz="630"/>
             </a:lvl7pPr>
-            <a:lvl8pPr marL="3200400" indent="0" algn="ctr">
-              <a:buNone/>
-              <a:defRPr sz="1600"/>
+            <a:lvl8pPr marL="1260318" indent="0" algn="ctr">
+              <a:buNone/>
+              <a:defRPr sz="630"/>
             </a:lvl8pPr>
-            <a:lvl9pPr marL="3657600" indent="0" algn="ctr">
-              <a:buNone/>
-              <a:defRPr sz="1600"/>
+            <a:lvl9pPr marL="1440363" indent="0" algn="ctr">
+              <a:buNone/>
+              <a:defRPr sz="630"/>
             </a:lvl9pPr>
           </a:lstStyle>
           <a:p>
             <a:r>
-              <a:rPr lang="en-US" smtClean="0"/>
-              <a:t>Click to edit Master subtitle style</a:t>
+              <a:rPr lang="nb-NO" smtClean="0"/>
+              <a:t>Klikk for å redigere undertittelstil i malen</a:t>
             </a:r>
             <a:endParaRPr lang="en-US" dirty="0"/>
           </a:p>
@@ -238,7 +243,7 @@
           <a:p>
             <a:fld id="{DB66AA82-ED40-495D-B06B-56AC191DBDA2}" type="datetimeFigureOut">
               <a:rPr lang="nb-NO" smtClean="0"/>
-              <a:t>06.10.2016</a:t>
+              <a:t>17.05.2017</a:t>
             </a:fld>
             <a:endParaRPr lang="nb-NO"/>
           </a:p>
@@ -287,11 +292,6 @@
         </p:txBody>
       </p:sp>
     </p:spTree>
-    <p:extLst>
-      <p:ext uri="{BB962C8B-B14F-4D97-AF65-F5344CB8AC3E}">
-        <p14:creationId xmlns:p14="http://schemas.microsoft.com/office/powerpoint/2010/main" val="3799154112"/>
-      </p:ext>
-    </p:extLst>
   </p:cSld>
   <p:clrMapOvr>
     <a:masterClrMapping/>
@@ -301,7 +301,7 @@
 
 <file path=ppt/slideLayouts/slideLayout10.xml><?xml version="1.0" encoding="utf-8"?>
 <p:sldLayout xmlns:a="http://schemas.openxmlformats.org/drawingml/2006/main" xmlns:r="http://schemas.openxmlformats.org/officeDocument/2006/relationships" xmlns:p="http://schemas.openxmlformats.org/presentationml/2006/main" type="vertTx" preserve="1">
-  <p:cSld name="Title and Vertical Text">
+  <p:cSld name="Loddrett tekst">
     <p:spTree>
       <p:nvGrpSpPr>
         <p:cNvPr id="1" name=""/>
@@ -332,8 +332,8 @@
           <a:lstStyle/>
           <a:p>
             <a:r>
-              <a:rPr lang="en-US" smtClean="0"/>
-              <a:t>Click to edit Master title style</a:t>
+              <a:rPr lang="nb-NO" smtClean="0"/>
+              <a:t>Klikk for å redigere tittelstil</a:t>
             </a:r>
             <a:endParaRPr lang="en-US" dirty="0"/>
           </a:p>
@@ -356,36 +356,36 @@
           <a:p>
             <a:pPr lvl="0"/>
             <a:r>
-              <a:rPr lang="en-US" smtClean="0"/>
-              <a:t>Click to edit Master text styles</a:t>
+              <a:rPr lang="nb-NO" smtClean="0"/>
+              <a:t>Klikk for å redigere tekststiler i malen</a:t>
             </a:r>
           </a:p>
           <a:p>
             <a:pPr lvl="1"/>
             <a:r>
-              <a:rPr lang="en-US" smtClean="0"/>
-              <a:t>Second level</a:t>
+              <a:rPr lang="nb-NO" smtClean="0"/>
+              <a:t>Andre nivå</a:t>
             </a:r>
           </a:p>
           <a:p>
             <a:pPr lvl="2"/>
             <a:r>
-              <a:rPr lang="en-US" smtClean="0"/>
-              <a:t>Third level</a:t>
+              <a:rPr lang="nb-NO" smtClean="0"/>
+              <a:t>Tredje nivå</a:t>
             </a:r>
           </a:p>
           <a:p>
             <a:pPr lvl="3"/>
             <a:r>
-              <a:rPr lang="en-US" smtClean="0"/>
-              <a:t>Fourth level</a:t>
+              <a:rPr lang="nb-NO" smtClean="0"/>
+              <a:t>Fjerde nivå</a:t>
             </a:r>
           </a:p>
           <a:p>
             <a:pPr lvl="4"/>
             <a:r>
-              <a:rPr lang="en-US" smtClean="0"/>
-              <a:t>Fifth level</a:t>
+              <a:rPr lang="nb-NO" smtClean="0"/>
+              <a:t>Femte nivå</a:t>
             </a:r>
             <a:endParaRPr lang="en-US" dirty="0"/>
           </a:p>
@@ -408,7 +408,7 @@
           <a:p>
             <a:fld id="{DB66AA82-ED40-495D-B06B-56AC191DBDA2}" type="datetimeFigureOut">
               <a:rPr lang="nb-NO" smtClean="0"/>
-              <a:t>06.10.2016</a:t>
+              <a:t>17.05.2017</a:t>
             </a:fld>
             <a:endParaRPr lang="nb-NO"/>
           </a:p>
@@ -457,11 +457,6 @@
         </p:txBody>
       </p:sp>
     </p:spTree>
-    <p:extLst>
-      <p:ext uri="{BB962C8B-B14F-4D97-AF65-F5344CB8AC3E}">
-        <p14:creationId xmlns:p14="http://schemas.microsoft.com/office/powerpoint/2010/main" val="3396401305"/>
-      </p:ext>
-    </p:extLst>
   </p:cSld>
   <p:clrMapOvr>
     <a:masterClrMapping/>
@@ -471,7 +466,7 @@
 
 <file path=ppt/slideLayouts/slideLayout11.xml><?xml version="1.0" encoding="utf-8"?>
 <p:sldLayout xmlns:a="http://schemas.openxmlformats.org/drawingml/2006/main" xmlns:r="http://schemas.openxmlformats.org/officeDocument/2006/relationships" xmlns:p="http://schemas.openxmlformats.org/presentationml/2006/main" type="vertTitleAndTx" preserve="1">
-  <p:cSld name="Vertical Title and Text">
+  <p:cSld name="Loddrett tittel og tekst">
     <p:spTree>
       <p:nvGrpSpPr>
         <p:cNvPr id="1" name=""/>
@@ -498,8 +493,8 @@
         </p:nvSpPr>
         <p:spPr>
           <a:xfrm>
-            <a:off x="6543675" y="365125"/>
-            <a:ext cx="1971675" cy="5811838"/>
+            <a:off x="2576572" y="268350"/>
+            <a:ext cx="776347" cy="4271432"/>
           </a:xfrm>
         </p:spPr>
         <p:txBody>
@@ -507,8 +502,8 @@
           <a:lstStyle/>
           <a:p>
             <a:r>
-              <a:rPr lang="en-US" smtClean="0"/>
-              <a:t>Click to edit Master title style</a:t>
+              <a:rPr lang="nb-NO" smtClean="0"/>
+              <a:t>Klikk for å redigere tittelstil</a:t>
             </a:r>
             <a:endParaRPr lang="en-US" dirty="0"/>
           </a:p>
@@ -526,8 +521,8 @@
         </p:nvSpPr>
         <p:spPr>
           <a:xfrm>
-            <a:off x="628650" y="365125"/>
-            <a:ext cx="5800725" cy="5811838"/>
+            <a:off x="247531" y="268350"/>
+            <a:ext cx="2284035" cy="4271432"/>
           </a:xfrm>
         </p:spPr>
         <p:txBody>
@@ -536,36 +531,36 @@
           <a:p>
             <a:pPr lvl="0"/>
             <a:r>
-              <a:rPr lang="en-US" smtClean="0"/>
-              <a:t>Click to edit Master text styles</a:t>
+              <a:rPr lang="nb-NO" smtClean="0"/>
+              <a:t>Klikk for å redigere tekststiler i malen</a:t>
             </a:r>
           </a:p>
           <a:p>
             <a:pPr lvl="1"/>
             <a:r>
-              <a:rPr lang="en-US" smtClean="0"/>
-              <a:t>Second level</a:t>
+              <a:rPr lang="nb-NO" smtClean="0"/>
+              <a:t>Andre nivå</a:t>
             </a:r>
           </a:p>
           <a:p>
             <a:pPr lvl="2"/>
             <a:r>
-              <a:rPr lang="en-US" smtClean="0"/>
-              <a:t>Third level</a:t>
+              <a:rPr lang="nb-NO" smtClean="0"/>
+              <a:t>Tredje nivå</a:t>
             </a:r>
           </a:p>
           <a:p>
             <a:pPr lvl="3"/>
             <a:r>
-              <a:rPr lang="en-US" smtClean="0"/>
-              <a:t>Fourth level</a:t>
+              <a:rPr lang="nb-NO" smtClean="0"/>
+              <a:t>Fjerde nivå</a:t>
             </a:r>
           </a:p>
           <a:p>
             <a:pPr lvl="4"/>
             <a:r>
-              <a:rPr lang="en-US" smtClean="0"/>
-              <a:t>Fifth level</a:t>
+              <a:rPr lang="nb-NO" smtClean="0"/>
+              <a:t>Femte nivå</a:t>
             </a:r>
             <a:endParaRPr lang="en-US" dirty="0"/>
           </a:p>
@@ -588,7 +583,7 @@
           <a:p>
             <a:fld id="{DB66AA82-ED40-495D-B06B-56AC191DBDA2}" type="datetimeFigureOut">
               <a:rPr lang="nb-NO" smtClean="0"/>
-              <a:t>06.10.2016</a:t>
+              <a:t>17.05.2017</a:t>
             </a:fld>
             <a:endParaRPr lang="nb-NO"/>
           </a:p>
@@ -637,11 +632,6 @@
         </p:txBody>
       </p:sp>
     </p:spTree>
-    <p:extLst>
-      <p:ext uri="{BB962C8B-B14F-4D97-AF65-F5344CB8AC3E}">
-        <p14:creationId xmlns:p14="http://schemas.microsoft.com/office/powerpoint/2010/main" val="1429245930"/>
-      </p:ext>
-    </p:extLst>
   </p:cSld>
   <p:clrMapOvr>
     <a:masterClrMapping/>
@@ -651,7 +641,7 @@
 
 <file path=ppt/slideLayouts/slideLayout2.xml><?xml version="1.0" encoding="utf-8"?>
 <p:sldLayout xmlns:a="http://schemas.openxmlformats.org/drawingml/2006/main" xmlns:r="http://schemas.openxmlformats.org/officeDocument/2006/relationships" xmlns:p="http://schemas.openxmlformats.org/presentationml/2006/main" type="obj" preserve="1">
-  <p:cSld name="Title and Content">
+  <p:cSld name="Tittel og innhold">
     <p:spTree>
       <p:nvGrpSpPr>
         <p:cNvPr id="1" name=""/>
@@ -682,8 +672,8 @@
           <a:lstStyle/>
           <a:p>
             <a:r>
-              <a:rPr lang="en-US" smtClean="0"/>
-              <a:t>Click to edit Master title style</a:t>
+              <a:rPr lang="nb-NO" smtClean="0"/>
+              <a:t>Klikk for å redigere tittelstil</a:t>
             </a:r>
             <a:endParaRPr lang="en-US" dirty="0"/>
           </a:p>
@@ -706,36 +696,36 @@
           <a:p>
             <a:pPr lvl="0"/>
             <a:r>
-              <a:rPr lang="en-US" smtClean="0"/>
-              <a:t>Click to edit Master text styles</a:t>
+              <a:rPr lang="nb-NO" smtClean="0"/>
+              <a:t>Klikk for å redigere tekststiler i malen</a:t>
             </a:r>
           </a:p>
           <a:p>
             <a:pPr lvl="1"/>
             <a:r>
-              <a:rPr lang="en-US" smtClean="0"/>
-              <a:t>Second level</a:t>
+              <a:rPr lang="nb-NO" smtClean="0"/>
+              <a:t>Andre nivå</a:t>
             </a:r>
           </a:p>
           <a:p>
             <a:pPr lvl="2"/>
             <a:r>
-              <a:rPr lang="en-US" smtClean="0"/>
-              <a:t>Third level</a:t>
+              <a:rPr lang="nb-NO" smtClean="0"/>
+              <a:t>Tredje nivå</a:t>
             </a:r>
           </a:p>
           <a:p>
             <a:pPr lvl="3"/>
             <a:r>
-              <a:rPr lang="en-US" smtClean="0"/>
-              <a:t>Fourth level</a:t>
+              <a:rPr lang="nb-NO" smtClean="0"/>
+              <a:t>Fjerde nivå</a:t>
             </a:r>
           </a:p>
           <a:p>
             <a:pPr lvl="4"/>
             <a:r>
-              <a:rPr lang="en-US" smtClean="0"/>
-              <a:t>Fifth level</a:t>
+              <a:rPr lang="nb-NO" smtClean="0"/>
+              <a:t>Femte nivå</a:t>
             </a:r>
             <a:endParaRPr lang="en-US" dirty="0"/>
           </a:p>
@@ -758,7 +748,7 @@
           <a:p>
             <a:fld id="{DB66AA82-ED40-495D-B06B-56AC191DBDA2}" type="datetimeFigureOut">
               <a:rPr lang="nb-NO" smtClean="0"/>
-              <a:t>06.10.2016</a:t>
+              <a:t>17.05.2017</a:t>
             </a:fld>
             <a:endParaRPr lang="nb-NO"/>
           </a:p>
@@ -807,11 +797,6 @@
         </p:txBody>
       </p:sp>
     </p:spTree>
-    <p:extLst>
-      <p:ext uri="{BB962C8B-B14F-4D97-AF65-F5344CB8AC3E}">
-        <p14:creationId xmlns:p14="http://schemas.microsoft.com/office/powerpoint/2010/main" val="1414424530"/>
-      </p:ext>
-    </p:extLst>
   </p:cSld>
   <p:clrMapOvr>
     <a:masterClrMapping/>
@@ -821,7 +806,7 @@
 
 <file path=ppt/slideLayouts/slideLayout3.xml><?xml version="1.0" encoding="utf-8"?>
 <p:sldLayout xmlns:a="http://schemas.openxmlformats.org/drawingml/2006/main" xmlns:r="http://schemas.openxmlformats.org/officeDocument/2006/relationships" xmlns:p="http://schemas.openxmlformats.org/presentationml/2006/main" type="secHead" preserve="1">
-  <p:cSld name="Section Header">
+  <p:cSld name="Inndelingsoverskrift">
     <p:spTree>
       <p:nvGrpSpPr>
         <p:cNvPr id="1" name=""/>
@@ -848,21 +833,21 @@
         </p:nvSpPr>
         <p:spPr>
           <a:xfrm>
-            <a:off x="623888" y="1709739"/>
-            <a:ext cx="7886700" cy="2852737"/>
+            <a:off x="245656" y="1256579"/>
+            <a:ext cx="3105388" cy="2096630"/>
           </a:xfrm>
         </p:spPr>
         <p:txBody>
           <a:bodyPr anchor="b"/>
           <a:lstStyle>
             <a:lvl1pPr>
-              <a:defRPr sz="6000"/>
+              <a:defRPr sz="2363"/>
             </a:lvl1pPr>
           </a:lstStyle>
           <a:p>
             <a:r>
-              <a:rPr lang="en-US" smtClean="0"/>
-              <a:t>Click to edit Master title style</a:t>
+              <a:rPr lang="nb-NO" smtClean="0"/>
+              <a:t>Klikk for å redigere tittelstil</a:t>
             </a:r>
             <a:endParaRPr lang="en-US" dirty="0"/>
           </a:p>
@@ -880,8 +865,8 @@
         </p:nvSpPr>
         <p:spPr>
           <a:xfrm>
-            <a:off x="623888" y="4589464"/>
-            <a:ext cx="7886700" cy="1500187"/>
+            <a:off x="245656" y="3373044"/>
+            <a:ext cx="3105388" cy="1102568"/>
           </a:xfrm>
         </p:spPr>
         <p:txBody>
@@ -889,15 +874,15 @@
           <a:lstStyle>
             <a:lvl1pPr marL="0" indent="0">
               <a:buNone/>
-              <a:defRPr sz="2400">
+              <a:defRPr sz="945">
                 <a:solidFill>
                   <a:schemeClr val="tx1"/>
                 </a:solidFill>
               </a:defRPr>
             </a:lvl1pPr>
-            <a:lvl2pPr marL="457200" indent="0">
-              <a:buNone/>
-              <a:defRPr sz="2000">
+            <a:lvl2pPr marL="180045" indent="0">
+              <a:buNone/>
+              <a:defRPr sz="788">
                 <a:solidFill>
                   <a:schemeClr val="tx1">
                     <a:tint val="75000"/>
@@ -905,9 +890,9 @@
                 </a:solidFill>
               </a:defRPr>
             </a:lvl2pPr>
-            <a:lvl3pPr marL="914400" indent="0">
-              <a:buNone/>
-              <a:defRPr sz="1800">
+            <a:lvl3pPr marL="360091" indent="0">
+              <a:buNone/>
+              <a:defRPr sz="709">
                 <a:solidFill>
                   <a:schemeClr val="tx1">
                     <a:tint val="75000"/>
@@ -915,9 +900,9 @@
                 </a:solidFill>
               </a:defRPr>
             </a:lvl3pPr>
-            <a:lvl4pPr marL="1371600" indent="0">
-              <a:buNone/>
-              <a:defRPr sz="1600">
+            <a:lvl4pPr marL="540136" indent="0">
+              <a:buNone/>
+              <a:defRPr sz="630">
                 <a:solidFill>
                   <a:schemeClr val="tx1">
                     <a:tint val="75000"/>
@@ -925,9 +910,9 @@
                 </a:solidFill>
               </a:defRPr>
             </a:lvl4pPr>
-            <a:lvl5pPr marL="1828800" indent="0">
-              <a:buNone/>
-              <a:defRPr sz="1600">
+            <a:lvl5pPr marL="720181" indent="0">
+              <a:buNone/>
+              <a:defRPr sz="630">
                 <a:solidFill>
                   <a:schemeClr val="tx1">
                     <a:tint val="75000"/>
@@ -935,9 +920,9 @@
                 </a:solidFill>
               </a:defRPr>
             </a:lvl5pPr>
-            <a:lvl6pPr marL="2286000" indent="0">
-              <a:buNone/>
-              <a:defRPr sz="1600">
+            <a:lvl6pPr marL="900227" indent="0">
+              <a:buNone/>
+              <a:defRPr sz="630">
                 <a:solidFill>
                   <a:schemeClr val="tx1">
                     <a:tint val="75000"/>
@@ -945,9 +930,9 @@
                 </a:solidFill>
               </a:defRPr>
             </a:lvl6pPr>
-            <a:lvl7pPr marL="2743200" indent="0">
-              <a:buNone/>
-              <a:defRPr sz="1600">
+            <a:lvl7pPr marL="1080272" indent="0">
+              <a:buNone/>
+              <a:defRPr sz="630">
                 <a:solidFill>
                   <a:schemeClr val="tx1">
                     <a:tint val="75000"/>
@@ -955,9 +940,9 @@
                 </a:solidFill>
               </a:defRPr>
             </a:lvl7pPr>
-            <a:lvl8pPr marL="3200400" indent="0">
-              <a:buNone/>
-              <a:defRPr sz="1600">
+            <a:lvl8pPr marL="1260318" indent="0">
+              <a:buNone/>
+              <a:defRPr sz="630">
                 <a:solidFill>
                   <a:schemeClr val="tx1">
                     <a:tint val="75000"/>
@@ -965,9 +950,9 @@
                 </a:solidFill>
               </a:defRPr>
             </a:lvl8pPr>
-            <a:lvl9pPr marL="3657600" indent="0">
-              <a:buNone/>
-              <a:defRPr sz="1600">
+            <a:lvl9pPr marL="1440363" indent="0">
+              <a:buNone/>
+              <a:defRPr sz="630">
                 <a:solidFill>
                   <a:schemeClr val="tx1">
                     <a:tint val="75000"/>
@@ -979,8 +964,8 @@
           <a:p>
             <a:pPr lvl="0"/>
             <a:r>
-              <a:rPr lang="en-US" smtClean="0"/>
-              <a:t>Click to edit Master text styles</a:t>
+              <a:rPr lang="nb-NO" smtClean="0"/>
+              <a:t>Klikk for å redigere tekststiler i malen</a:t>
             </a:r>
           </a:p>
         </p:txBody>
@@ -1002,7 +987,7 @@
           <a:p>
             <a:fld id="{DB66AA82-ED40-495D-B06B-56AC191DBDA2}" type="datetimeFigureOut">
               <a:rPr lang="nb-NO" smtClean="0"/>
-              <a:t>06.10.2016</a:t>
+              <a:t>17.05.2017</a:t>
             </a:fld>
             <a:endParaRPr lang="nb-NO"/>
           </a:p>
@@ -1051,11 +1036,6 @@
         </p:txBody>
       </p:sp>
     </p:spTree>
-    <p:extLst>
-      <p:ext uri="{BB962C8B-B14F-4D97-AF65-F5344CB8AC3E}">
-        <p14:creationId xmlns:p14="http://schemas.microsoft.com/office/powerpoint/2010/main" val="3887268659"/>
-      </p:ext>
-    </p:extLst>
   </p:cSld>
   <p:clrMapOvr>
     <a:masterClrMapping/>
@@ -1065,7 +1045,7 @@
 
 <file path=ppt/slideLayouts/slideLayout4.xml><?xml version="1.0" encoding="utf-8"?>
 <p:sldLayout xmlns:a="http://schemas.openxmlformats.org/drawingml/2006/main" xmlns:r="http://schemas.openxmlformats.org/officeDocument/2006/relationships" xmlns:p="http://schemas.openxmlformats.org/presentationml/2006/main" type="twoObj" preserve="1">
-  <p:cSld name="Two Content">
+  <p:cSld name="To innholdsdeler">
     <p:spTree>
       <p:nvGrpSpPr>
         <p:cNvPr id="1" name=""/>
@@ -1096,8 +1076,8 @@
           <a:lstStyle/>
           <a:p>
             <a:r>
-              <a:rPr lang="en-US" smtClean="0"/>
-              <a:t>Click to edit Master title style</a:t>
+              <a:rPr lang="nb-NO" smtClean="0"/>
+              <a:t>Klikk for å redigere tittelstil</a:t>
             </a:r>
             <a:endParaRPr lang="en-US" dirty="0"/>
           </a:p>
@@ -1115,8 +1095,8 @@
         </p:nvSpPr>
         <p:spPr>
           <a:xfrm>
-            <a:off x="628650" y="1825625"/>
-            <a:ext cx="3886200" cy="4351338"/>
+            <a:off x="247531" y="1341750"/>
+            <a:ext cx="1530191" cy="3198032"/>
           </a:xfrm>
         </p:spPr>
         <p:txBody>
@@ -1125,36 +1105,36 @@
           <a:p>
             <a:pPr lvl="0"/>
             <a:r>
-              <a:rPr lang="en-US" smtClean="0"/>
-              <a:t>Click to edit Master text styles</a:t>
+              <a:rPr lang="nb-NO" smtClean="0"/>
+              <a:t>Klikk for å redigere tekststiler i malen</a:t>
             </a:r>
           </a:p>
           <a:p>
             <a:pPr lvl="1"/>
             <a:r>
-              <a:rPr lang="en-US" smtClean="0"/>
-              <a:t>Second level</a:t>
+              <a:rPr lang="nb-NO" smtClean="0"/>
+              <a:t>Andre nivå</a:t>
             </a:r>
           </a:p>
           <a:p>
             <a:pPr lvl="2"/>
             <a:r>
-              <a:rPr lang="en-US" smtClean="0"/>
-              <a:t>Third level</a:t>
+              <a:rPr lang="nb-NO" smtClean="0"/>
+              <a:t>Tredje nivå</a:t>
             </a:r>
           </a:p>
           <a:p>
             <a:pPr lvl="3"/>
             <a:r>
-              <a:rPr lang="en-US" smtClean="0"/>
-              <a:t>Fourth level</a:t>
+              <a:rPr lang="nb-NO" smtClean="0"/>
+              <a:t>Fjerde nivå</a:t>
             </a:r>
           </a:p>
           <a:p>
             <a:pPr lvl="4"/>
             <a:r>
-              <a:rPr lang="en-US" smtClean="0"/>
-              <a:t>Fifth level</a:t>
+              <a:rPr lang="nb-NO" smtClean="0"/>
+              <a:t>Femte nivå</a:t>
             </a:r>
             <a:endParaRPr lang="en-US" dirty="0"/>
           </a:p>
@@ -1172,8 +1152,8 @@
         </p:nvSpPr>
         <p:spPr>
           <a:xfrm>
-            <a:off x="4629150" y="1825625"/>
-            <a:ext cx="3886200" cy="4351338"/>
+            <a:off x="1822728" y="1341750"/>
+            <a:ext cx="1530191" cy="3198032"/>
           </a:xfrm>
         </p:spPr>
         <p:txBody>
@@ -1182,36 +1162,36 @@
           <a:p>
             <a:pPr lvl="0"/>
             <a:r>
-              <a:rPr lang="en-US" smtClean="0"/>
-              <a:t>Click to edit Master text styles</a:t>
+              <a:rPr lang="nb-NO" smtClean="0"/>
+              <a:t>Klikk for å redigere tekststiler i malen</a:t>
             </a:r>
           </a:p>
           <a:p>
             <a:pPr lvl="1"/>
             <a:r>
-              <a:rPr lang="en-US" smtClean="0"/>
-              <a:t>Second level</a:t>
+              <a:rPr lang="nb-NO" smtClean="0"/>
+              <a:t>Andre nivå</a:t>
             </a:r>
           </a:p>
           <a:p>
             <a:pPr lvl="2"/>
             <a:r>
-              <a:rPr lang="en-US" smtClean="0"/>
-              <a:t>Third level</a:t>
+              <a:rPr lang="nb-NO" smtClean="0"/>
+              <a:t>Tredje nivå</a:t>
             </a:r>
           </a:p>
           <a:p>
             <a:pPr lvl="3"/>
             <a:r>
-              <a:rPr lang="en-US" smtClean="0"/>
-              <a:t>Fourth level</a:t>
+              <a:rPr lang="nb-NO" smtClean="0"/>
+              <a:t>Fjerde nivå</a:t>
             </a:r>
           </a:p>
           <a:p>
             <a:pPr lvl="4"/>
             <a:r>
-              <a:rPr lang="en-US" smtClean="0"/>
-              <a:t>Fifth level</a:t>
+              <a:rPr lang="nb-NO" smtClean="0"/>
+              <a:t>Femte nivå</a:t>
             </a:r>
             <a:endParaRPr lang="en-US" dirty="0"/>
           </a:p>
@@ -1234,7 +1214,7 @@
           <a:p>
             <a:fld id="{DB66AA82-ED40-495D-B06B-56AC191DBDA2}" type="datetimeFigureOut">
               <a:rPr lang="nb-NO" smtClean="0"/>
-              <a:t>06.10.2016</a:t>
+              <a:t>17.05.2017</a:t>
             </a:fld>
             <a:endParaRPr lang="nb-NO"/>
           </a:p>
@@ -1283,11 +1263,6 @@
         </p:txBody>
       </p:sp>
     </p:spTree>
-    <p:extLst>
-      <p:ext uri="{BB962C8B-B14F-4D97-AF65-F5344CB8AC3E}">
-        <p14:creationId xmlns:p14="http://schemas.microsoft.com/office/powerpoint/2010/main" val="3681486749"/>
-      </p:ext>
-    </p:extLst>
   </p:cSld>
   <p:clrMapOvr>
     <a:masterClrMapping/>
@@ -1297,7 +1272,7 @@
 
 <file path=ppt/slideLayouts/slideLayout5.xml><?xml version="1.0" encoding="utf-8"?>
 <p:sldLayout xmlns:a="http://schemas.openxmlformats.org/drawingml/2006/main" xmlns:r="http://schemas.openxmlformats.org/officeDocument/2006/relationships" xmlns:p="http://schemas.openxmlformats.org/presentationml/2006/main" type="twoTxTwoObj" preserve="1">
-  <p:cSld name="Comparison">
+  <p:cSld name="Sammenligning">
     <p:spTree>
       <p:nvGrpSpPr>
         <p:cNvPr id="1" name=""/>
@@ -1324,8 +1299,8 @@
         </p:nvSpPr>
         <p:spPr>
           <a:xfrm>
-            <a:off x="629841" y="365126"/>
-            <a:ext cx="7886700" cy="1325563"/>
+            <a:off x="248000" y="268351"/>
+            <a:ext cx="3105388" cy="974228"/>
           </a:xfrm>
         </p:spPr>
         <p:txBody>
@@ -1333,8 +1308,8 @@
           <a:lstStyle/>
           <a:p>
             <a:r>
-              <a:rPr lang="en-US" smtClean="0"/>
-              <a:t>Click to edit Master title style</a:t>
+              <a:rPr lang="nb-NO" smtClean="0"/>
+              <a:t>Klikk for å redigere tittelstil</a:t>
             </a:r>
             <a:endParaRPr lang="en-US" dirty="0"/>
           </a:p>
@@ -1352,8 +1327,8 @@
         </p:nvSpPr>
         <p:spPr>
           <a:xfrm>
-            <a:off x="629842" y="1681163"/>
-            <a:ext cx="3868340" cy="823912"/>
+            <a:off x="248000" y="1235577"/>
+            <a:ext cx="1523159" cy="605537"/>
           </a:xfrm>
         </p:spPr>
         <p:txBody>
@@ -1361,46 +1336,46 @@
           <a:lstStyle>
             <a:lvl1pPr marL="0" indent="0">
               <a:buNone/>
-              <a:defRPr sz="2400" b="1"/>
+              <a:defRPr sz="945" b="1"/>
             </a:lvl1pPr>
-            <a:lvl2pPr marL="457200" indent="0">
-              <a:buNone/>
-              <a:defRPr sz="2000" b="1"/>
+            <a:lvl2pPr marL="180045" indent="0">
+              <a:buNone/>
+              <a:defRPr sz="788" b="1"/>
             </a:lvl2pPr>
-            <a:lvl3pPr marL="914400" indent="0">
-              <a:buNone/>
-              <a:defRPr sz="1800" b="1"/>
+            <a:lvl3pPr marL="360091" indent="0">
+              <a:buNone/>
+              <a:defRPr sz="709" b="1"/>
             </a:lvl3pPr>
-            <a:lvl4pPr marL="1371600" indent="0">
-              <a:buNone/>
-              <a:defRPr sz="1600" b="1"/>
+            <a:lvl4pPr marL="540136" indent="0">
+              <a:buNone/>
+              <a:defRPr sz="630" b="1"/>
             </a:lvl4pPr>
-            <a:lvl5pPr marL="1828800" indent="0">
-              <a:buNone/>
-              <a:defRPr sz="1600" b="1"/>
+            <a:lvl5pPr marL="720181" indent="0">
+              <a:buNone/>
+              <a:defRPr sz="630" b="1"/>
             </a:lvl5pPr>
-            <a:lvl6pPr marL="2286000" indent="0">
-              <a:buNone/>
-              <a:defRPr sz="1600" b="1"/>
+            <a:lvl6pPr marL="900227" indent="0">
+              <a:buNone/>
+              <a:defRPr sz="630" b="1"/>
             </a:lvl6pPr>
-            <a:lvl7pPr marL="2743200" indent="0">
-              <a:buNone/>
-              <a:defRPr sz="1600" b="1"/>
+            <a:lvl7pPr marL="1080272" indent="0">
+              <a:buNone/>
+              <a:defRPr sz="630" b="1"/>
             </a:lvl7pPr>
-            <a:lvl8pPr marL="3200400" indent="0">
-              <a:buNone/>
-              <a:defRPr sz="1600" b="1"/>
+            <a:lvl8pPr marL="1260318" indent="0">
+              <a:buNone/>
+              <a:defRPr sz="630" b="1"/>
             </a:lvl8pPr>
-            <a:lvl9pPr marL="3657600" indent="0">
-              <a:buNone/>
-              <a:defRPr sz="1600" b="1"/>
+            <a:lvl9pPr marL="1440363" indent="0">
+              <a:buNone/>
+              <a:defRPr sz="630" b="1"/>
             </a:lvl9pPr>
           </a:lstStyle>
           <a:p>
             <a:pPr lvl="0"/>
             <a:r>
-              <a:rPr lang="en-US" smtClean="0"/>
-              <a:t>Click to edit Master text styles</a:t>
+              <a:rPr lang="nb-NO" smtClean="0"/>
+              <a:t>Klikk for å redigere tekststiler i malen</a:t>
             </a:r>
           </a:p>
         </p:txBody>
@@ -1417,8 +1392,8 @@
         </p:nvSpPr>
         <p:spPr>
           <a:xfrm>
-            <a:off x="629842" y="2505075"/>
-            <a:ext cx="3868340" cy="3684588"/>
+            <a:off x="248000" y="1841114"/>
+            <a:ext cx="1523159" cy="2708002"/>
           </a:xfrm>
         </p:spPr>
         <p:txBody>
@@ -1427,36 +1402,36 @@
           <a:p>
             <a:pPr lvl="0"/>
             <a:r>
-              <a:rPr lang="en-US" smtClean="0"/>
-              <a:t>Click to edit Master text styles</a:t>
+              <a:rPr lang="nb-NO" smtClean="0"/>
+              <a:t>Klikk for å redigere tekststiler i malen</a:t>
             </a:r>
           </a:p>
           <a:p>
             <a:pPr lvl="1"/>
             <a:r>
-              <a:rPr lang="en-US" smtClean="0"/>
-              <a:t>Second level</a:t>
+              <a:rPr lang="nb-NO" smtClean="0"/>
+              <a:t>Andre nivå</a:t>
             </a:r>
           </a:p>
           <a:p>
             <a:pPr lvl="2"/>
             <a:r>
-              <a:rPr lang="en-US" smtClean="0"/>
-              <a:t>Third level</a:t>
+              <a:rPr lang="nb-NO" smtClean="0"/>
+              <a:t>Tredje nivå</a:t>
             </a:r>
           </a:p>
           <a:p>
             <a:pPr lvl="3"/>
             <a:r>
-              <a:rPr lang="en-US" smtClean="0"/>
-              <a:t>Fourth level</a:t>
+              <a:rPr lang="nb-NO" smtClean="0"/>
+              <a:t>Fjerde nivå</a:t>
             </a:r>
           </a:p>
           <a:p>
             <a:pPr lvl="4"/>
             <a:r>
-              <a:rPr lang="en-US" smtClean="0"/>
-              <a:t>Fifth level</a:t>
+              <a:rPr lang="nb-NO" smtClean="0"/>
+              <a:t>Femte nivå</a:t>
             </a:r>
             <a:endParaRPr lang="en-US" dirty="0"/>
           </a:p>
@@ -1474,8 +1449,8 @@
         </p:nvSpPr>
         <p:spPr>
           <a:xfrm>
-            <a:off x="4629150" y="1681163"/>
-            <a:ext cx="3887391" cy="823912"/>
+            <a:off x="1822728" y="1235577"/>
+            <a:ext cx="1530660" cy="605537"/>
           </a:xfrm>
         </p:spPr>
         <p:txBody>
@@ -1483,46 +1458,46 @@
           <a:lstStyle>
             <a:lvl1pPr marL="0" indent="0">
               <a:buNone/>
-              <a:defRPr sz="2400" b="1"/>
+              <a:defRPr sz="945" b="1"/>
             </a:lvl1pPr>
-            <a:lvl2pPr marL="457200" indent="0">
-              <a:buNone/>
-              <a:defRPr sz="2000" b="1"/>
+            <a:lvl2pPr marL="180045" indent="0">
+              <a:buNone/>
+              <a:defRPr sz="788" b="1"/>
             </a:lvl2pPr>
-            <a:lvl3pPr marL="914400" indent="0">
-              <a:buNone/>
-              <a:defRPr sz="1800" b="1"/>
+            <a:lvl3pPr marL="360091" indent="0">
+              <a:buNone/>
+              <a:defRPr sz="709" b="1"/>
             </a:lvl3pPr>
-            <a:lvl4pPr marL="1371600" indent="0">
-              <a:buNone/>
-              <a:defRPr sz="1600" b="1"/>
+            <a:lvl4pPr marL="540136" indent="0">
+              <a:buNone/>
+              <a:defRPr sz="630" b="1"/>
             </a:lvl4pPr>
-            <a:lvl5pPr marL="1828800" indent="0">
-              <a:buNone/>
-              <a:defRPr sz="1600" b="1"/>
+            <a:lvl5pPr marL="720181" indent="0">
+              <a:buNone/>
+              <a:defRPr sz="630" b="1"/>
             </a:lvl5pPr>
-            <a:lvl6pPr marL="2286000" indent="0">
-              <a:buNone/>
-              <a:defRPr sz="1600" b="1"/>
+            <a:lvl6pPr marL="900227" indent="0">
+              <a:buNone/>
+              <a:defRPr sz="630" b="1"/>
             </a:lvl6pPr>
-            <a:lvl7pPr marL="2743200" indent="0">
-              <a:buNone/>
-              <a:defRPr sz="1600" b="1"/>
+            <a:lvl7pPr marL="1080272" indent="0">
+              <a:buNone/>
+              <a:defRPr sz="630" b="1"/>
             </a:lvl7pPr>
-            <a:lvl8pPr marL="3200400" indent="0">
-              <a:buNone/>
-              <a:defRPr sz="1600" b="1"/>
+            <a:lvl8pPr marL="1260318" indent="0">
+              <a:buNone/>
+              <a:defRPr sz="630" b="1"/>
             </a:lvl8pPr>
-            <a:lvl9pPr marL="3657600" indent="0">
-              <a:buNone/>
-              <a:defRPr sz="1600" b="1"/>
+            <a:lvl9pPr marL="1440363" indent="0">
+              <a:buNone/>
+              <a:defRPr sz="630" b="1"/>
             </a:lvl9pPr>
           </a:lstStyle>
           <a:p>
             <a:pPr lvl="0"/>
             <a:r>
-              <a:rPr lang="en-US" smtClean="0"/>
-              <a:t>Click to edit Master text styles</a:t>
+              <a:rPr lang="nb-NO" smtClean="0"/>
+              <a:t>Klikk for å redigere tekststiler i malen</a:t>
             </a:r>
           </a:p>
         </p:txBody>
@@ -1539,8 +1514,8 @@
         </p:nvSpPr>
         <p:spPr>
           <a:xfrm>
-            <a:off x="4629150" y="2505075"/>
-            <a:ext cx="3887391" cy="3684588"/>
+            <a:off x="1822728" y="1841114"/>
+            <a:ext cx="1530660" cy="2708002"/>
           </a:xfrm>
         </p:spPr>
         <p:txBody>
@@ -1549,36 +1524,36 @@
           <a:p>
             <a:pPr lvl="0"/>
             <a:r>
-              <a:rPr lang="en-US" smtClean="0"/>
-              <a:t>Click to edit Master text styles</a:t>
+              <a:rPr lang="nb-NO" smtClean="0"/>
+              <a:t>Klikk for å redigere tekststiler i malen</a:t>
             </a:r>
           </a:p>
           <a:p>
             <a:pPr lvl="1"/>
             <a:r>
-              <a:rPr lang="en-US" smtClean="0"/>
-              <a:t>Second level</a:t>
+              <a:rPr lang="nb-NO" smtClean="0"/>
+              <a:t>Andre nivå</a:t>
             </a:r>
           </a:p>
           <a:p>
             <a:pPr lvl="2"/>
             <a:r>
-              <a:rPr lang="en-US" smtClean="0"/>
-              <a:t>Third level</a:t>
+              <a:rPr lang="nb-NO" smtClean="0"/>
+              <a:t>Tredje nivå</a:t>
             </a:r>
           </a:p>
           <a:p>
             <a:pPr lvl="3"/>
             <a:r>
-              <a:rPr lang="en-US" smtClean="0"/>
-              <a:t>Fourth level</a:t>
+              <a:rPr lang="nb-NO" smtClean="0"/>
+              <a:t>Fjerde nivå</a:t>
             </a:r>
           </a:p>
           <a:p>
             <a:pPr lvl="4"/>
             <a:r>
-              <a:rPr lang="en-US" smtClean="0"/>
-              <a:t>Fifth level</a:t>
+              <a:rPr lang="nb-NO" smtClean="0"/>
+              <a:t>Femte nivå</a:t>
             </a:r>
             <a:endParaRPr lang="en-US" dirty="0"/>
           </a:p>
@@ -1601,7 +1576,7 @@
           <a:p>
             <a:fld id="{DB66AA82-ED40-495D-B06B-56AC191DBDA2}" type="datetimeFigureOut">
               <a:rPr lang="nb-NO" smtClean="0"/>
-              <a:t>06.10.2016</a:t>
+              <a:t>17.05.2017</a:t>
             </a:fld>
             <a:endParaRPr lang="nb-NO"/>
           </a:p>
@@ -1650,11 +1625,6 @@
         </p:txBody>
       </p:sp>
     </p:spTree>
-    <p:extLst>
-      <p:ext uri="{BB962C8B-B14F-4D97-AF65-F5344CB8AC3E}">
-        <p14:creationId xmlns:p14="http://schemas.microsoft.com/office/powerpoint/2010/main" val="918549774"/>
-      </p:ext>
-    </p:extLst>
   </p:cSld>
   <p:clrMapOvr>
     <a:masterClrMapping/>
@@ -1664,7 +1634,7 @@
 
 <file path=ppt/slideLayouts/slideLayout6.xml><?xml version="1.0" encoding="utf-8"?>
 <p:sldLayout xmlns:a="http://schemas.openxmlformats.org/drawingml/2006/main" xmlns:r="http://schemas.openxmlformats.org/officeDocument/2006/relationships" xmlns:p="http://schemas.openxmlformats.org/presentationml/2006/main" type="titleOnly" preserve="1">
-  <p:cSld name="Title Only">
+  <p:cSld name="Bare tittel">
     <p:spTree>
       <p:nvGrpSpPr>
         <p:cNvPr id="1" name=""/>
@@ -1695,8 +1665,8 @@
           <a:lstStyle/>
           <a:p>
             <a:r>
-              <a:rPr lang="en-US" smtClean="0"/>
-              <a:t>Click to edit Master title style</a:t>
+              <a:rPr lang="nb-NO" smtClean="0"/>
+              <a:t>Klikk for å redigere tittelstil</a:t>
             </a:r>
             <a:endParaRPr lang="en-US" dirty="0"/>
           </a:p>
@@ -1719,7 +1689,7 @@
           <a:p>
             <a:fld id="{DB66AA82-ED40-495D-B06B-56AC191DBDA2}" type="datetimeFigureOut">
               <a:rPr lang="nb-NO" smtClean="0"/>
-              <a:t>06.10.2016</a:t>
+              <a:t>17.05.2017</a:t>
             </a:fld>
             <a:endParaRPr lang="nb-NO"/>
           </a:p>
@@ -1768,11 +1738,6 @@
         </p:txBody>
       </p:sp>
     </p:spTree>
-    <p:extLst>
-      <p:ext uri="{BB962C8B-B14F-4D97-AF65-F5344CB8AC3E}">
-        <p14:creationId xmlns:p14="http://schemas.microsoft.com/office/powerpoint/2010/main" val="3336149357"/>
-      </p:ext>
-    </p:extLst>
   </p:cSld>
   <p:clrMapOvr>
     <a:masterClrMapping/>
@@ -1782,7 +1747,7 @@
 
 <file path=ppt/slideLayouts/slideLayout7.xml><?xml version="1.0" encoding="utf-8"?>
 <p:sldLayout xmlns:a="http://schemas.openxmlformats.org/drawingml/2006/main" xmlns:r="http://schemas.openxmlformats.org/officeDocument/2006/relationships" xmlns:p="http://schemas.openxmlformats.org/presentationml/2006/main" type="blank" preserve="1">
-  <p:cSld name="Blank">
+  <p:cSld name="Tom">
     <p:spTree>
       <p:nvGrpSpPr>
         <p:cNvPr id="1" name=""/>
@@ -1814,7 +1779,7 @@
           <a:p>
             <a:fld id="{DB66AA82-ED40-495D-B06B-56AC191DBDA2}" type="datetimeFigureOut">
               <a:rPr lang="nb-NO" smtClean="0"/>
-              <a:t>06.10.2016</a:t>
+              <a:t>17.05.2017</a:t>
             </a:fld>
             <a:endParaRPr lang="nb-NO"/>
           </a:p>
@@ -1863,11 +1828,6 @@
         </p:txBody>
       </p:sp>
     </p:spTree>
-    <p:extLst>
-      <p:ext uri="{BB962C8B-B14F-4D97-AF65-F5344CB8AC3E}">
-        <p14:creationId xmlns:p14="http://schemas.microsoft.com/office/powerpoint/2010/main" val="741921524"/>
-      </p:ext>
-    </p:extLst>
   </p:cSld>
   <p:clrMapOvr>
     <a:masterClrMapping/>
@@ -1877,7 +1837,7 @@
 
 <file path=ppt/slideLayouts/slideLayout8.xml><?xml version="1.0" encoding="utf-8"?>
 <p:sldLayout xmlns:a="http://schemas.openxmlformats.org/drawingml/2006/main" xmlns:r="http://schemas.openxmlformats.org/officeDocument/2006/relationships" xmlns:p="http://schemas.openxmlformats.org/presentationml/2006/main" type="objTx" preserve="1">
-  <p:cSld name="Content with Caption">
+  <p:cSld name="Innhold med tekst">
     <p:spTree>
       <p:nvGrpSpPr>
         <p:cNvPr id="1" name=""/>
@@ -1904,21 +1864,21 @@
         </p:nvSpPr>
         <p:spPr>
           <a:xfrm>
-            <a:off x="629841" y="457200"/>
-            <a:ext cx="2949178" cy="1600200"/>
+            <a:off x="248000" y="336021"/>
+            <a:ext cx="1161239" cy="1176073"/>
           </a:xfrm>
         </p:spPr>
         <p:txBody>
           <a:bodyPr anchor="b"/>
           <a:lstStyle>
             <a:lvl1pPr>
-              <a:defRPr sz="3200"/>
+              <a:defRPr sz="1260"/>
             </a:lvl1pPr>
           </a:lstStyle>
           <a:p>
             <a:r>
-              <a:rPr lang="en-US" smtClean="0"/>
-              <a:t>Click to edit Master title style</a:t>
+              <a:rPr lang="nb-NO" smtClean="0"/>
+              <a:t>Klikk for å redigere tittelstil</a:t>
             </a:r>
             <a:endParaRPr lang="en-US" dirty="0"/>
           </a:p>
@@ -1936,74 +1896,74 @@
         </p:nvSpPr>
         <p:spPr>
           <a:xfrm>
-            <a:off x="3887391" y="987426"/>
-            <a:ext cx="4629150" cy="4873625"/>
+            <a:off x="1530660" y="725713"/>
+            <a:ext cx="1822728" cy="3581889"/>
           </a:xfrm>
         </p:spPr>
         <p:txBody>
           <a:bodyPr/>
           <a:lstStyle>
             <a:lvl1pPr>
-              <a:defRPr sz="3200"/>
+              <a:defRPr sz="1260"/>
             </a:lvl1pPr>
             <a:lvl2pPr>
-              <a:defRPr sz="2800"/>
+              <a:defRPr sz="1103"/>
             </a:lvl2pPr>
             <a:lvl3pPr>
-              <a:defRPr sz="2400"/>
+              <a:defRPr sz="945"/>
             </a:lvl3pPr>
             <a:lvl4pPr>
-              <a:defRPr sz="2000"/>
+              <a:defRPr sz="788"/>
             </a:lvl4pPr>
             <a:lvl5pPr>
-              <a:defRPr sz="2000"/>
+              <a:defRPr sz="788"/>
             </a:lvl5pPr>
             <a:lvl6pPr>
-              <a:defRPr sz="2000"/>
+              <a:defRPr sz="788"/>
             </a:lvl6pPr>
             <a:lvl7pPr>
-              <a:defRPr sz="2000"/>
+              <a:defRPr sz="788"/>
             </a:lvl7pPr>
             <a:lvl8pPr>
-              <a:defRPr sz="2000"/>
+              <a:defRPr sz="788"/>
             </a:lvl8pPr>
             <a:lvl9pPr>
-              <a:defRPr sz="2000"/>
+              <a:defRPr sz="788"/>
             </a:lvl9pPr>
           </a:lstStyle>
           <a:p>
             <a:pPr lvl="0"/>
             <a:r>
-              <a:rPr lang="en-US" smtClean="0"/>
-              <a:t>Click to edit Master text styles</a:t>
+              <a:rPr lang="nb-NO" smtClean="0"/>
+              <a:t>Klikk for å redigere tekststiler i malen</a:t>
             </a:r>
           </a:p>
           <a:p>
             <a:pPr lvl="1"/>
             <a:r>
-              <a:rPr lang="en-US" smtClean="0"/>
-              <a:t>Second level</a:t>
+              <a:rPr lang="nb-NO" smtClean="0"/>
+              <a:t>Andre nivå</a:t>
             </a:r>
           </a:p>
           <a:p>
             <a:pPr lvl="2"/>
             <a:r>
-              <a:rPr lang="en-US" smtClean="0"/>
-              <a:t>Third level</a:t>
+              <a:rPr lang="nb-NO" smtClean="0"/>
+              <a:t>Tredje nivå</a:t>
             </a:r>
           </a:p>
           <a:p>
             <a:pPr lvl="3"/>
             <a:r>
-              <a:rPr lang="en-US" smtClean="0"/>
-              <a:t>Fourth level</a:t>
+              <a:rPr lang="nb-NO" smtClean="0"/>
+              <a:t>Fjerde nivå</a:t>
             </a:r>
           </a:p>
           <a:p>
             <a:pPr lvl="4"/>
             <a:r>
-              <a:rPr lang="en-US" smtClean="0"/>
-              <a:t>Fifth level</a:t>
+              <a:rPr lang="nb-NO" smtClean="0"/>
+              <a:t>Femte nivå</a:t>
             </a:r>
             <a:endParaRPr lang="en-US" dirty="0"/>
           </a:p>
@@ -2021,8 +1981,8 @@
         </p:nvSpPr>
         <p:spPr>
           <a:xfrm>
-            <a:off x="629841" y="2057400"/>
-            <a:ext cx="2949178" cy="3811588"/>
+            <a:off x="248000" y="1512094"/>
+            <a:ext cx="1161239" cy="2801341"/>
           </a:xfrm>
         </p:spPr>
         <p:txBody>
@@ -2030,46 +1990,46 @@
           <a:lstStyle>
             <a:lvl1pPr marL="0" indent="0">
               <a:buNone/>
-              <a:defRPr sz="1600"/>
+              <a:defRPr sz="630"/>
             </a:lvl1pPr>
-            <a:lvl2pPr marL="457200" indent="0">
-              <a:buNone/>
-              <a:defRPr sz="1400"/>
+            <a:lvl2pPr marL="180045" indent="0">
+              <a:buNone/>
+              <a:defRPr sz="551"/>
             </a:lvl2pPr>
-            <a:lvl3pPr marL="914400" indent="0">
-              <a:buNone/>
-              <a:defRPr sz="1200"/>
+            <a:lvl3pPr marL="360091" indent="0">
+              <a:buNone/>
+              <a:defRPr sz="473"/>
             </a:lvl3pPr>
-            <a:lvl4pPr marL="1371600" indent="0">
-              <a:buNone/>
-              <a:defRPr sz="1000"/>
+            <a:lvl4pPr marL="540136" indent="0">
+              <a:buNone/>
+              <a:defRPr sz="394"/>
             </a:lvl4pPr>
-            <a:lvl5pPr marL="1828800" indent="0">
-              <a:buNone/>
-              <a:defRPr sz="1000"/>
+            <a:lvl5pPr marL="720181" indent="0">
+              <a:buNone/>
+              <a:defRPr sz="394"/>
             </a:lvl5pPr>
-            <a:lvl6pPr marL="2286000" indent="0">
-              <a:buNone/>
-              <a:defRPr sz="1000"/>
+            <a:lvl6pPr marL="900227" indent="0">
+              <a:buNone/>
+              <a:defRPr sz="394"/>
             </a:lvl6pPr>
-            <a:lvl7pPr marL="2743200" indent="0">
-              <a:buNone/>
-              <a:defRPr sz="1000"/>
+            <a:lvl7pPr marL="1080272" indent="0">
+              <a:buNone/>
+              <a:defRPr sz="394"/>
             </a:lvl7pPr>
-            <a:lvl8pPr marL="3200400" indent="0">
-              <a:buNone/>
-              <a:defRPr sz="1000"/>
+            <a:lvl8pPr marL="1260318" indent="0">
+              <a:buNone/>
+              <a:defRPr sz="394"/>
             </a:lvl8pPr>
-            <a:lvl9pPr marL="3657600" indent="0">
-              <a:buNone/>
-              <a:defRPr sz="1000"/>
+            <a:lvl9pPr marL="1440363" indent="0">
+              <a:buNone/>
+              <a:defRPr sz="394"/>
             </a:lvl9pPr>
           </a:lstStyle>
           <a:p>
             <a:pPr lvl="0"/>
             <a:r>
-              <a:rPr lang="en-US" smtClean="0"/>
-              <a:t>Click to edit Master text styles</a:t>
+              <a:rPr lang="nb-NO" smtClean="0"/>
+              <a:t>Klikk for å redigere tekststiler i malen</a:t>
             </a:r>
           </a:p>
         </p:txBody>
@@ -2091,7 +2051,7 @@
           <a:p>
             <a:fld id="{DB66AA82-ED40-495D-B06B-56AC191DBDA2}" type="datetimeFigureOut">
               <a:rPr lang="nb-NO" smtClean="0"/>
-              <a:t>06.10.2016</a:t>
+              <a:t>17.05.2017</a:t>
             </a:fld>
             <a:endParaRPr lang="nb-NO"/>
           </a:p>
@@ -2140,11 +2100,6 @@
         </p:txBody>
       </p:sp>
     </p:spTree>
-    <p:extLst>
-      <p:ext uri="{BB962C8B-B14F-4D97-AF65-F5344CB8AC3E}">
-        <p14:creationId xmlns:p14="http://schemas.microsoft.com/office/powerpoint/2010/main" val="3901196159"/>
-      </p:ext>
-    </p:extLst>
   </p:cSld>
   <p:clrMapOvr>
     <a:masterClrMapping/>
@@ -2154,7 +2109,7 @@
 
 <file path=ppt/slideLayouts/slideLayout9.xml><?xml version="1.0" encoding="utf-8"?>
 <p:sldLayout xmlns:a="http://schemas.openxmlformats.org/drawingml/2006/main" xmlns:r="http://schemas.openxmlformats.org/officeDocument/2006/relationships" xmlns:p="http://schemas.openxmlformats.org/presentationml/2006/main" type="picTx" preserve="1">
-  <p:cSld name="Picture with Caption">
+  <p:cSld name="Bilde med tekst">
     <p:spTree>
       <p:nvGrpSpPr>
         <p:cNvPr id="1" name=""/>
@@ -2181,21 +2136,21 @@
         </p:nvSpPr>
         <p:spPr>
           <a:xfrm>
-            <a:off x="629841" y="457200"/>
-            <a:ext cx="2949178" cy="1600200"/>
+            <a:off x="248000" y="336021"/>
+            <a:ext cx="1161239" cy="1176073"/>
           </a:xfrm>
         </p:spPr>
         <p:txBody>
           <a:bodyPr anchor="b"/>
           <a:lstStyle>
             <a:lvl1pPr>
-              <a:defRPr sz="3200"/>
+              <a:defRPr sz="1260"/>
             </a:lvl1pPr>
           </a:lstStyle>
           <a:p>
             <a:r>
-              <a:rPr lang="en-US" smtClean="0"/>
-              <a:t>Click to edit Master title style</a:t>
+              <a:rPr lang="nb-NO" smtClean="0"/>
+              <a:t>Klikk for å redigere tittelstil</a:t>
             </a:r>
             <a:endParaRPr lang="en-US" dirty="0"/>
           </a:p>
@@ -2213,8 +2168,8 @@
         </p:nvSpPr>
         <p:spPr>
           <a:xfrm>
-            <a:off x="3887391" y="987426"/>
-            <a:ext cx="4629150" cy="4873625"/>
+            <a:off x="1530660" y="725713"/>
+            <a:ext cx="1822728" cy="3581889"/>
           </a:xfrm>
         </p:spPr>
         <p:txBody>
@@ -2222,45 +2177,45 @@
           <a:lstStyle>
             <a:lvl1pPr marL="0" indent="0">
               <a:buNone/>
-              <a:defRPr sz="3200"/>
+              <a:defRPr sz="1260"/>
             </a:lvl1pPr>
-            <a:lvl2pPr marL="457200" indent="0">
-              <a:buNone/>
-              <a:defRPr sz="2800"/>
+            <a:lvl2pPr marL="180045" indent="0">
+              <a:buNone/>
+              <a:defRPr sz="1103"/>
             </a:lvl2pPr>
-            <a:lvl3pPr marL="914400" indent="0">
-              <a:buNone/>
-              <a:defRPr sz="2400"/>
+            <a:lvl3pPr marL="360091" indent="0">
+              <a:buNone/>
+              <a:defRPr sz="945"/>
             </a:lvl3pPr>
-            <a:lvl4pPr marL="1371600" indent="0">
-              <a:buNone/>
-              <a:defRPr sz="2000"/>
+            <a:lvl4pPr marL="540136" indent="0">
+              <a:buNone/>
+              <a:defRPr sz="788"/>
             </a:lvl4pPr>
-            <a:lvl5pPr marL="1828800" indent="0">
-              <a:buNone/>
-              <a:defRPr sz="2000"/>
+            <a:lvl5pPr marL="720181" indent="0">
+              <a:buNone/>
+              <a:defRPr sz="788"/>
             </a:lvl5pPr>
-            <a:lvl6pPr marL="2286000" indent="0">
-              <a:buNone/>
-              <a:defRPr sz="2000"/>
+            <a:lvl6pPr marL="900227" indent="0">
+              <a:buNone/>
+              <a:defRPr sz="788"/>
             </a:lvl6pPr>
-            <a:lvl7pPr marL="2743200" indent="0">
-              <a:buNone/>
-              <a:defRPr sz="2000"/>
+            <a:lvl7pPr marL="1080272" indent="0">
+              <a:buNone/>
+              <a:defRPr sz="788"/>
             </a:lvl7pPr>
-            <a:lvl8pPr marL="3200400" indent="0">
-              <a:buNone/>
-              <a:defRPr sz="2000"/>
+            <a:lvl8pPr marL="1260318" indent="0">
+              <a:buNone/>
+              <a:defRPr sz="788"/>
             </a:lvl8pPr>
-            <a:lvl9pPr marL="3657600" indent="0">
-              <a:buNone/>
-              <a:defRPr sz="2000"/>
+            <a:lvl9pPr marL="1440363" indent="0">
+              <a:buNone/>
+              <a:defRPr sz="788"/>
             </a:lvl9pPr>
           </a:lstStyle>
           <a:p>
             <a:r>
-              <a:rPr lang="en-US" smtClean="0"/>
-              <a:t>Click icon to add picture</a:t>
+              <a:rPr lang="nb-NO" smtClean="0"/>
+              <a:t>Dra bildet til plassholderen eller klikk ikonet for å legge til</a:t>
             </a:r>
             <a:endParaRPr lang="en-US" dirty="0"/>
           </a:p>
@@ -2278,8 +2233,8 @@
         </p:nvSpPr>
         <p:spPr>
           <a:xfrm>
-            <a:off x="629841" y="2057400"/>
-            <a:ext cx="2949178" cy="3811588"/>
+            <a:off x="248000" y="1512094"/>
+            <a:ext cx="1161239" cy="2801341"/>
           </a:xfrm>
         </p:spPr>
         <p:txBody>
@@ -2287,46 +2242,46 @@
           <a:lstStyle>
             <a:lvl1pPr marL="0" indent="0">
               <a:buNone/>
-              <a:defRPr sz="1600"/>
+              <a:defRPr sz="630"/>
             </a:lvl1pPr>
-            <a:lvl2pPr marL="457200" indent="0">
-              <a:buNone/>
-              <a:defRPr sz="1400"/>
+            <a:lvl2pPr marL="180045" indent="0">
+              <a:buNone/>
+              <a:defRPr sz="551"/>
             </a:lvl2pPr>
-            <a:lvl3pPr marL="914400" indent="0">
-              <a:buNone/>
-              <a:defRPr sz="1200"/>
+            <a:lvl3pPr marL="360091" indent="0">
+              <a:buNone/>
+              <a:defRPr sz="473"/>
             </a:lvl3pPr>
-            <a:lvl4pPr marL="1371600" indent="0">
-              <a:buNone/>
-              <a:defRPr sz="1000"/>
+            <a:lvl4pPr marL="540136" indent="0">
+              <a:buNone/>
+              <a:defRPr sz="394"/>
             </a:lvl4pPr>
-            <a:lvl5pPr marL="1828800" indent="0">
-              <a:buNone/>
-              <a:defRPr sz="1000"/>
+            <a:lvl5pPr marL="720181" indent="0">
+              <a:buNone/>
+              <a:defRPr sz="394"/>
             </a:lvl5pPr>
-            <a:lvl6pPr marL="2286000" indent="0">
-              <a:buNone/>
-              <a:defRPr sz="1000"/>
+            <a:lvl6pPr marL="900227" indent="0">
+              <a:buNone/>
+              <a:defRPr sz="394"/>
             </a:lvl6pPr>
-            <a:lvl7pPr marL="2743200" indent="0">
-              <a:buNone/>
-              <a:defRPr sz="1000"/>
+            <a:lvl7pPr marL="1080272" indent="0">
+              <a:buNone/>
+              <a:defRPr sz="394"/>
             </a:lvl7pPr>
-            <a:lvl8pPr marL="3200400" indent="0">
-              <a:buNone/>
-              <a:defRPr sz="1000"/>
+            <a:lvl8pPr marL="1260318" indent="0">
+              <a:buNone/>
+              <a:defRPr sz="394"/>
             </a:lvl8pPr>
-            <a:lvl9pPr marL="3657600" indent="0">
-              <a:buNone/>
-              <a:defRPr sz="1000"/>
+            <a:lvl9pPr marL="1440363" indent="0">
+              <a:buNone/>
+              <a:defRPr sz="394"/>
             </a:lvl9pPr>
           </a:lstStyle>
           <a:p>
             <a:pPr lvl="0"/>
             <a:r>
-              <a:rPr lang="en-US" smtClean="0"/>
-              <a:t>Click to edit Master text styles</a:t>
+              <a:rPr lang="nb-NO" smtClean="0"/>
+              <a:t>Klikk for å redigere tekststiler i malen</a:t>
             </a:r>
           </a:p>
         </p:txBody>
@@ -2348,7 +2303,7 @@
           <a:p>
             <a:fld id="{DB66AA82-ED40-495D-B06B-56AC191DBDA2}" type="datetimeFigureOut">
               <a:rPr lang="nb-NO" smtClean="0"/>
-              <a:t>06.10.2016</a:t>
+              <a:t>17.05.2017</a:t>
             </a:fld>
             <a:endParaRPr lang="nb-NO"/>
           </a:p>
@@ -2397,11 +2352,6 @@
         </p:txBody>
       </p:sp>
     </p:spTree>
-    <p:extLst>
-      <p:ext uri="{BB962C8B-B14F-4D97-AF65-F5344CB8AC3E}">
-        <p14:creationId xmlns:p14="http://schemas.microsoft.com/office/powerpoint/2010/main" val="469152871"/>
-      </p:ext>
-    </p:extLst>
   </p:cSld>
   <p:clrMapOvr>
     <a:masterClrMapping/>
@@ -2443,8 +2393,8 @@
         </p:nvSpPr>
         <p:spPr>
           <a:xfrm>
-            <a:off x="628650" y="365126"/>
-            <a:ext cx="7886700" cy="1325563"/>
+            <a:off x="247531" y="268351"/>
+            <a:ext cx="3105388" cy="974228"/>
           </a:xfrm>
           <a:prstGeom prst="rect">
             <a:avLst/>
@@ -2457,8 +2407,8 @@
           <a:lstStyle/>
           <a:p>
             <a:r>
-              <a:rPr lang="en-US" smtClean="0"/>
-              <a:t>Click to edit Master title style</a:t>
+              <a:rPr lang="nb-NO" smtClean="0"/>
+              <a:t>Klikk for å redigere tittelstil</a:t>
             </a:r>
             <a:endParaRPr lang="en-US" dirty="0"/>
           </a:p>
@@ -2476,8 +2426,8 @@
         </p:nvSpPr>
         <p:spPr>
           <a:xfrm>
-            <a:off x="628650" y="1825625"/>
-            <a:ext cx="7886700" cy="4351338"/>
+            <a:off x="247531" y="1341750"/>
+            <a:ext cx="3105388" cy="3198032"/>
           </a:xfrm>
           <a:prstGeom prst="rect">
             <a:avLst/>
@@ -2491,36 +2441,36 @@
           <a:p>
             <a:pPr lvl="0"/>
             <a:r>
-              <a:rPr lang="en-US" smtClean="0"/>
-              <a:t>Click to edit Master text styles</a:t>
+              <a:rPr lang="nb-NO" smtClean="0"/>
+              <a:t>Klikk for å redigere tekststiler i malen</a:t>
             </a:r>
           </a:p>
           <a:p>
             <a:pPr lvl="1"/>
             <a:r>
-              <a:rPr lang="en-US" smtClean="0"/>
-              <a:t>Second level</a:t>
+              <a:rPr lang="nb-NO" smtClean="0"/>
+              <a:t>Andre nivå</a:t>
             </a:r>
           </a:p>
           <a:p>
             <a:pPr lvl="2"/>
             <a:r>
-              <a:rPr lang="en-US" smtClean="0"/>
-              <a:t>Third level</a:t>
+              <a:rPr lang="nb-NO" smtClean="0"/>
+              <a:t>Tredje nivå</a:t>
             </a:r>
           </a:p>
           <a:p>
             <a:pPr lvl="3"/>
             <a:r>
-              <a:rPr lang="en-US" smtClean="0"/>
-              <a:t>Fourth level</a:t>
+              <a:rPr lang="nb-NO" smtClean="0"/>
+              <a:t>Fjerde nivå</a:t>
             </a:r>
           </a:p>
           <a:p>
             <a:pPr lvl="4"/>
             <a:r>
-              <a:rPr lang="en-US" smtClean="0"/>
-              <a:t>Fifth level</a:t>
+              <a:rPr lang="nb-NO" smtClean="0"/>
+              <a:t>Femte nivå</a:t>
             </a:r>
             <a:endParaRPr lang="en-US" dirty="0"/>
           </a:p>
@@ -2538,8 +2488,8 @@
         </p:nvSpPr>
         <p:spPr>
           <a:xfrm>
-            <a:off x="628650" y="6356351"/>
-            <a:ext cx="2057400" cy="365125"/>
+            <a:off x="247531" y="4671625"/>
+            <a:ext cx="810101" cy="268350"/>
           </a:xfrm>
           <a:prstGeom prst="rect">
             <a:avLst/>
@@ -2549,7 +2499,7 @@
           <a:bodyPr vert="horz" lIns="91440" tIns="45720" rIns="91440" bIns="45720" rtlCol="0" anchor="ctr"/>
           <a:lstStyle>
             <a:lvl1pPr algn="l">
-              <a:defRPr sz="1200">
+              <a:defRPr sz="473">
                 <a:solidFill>
                   <a:schemeClr val="tx1">
                     <a:tint val="75000"/>
@@ -2561,7 +2511,7 @@
           <a:p>
             <a:fld id="{DB66AA82-ED40-495D-B06B-56AC191DBDA2}" type="datetimeFigureOut">
               <a:rPr lang="nb-NO" smtClean="0"/>
-              <a:t>06.10.2016</a:t>
+              <a:t>17.05.2017</a:t>
             </a:fld>
             <a:endParaRPr lang="nb-NO"/>
           </a:p>
@@ -2579,8 +2529,8 @@
         </p:nvSpPr>
         <p:spPr>
           <a:xfrm>
-            <a:off x="3028950" y="6356351"/>
-            <a:ext cx="3086100" cy="365125"/>
+            <a:off x="1192649" y="4671625"/>
+            <a:ext cx="1215152" cy="268350"/>
           </a:xfrm>
           <a:prstGeom prst="rect">
             <a:avLst/>
@@ -2590,7 +2540,7 @@
           <a:bodyPr vert="horz" lIns="91440" tIns="45720" rIns="91440" bIns="45720" rtlCol="0" anchor="ctr"/>
           <a:lstStyle>
             <a:lvl1pPr algn="ctr">
-              <a:defRPr sz="1200">
+              <a:defRPr sz="473">
                 <a:solidFill>
                   <a:schemeClr val="tx1">
                     <a:tint val="75000"/>
@@ -2616,8 +2566,8 @@
         </p:nvSpPr>
         <p:spPr>
           <a:xfrm>
-            <a:off x="6457950" y="6356351"/>
-            <a:ext cx="2057400" cy="365125"/>
+            <a:off x="2542818" y="4671625"/>
+            <a:ext cx="810101" cy="268350"/>
           </a:xfrm>
           <a:prstGeom prst="rect">
             <a:avLst/>
@@ -2627,7 +2577,7 @@
           <a:bodyPr vert="horz" lIns="91440" tIns="45720" rIns="91440" bIns="45720" rtlCol="0" anchor="ctr"/>
           <a:lstStyle>
             <a:lvl1pPr algn="r">
-              <a:defRPr sz="1200">
+              <a:defRPr sz="473">
                 <a:solidFill>
                   <a:schemeClr val="tx1">
                     <a:tint val="75000"/>
@@ -2648,27 +2598,27 @@
     </p:spTree>
     <p:extLst>
       <p:ext uri="{BB962C8B-B14F-4D97-AF65-F5344CB8AC3E}">
-        <p14:creationId xmlns:p14="http://schemas.microsoft.com/office/powerpoint/2010/main" val="2025134415"/>
+        <p14:creationId xmlns:p14="http://schemas.microsoft.com/office/powerpoint/2010/main" val="2090120593"/>
       </p:ext>
     </p:extLst>
   </p:cSld>
   <p:clrMap bg1="lt1" tx1="dk1" bg2="lt2" tx2="dk2" accent1="accent1" accent2="accent2" accent3="accent3" accent4="accent4" accent5="accent5" accent6="accent6" hlink="hlink" folHlink="folHlink"/>
   <p:sldLayoutIdLst>
-    <p:sldLayoutId id="2147483661" r:id="rId1"/>
-    <p:sldLayoutId id="2147483662" r:id="rId2"/>
-    <p:sldLayoutId id="2147483663" r:id="rId3"/>
-    <p:sldLayoutId id="2147483664" r:id="rId4"/>
-    <p:sldLayoutId id="2147483665" r:id="rId5"/>
-    <p:sldLayoutId id="2147483666" r:id="rId6"/>
-    <p:sldLayoutId id="2147483667" r:id="rId7"/>
-    <p:sldLayoutId id="2147483668" r:id="rId8"/>
-    <p:sldLayoutId id="2147483669" r:id="rId9"/>
-    <p:sldLayoutId id="2147483670" r:id="rId10"/>
-    <p:sldLayoutId id="2147483671" r:id="rId11"/>
+    <p:sldLayoutId id="2147483697" r:id="rId1"/>
+    <p:sldLayoutId id="2147483698" r:id="rId2"/>
+    <p:sldLayoutId id="2147483699" r:id="rId3"/>
+    <p:sldLayoutId id="2147483700" r:id="rId4"/>
+    <p:sldLayoutId id="2147483701" r:id="rId5"/>
+    <p:sldLayoutId id="2147483702" r:id="rId6"/>
+    <p:sldLayoutId id="2147483703" r:id="rId7"/>
+    <p:sldLayoutId id="2147483704" r:id="rId8"/>
+    <p:sldLayoutId id="2147483705" r:id="rId9"/>
+    <p:sldLayoutId id="2147483706" r:id="rId10"/>
+    <p:sldLayoutId id="2147483707" r:id="rId11"/>
   </p:sldLayoutIdLst>
   <p:txStyles>
     <p:titleStyle>
-      <a:lvl1pPr algn="l" defTabSz="914400" rtl="0" eaLnBrk="1" latinLnBrk="0" hangingPunct="1">
+      <a:lvl1pPr algn="l" defTabSz="360091" rtl="0" eaLnBrk="1" latinLnBrk="0" hangingPunct="1">
         <a:lnSpc>
           <a:spcPct val="90000"/>
         </a:lnSpc>
@@ -2676,7 +2626,7 @@
           <a:spcPct val="0"/>
         </a:spcBef>
         <a:buNone/>
-        <a:defRPr sz="4400" kern="1200">
+        <a:defRPr sz="1733" kern="1200">
           <a:solidFill>
             <a:schemeClr val="tx1"/>
           </a:solidFill>
@@ -2687,16 +2637,16 @@
       </a:lvl1pPr>
     </p:titleStyle>
     <p:bodyStyle>
-      <a:lvl1pPr marL="228600" indent="-228600" algn="l" defTabSz="914400" rtl="0" eaLnBrk="1" latinLnBrk="0" hangingPunct="1">
+      <a:lvl1pPr marL="90023" indent="-90023" algn="l" defTabSz="360091" rtl="0" eaLnBrk="1" latinLnBrk="0" hangingPunct="1">
         <a:lnSpc>
           <a:spcPct val="90000"/>
         </a:lnSpc>
         <a:spcBef>
-          <a:spcPts val="1000"/>
+          <a:spcPts val="394"/>
         </a:spcBef>
         <a:buFont typeface="Arial" panose="020B0604020202020204" pitchFamily="34" charset="0"/>
         <a:buChar char="•"/>
-        <a:defRPr sz="2800" kern="1200">
+        <a:defRPr sz="1103" kern="1200">
           <a:solidFill>
             <a:schemeClr val="tx1"/>
           </a:solidFill>
@@ -2705,16 +2655,16 @@
           <a:cs typeface="+mn-cs"/>
         </a:defRPr>
       </a:lvl1pPr>
-      <a:lvl2pPr marL="685800" indent="-228600" algn="l" defTabSz="914400" rtl="0" eaLnBrk="1" latinLnBrk="0" hangingPunct="1">
+      <a:lvl2pPr marL="270068" indent="-90023" algn="l" defTabSz="360091" rtl="0" eaLnBrk="1" latinLnBrk="0" hangingPunct="1">
         <a:lnSpc>
           <a:spcPct val="90000"/>
         </a:lnSpc>
         <a:spcBef>
-          <a:spcPts val="500"/>
+          <a:spcPts val="197"/>
         </a:spcBef>
         <a:buFont typeface="Arial" panose="020B0604020202020204" pitchFamily="34" charset="0"/>
         <a:buChar char="•"/>
-        <a:defRPr sz="2400" kern="1200">
+        <a:defRPr sz="945" kern="1200">
           <a:solidFill>
             <a:schemeClr val="tx1"/>
           </a:solidFill>
@@ -2723,16 +2673,16 @@
           <a:cs typeface="+mn-cs"/>
         </a:defRPr>
       </a:lvl2pPr>
-      <a:lvl3pPr marL="1143000" indent="-228600" algn="l" defTabSz="914400" rtl="0" eaLnBrk="1" latinLnBrk="0" hangingPunct="1">
+      <a:lvl3pPr marL="450113" indent="-90023" algn="l" defTabSz="360091" rtl="0" eaLnBrk="1" latinLnBrk="0" hangingPunct="1">
         <a:lnSpc>
           <a:spcPct val="90000"/>
         </a:lnSpc>
         <a:spcBef>
-          <a:spcPts val="500"/>
+          <a:spcPts val="197"/>
         </a:spcBef>
         <a:buFont typeface="Arial" panose="020B0604020202020204" pitchFamily="34" charset="0"/>
         <a:buChar char="•"/>
-        <a:defRPr sz="2000" kern="1200">
+        <a:defRPr sz="788" kern="1200">
           <a:solidFill>
             <a:schemeClr val="tx1"/>
           </a:solidFill>
@@ -2741,16 +2691,16 @@
           <a:cs typeface="+mn-cs"/>
         </a:defRPr>
       </a:lvl3pPr>
-      <a:lvl4pPr marL="1600200" indent="-228600" algn="l" defTabSz="914400" rtl="0" eaLnBrk="1" latinLnBrk="0" hangingPunct="1">
+      <a:lvl4pPr marL="630159" indent="-90023" algn="l" defTabSz="360091" rtl="0" eaLnBrk="1" latinLnBrk="0" hangingPunct="1">
         <a:lnSpc>
           <a:spcPct val="90000"/>
         </a:lnSpc>
         <a:spcBef>
-          <a:spcPts val="500"/>
+          <a:spcPts val="197"/>
         </a:spcBef>
         <a:buFont typeface="Arial" panose="020B0604020202020204" pitchFamily="34" charset="0"/>
         <a:buChar char="•"/>
-        <a:defRPr sz="1800" kern="1200">
+        <a:defRPr sz="709" kern="1200">
           <a:solidFill>
             <a:schemeClr val="tx1"/>
           </a:solidFill>
@@ -2759,16 +2709,16 @@
           <a:cs typeface="+mn-cs"/>
         </a:defRPr>
       </a:lvl4pPr>
-      <a:lvl5pPr marL="2057400" indent="-228600" algn="l" defTabSz="914400" rtl="0" eaLnBrk="1" latinLnBrk="0" hangingPunct="1">
+      <a:lvl5pPr marL="810204" indent="-90023" algn="l" defTabSz="360091" rtl="0" eaLnBrk="1" latinLnBrk="0" hangingPunct="1">
         <a:lnSpc>
           <a:spcPct val="90000"/>
         </a:lnSpc>
         <a:spcBef>
-          <a:spcPts val="500"/>
+          <a:spcPts val="197"/>
         </a:spcBef>
         <a:buFont typeface="Arial" panose="020B0604020202020204" pitchFamily="34" charset="0"/>
         <a:buChar char="•"/>
-        <a:defRPr sz="1800" kern="1200">
+        <a:defRPr sz="709" kern="1200">
           <a:solidFill>
             <a:schemeClr val="tx1"/>
           </a:solidFill>
@@ -2777,16 +2727,16 @@
           <a:cs typeface="+mn-cs"/>
         </a:defRPr>
       </a:lvl5pPr>
-      <a:lvl6pPr marL="2514600" indent="-228600" algn="l" defTabSz="914400" rtl="0" eaLnBrk="1" latinLnBrk="0" hangingPunct="1">
+      <a:lvl6pPr marL="990249" indent="-90023" algn="l" defTabSz="360091" rtl="0" eaLnBrk="1" latinLnBrk="0" hangingPunct="1">
         <a:lnSpc>
           <a:spcPct val="90000"/>
         </a:lnSpc>
         <a:spcBef>
-          <a:spcPts val="500"/>
+          <a:spcPts val="197"/>
         </a:spcBef>
         <a:buFont typeface="Arial" panose="020B0604020202020204" pitchFamily="34" charset="0"/>
         <a:buChar char="•"/>
-        <a:defRPr sz="1800" kern="1200">
+        <a:defRPr sz="709" kern="1200">
           <a:solidFill>
             <a:schemeClr val="tx1"/>
           </a:solidFill>
@@ -2795,16 +2745,16 @@
           <a:cs typeface="+mn-cs"/>
         </a:defRPr>
       </a:lvl6pPr>
-      <a:lvl7pPr marL="2971800" indent="-228600" algn="l" defTabSz="914400" rtl="0" eaLnBrk="1" latinLnBrk="0" hangingPunct="1">
+      <a:lvl7pPr marL="1170295" indent="-90023" algn="l" defTabSz="360091" rtl="0" eaLnBrk="1" latinLnBrk="0" hangingPunct="1">
         <a:lnSpc>
           <a:spcPct val="90000"/>
         </a:lnSpc>
         <a:spcBef>
-          <a:spcPts val="500"/>
+          <a:spcPts val="197"/>
         </a:spcBef>
         <a:buFont typeface="Arial" panose="020B0604020202020204" pitchFamily="34" charset="0"/>
         <a:buChar char="•"/>
-        <a:defRPr sz="1800" kern="1200">
+        <a:defRPr sz="709" kern="1200">
           <a:solidFill>
             <a:schemeClr val="tx1"/>
           </a:solidFill>
@@ -2813,16 +2763,16 @@
           <a:cs typeface="+mn-cs"/>
         </a:defRPr>
       </a:lvl7pPr>
-      <a:lvl8pPr marL="3429000" indent="-228600" algn="l" defTabSz="914400" rtl="0" eaLnBrk="1" latinLnBrk="0" hangingPunct="1">
+      <a:lvl8pPr marL="1350340" indent="-90023" algn="l" defTabSz="360091" rtl="0" eaLnBrk="1" latinLnBrk="0" hangingPunct="1">
         <a:lnSpc>
           <a:spcPct val="90000"/>
         </a:lnSpc>
         <a:spcBef>
-          <a:spcPts val="500"/>
+          <a:spcPts val="197"/>
         </a:spcBef>
         <a:buFont typeface="Arial" panose="020B0604020202020204" pitchFamily="34" charset="0"/>
         <a:buChar char="•"/>
-        <a:defRPr sz="1800" kern="1200">
+        <a:defRPr sz="709" kern="1200">
           <a:solidFill>
             <a:schemeClr val="tx1"/>
           </a:solidFill>
@@ -2831,16 +2781,16 @@
           <a:cs typeface="+mn-cs"/>
         </a:defRPr>
       </a:lvl8pPr>
-      <a:lvl9pPr marL="3886200" indent="-228600" algn="l" defTabSz="914400" rtl="0" eaLnBrk="1" latinLnBrk="0" hangingPunct="1">
+      <a:lvl9pPr marL="1530386" indent="-90023" algn="l" defTabSz="360091" rtl="0" eaLnBrk="1" latinLnBrk="0" hangingPunct="1">
         <a:lnSpc>
           <a:spcPct val="90000"/>
         </a:lnSpc>
         <a:spcBef>
-          <a:spcPts val="500"/>
+          <a:spcPts val="197"/>
         </a:spcBef>
         <a:buFont typeface="Arial" panose="020B0604020202020204" pitchFamily="34" charset="0"/>
         <a:buChar char="•"/>
-        <a:defRPr sz="1800" kern="1200">
+        <a:defRPr sz="709" kern="1200">
           <a:solidFill>
             <a:schemeClr val="tx1"/>
           </a:solidFill>
@@ -2854,8 +2804,8 @@
       <a:defPPr>
         <a:defRPr lang="en-US"/>
       </a:defPPr>
-      <a:lvl1pPr marL="0" algn="l" defTabSz="914400" rtl="0" eaLnBrk="1" latinLnBrk="0" hangingPunct="1">
-        <a:defRPr sz="1800" kern="1200">
+      <a:lvl1pPr marL="0" algn="l" defTabSz="360091" rtl="0" eaLnBrk="1" latinLnBrk="0" hangingPunct="1">
+        <a:defRPr sz="709" kern="1200">
           <a:solidFill>
             <a:schemeClr val="tx1"/>
           </a:solidFill>
@@ -2864,8 +2814,8 @@
           <a:cs typeface="+mn-cs"/>
         </a:defRPr>
       </a:lvl1pPr>
-      <a:lvl2pPr marL="457200" algn="l" defTabSz="914400" rtl="0" eaLnBrk="1" latinLnBrk="0" hangingPunct="1">
-        <a:defRPr sz="1800" kern="1200">
+      <a:lvl2pPr marL="180045" algn="l" defTabSz="360091" rtl="0" eaLnBrk="1" latinLnBrk="0" hangingPunct="1">
+        <a:defRPr sz="709" kern="1200">
           <a:solidFill>
             <a:schemeClr val="tx1"/>
           </a:solidFill>
@@ -2874,8 +2824,8 @@
           <a:cs typeface="+mn-cs"/>
         </a:defRPr>
       </a:lvl2pPr>
-      <a:lvl3pPr marL="914400" algn="l" defTabSz="914400" rtl="0" eaLnBrk="1" latinLnBrk="0" hangingPunct="1">
-        <a:defRPr sz="1800" kern="1200">
+      <a:lvl3pPr marL="360091" algn="l" defTabSz="360091" rtl="0" eaLnBrk="1" latinLnBrk="0" hangingPunct="1">
+        <a:defRPr sz="709" kern="1200">
           <a:solidFill>
             <a:schemeClr val="tx1"/>
           </a:solidFill>
@@ -2884,8 +2834,8 @@
           <a:cs typeface="+mn-cs"/>
         </a:defRPr>
       </a:lvl3pPr>
-      <a:lvl4pPr marL="1371600" algn="l" defTabSz="914400" rtl="0" eaLnBrk="1" latinLnBrk="0" hangingPunct="1">
-        <a:defRPr sz="1800" kern="1200">
+      <a:lvl4pPr marL="540136" algn="l" defTabSz="360091" rtl="0" eaLnBrk="1" latinLnBrk="0" hangingPunct="1">
+        <a:defRPr sz="709" kern="1200">
           <a:solidFill>
             <a:schemeClr val="tx1"/>
           </a:solidFill>
@@ -2894,8 +2844,8 @@
           <a:cs typeface="+mn-cs"/>
         </a:defRPr>
       </a:lvl4pPr>
-      <a:lvl5pPr marL="1828800" algn="l" defTabSz="914400" rtl="0" eaLnBrk="1" latinLnBrk="0" hangingPunct="1">
-        <a:defRPr sz="1800" kern="1200">
+      <a:lvl5pPr marL="720181" algn="l" defTabSz="360091" rtl="0" eaLnBrk="1" latinLnBrk="0" hangingPunct="1">
+        <a:defRPr sz="709" kern="1200">
           <a:solidFill>
             <a:schemeClr val="tx1"/>
           </a:solidFill>
@@ -2904,8 +2854,8 @@
           <a:cs typeface="+mn-cs"/>
         </a:defRPr>
       </a:lvl5pPr>
-      <a:lvl6pPr marL="2286000" algn="l" defTabSz="914400" rtl="0" eaLnBrk="1" latinLnBrk="0" hangingPunct="1">
-        <a:defRPr sz="1800" kern="1200">
+      <a:lvl6pPr marL="900227" algn="l" defTabSz="360091" rtl="0" eaLnBrk="1" latinLnBrk="0" hangingPunct="1">
+        <a:defRPr sz="709" kern="1200">
           <a:solidFill>
             <a:schemeClr val="tx1"/>
           </a:solidFill>
@@ -2914,8 +2864,8 @@
           <a:cs typeface="+mn-cs"/>
         </a:defRPr>
       </a:lvl6pPr>
-      <a:lvl7pPr marL="2743200" algn="l" defTabSz="914400" rtl="0" eaLnBrk="1" latinLnBrk="0" hangingPunct="1">
-        <a:defRPr sz="1800" kern="1200">
+      <a:lvl7pPr marL="1080272" algn="l" defTabSz="360091" rtl="0" eaLnBrk="1" latinLnBrk="0" hangingPunct="1">
+        <a:defRPr sz="709" kern="1200">
           <a:solidFill>
             <a:schemeClr val="tx1"/>
           </a:solidFill>
@@ -2924,8 +2874,8 @@
           <a:cs typeface="+mn-cs"/>
         </a:defRPr>
       </a:lvl7pPr>
-      <a:lvl8pPr marL="3200400" algn="l" defTabSz="914400" rtl="0" eaLnBrk="1" latinLnBrk="0" hangingPunct="1">
-        <a:defRPr sz="1800" kern="1200">
+      <a:lvl8pPr marL="1260318" algn="l" defTabSz="360091" rtl="0" eaLnBrk="1" latinLnBrk="0" hangingPunct="1">
+        <a:defRPr sz="709" kern="1200">
           <a:solidFill>
             <a:schemeClr val="tx1"/>
           </a:solidFill>
@@ -2934,8 +2884,8 @@
           <a:cs typeface="+mn-cs"/>
         </a:defRPr>
       </a:lvl8pPr>
-      <a:lvl9pPr marL="3657600" algn="l" defTabSz="914400" rtl="0" eaLnBrk="1" latinLnBrk="0" hangingPunct="1">
-        <a:defRPr sz="1800" kern="1200">
+      <a:lvl9pPr marL="1440363" algn="l" defTabSz="360091" rtl="0" eaLnBrk="1" latinLnBrk="0" hangingPunct="1">
+        <a:defRPr sz="709" kern="1200">
           <a:solidFill>
             <a:schemeClr val="tx1"/>
           </a:solidFill>
@@ -2968,16 +2918,16 @@
       </p:grpSpPr>
       <p:grpSp>
         <p:nvGrpSpPr>
-          <p:cNvPr id="71" name="Group 70"/>
+          <p:cNvPr id="2" name="Gruppe 1"/>
           <p:cNvGrpSpPr/>
           <p:nvPr/>
         </p:nvGrpSpPr>
         <p:grpSpPr>
           <a:xfrm>
-            <a:off x="50800" y="939799"/>
-            <a:ext cx="9014460" cy="4964603"/>
-            <a:chOff x="30480" y="38100"/>
-            <a:chExt cx="4530861" cy="2495316"/>
+            <a:off x="67734" y="50800"/>
+            <a:ext cx="3465266" cy="4820180"/>
+            <a:chOff x="50800" y="954416"/>
+            <a:chExt cx="3558585" cy="4949986"/>
           </a:xfrm>
         </p:grpSpPr>
         <p:sp>
@@ -2988,8 +2938,8 @@
           </p:nvSpPr>
           <p:spPr>
             <a:xfrm>
-              <a:off x="571730" y="45447"/>
-              <a:ext cx="540000" cy="540000"/>
+              <a:off x="1127654" y="954416"/>
+              <a:ext cx="1074367" cy="1074367"/>
             </a:xfrm>
             <a:prstGeom prst="rect">
               <a:avLst/>
@@ -3020,7 +2970,7 @@
             </a:fontRef>
           </p:style>
           <p:txBody>
-            <a:bodyPr rot="0" spcFirstLastPara="0" vertOverflow="overflow" horzOverflow="overflow" vert="horz" wrap="square" lIns="68580" tIns="34290" rIns="68580" bIns="34290" numCol="1" spcCol="0" rtlCol="0" fromWordArt="0" anchor="ctr" anchorCtr="0" forceAA="0" compatLnSpc="1">
+            <a:bodyPr rot="0" spcFirstLastPara="0" vertOverflow="overflow" horzOverflow="overflow" vert="horz" wrap="square" lIns="53769" tIns="26884" rIns="53769" bIns="26884" numCol="1" spcCol="0" rtlCol="0" fromWordArt="0" anchor="ctr" anchorCtr="0" forceAA="0" compatLnSpc="1">
               <a:prstTxWarp prst="textNoShape">
                 <a:avLst/>
               </a:prstTxWarp>
@@ -3030,7 +2980,7 @@
             <a:p>
               <a:pPr algn="ctr"/>
               <a:r>
-                <a:rPr lang="nb-NO" sz="1350" dirty="0">
+                <a:rPr lang="nb-NO" sz="1058" dirty="0">
                   <a:solidFill>
                     <a:schemeClr val="tx1"/>
                   </a:solidFill>
@@ -3042,14 +2992,14 @@
         </p:sp>
         <p:sp>
           <p:nvSpPr>
-            <p:cNvPr id="7" name="Oval 6"/>
+            <p:cNvPr id="8" name="Oval 7"/>
             <p:cNvSpPr/>
             <p:nvPr/>
           </p:nvSpPr>
           <p:spPr>
             <a:xfrm>
-              <a:off x="3060249" y="1277446"/>
-              <a:ext cx="270000" cy="270000"/>
+              <a:off x="1396246" y="3405563"/>
+              <a:ext cx="537184" cy="537184"/>
             </a:xfrm>
             <a:prstGeom prst="ellipse">
               <a:avLst/>
@@ -3078,7 +3028,7 @@
             </a:fontRef>
           </p:style>
           <p:txBody>
-            <a:bodyPr rot="0" spcFirstLastPara="0" vertOverflow="overflow" horzOverflow="overflow" vert="horz" wrap="square" lIns="68580" tIns="34290" rIns="68580" bIns="34290" numCol="1" spcCol="0" rtlCol="0" fromWordArt="0" anchor="ctr" anchorCtr="0" forceAA="0" compatLnSpc="1">
+            <a:bodyPr rot="0" spcFirstLastPara="0" vertOverflow="overflow" horzOverflow="overflow" vert="horz" wrap="square" lIns="53769" tIns="26884" rIns="53769" bIns="26884" numCol="1" spcCol="0" rtlCol="0" fromWordArt="0" anchor="ctr" anchorCtr="0" forceAA="0" compatLnSpc="1">
               <a:prstTxWarp prst="textNoShape">
                 <a:avLst/>
               </a:prstTxWarp>
@@ -3088,26 +3038,26 @@
             <a:p>
               <a:pPr algn="ctr"/>
               <a:r>
-                <a:rPr lang="nb-NO" sz="1350" dirty="0">
+                <a:rPr lang="nb-NO" sz="1058" dirty="0">
                   <a:solidFill>
                     <a:schemeClr val="tx1"/>
                   </a:solidFill>
                 </a:rPr>
-                <a:t>0</a:t>
+                <a:t>1</a:t>
               </a:r>
             </a:p>
           </p:txBody>
         </p:sp>
         <p:sp>
           <p:nvSpPr>
-            <p:cNvPr id="8" name="Oval 7"/>
+            <p:cNvPr id="9" name="Oval 8"/>
             <p:cNvSpPr/>
             <p:nvPr/>
           </p:nvSpPr>
           <p:spPr>
             <a:xfrm>
-              <a:off x="706730" y="1277446"/>
-              <a:ext cx="270000" cy="270000"/>
+              <a:off x="2196158" y="3405563"/>
+              <a:ext cx="537184" cy="537184"/>
             </a:xfrm>
             <a:prstGeom prst="ellipse">
               <a:avLst/>
@@ -3136,7 +3086,7 @@
             </a:fontRef>
           </p:style>
           <p:txBody>
-            <a:bodyPr rot="0" spcFirstLastPara="0" vertOverflow="overflow" horzOverflow="overflow" vert="horz" wrap="square" lIns="68580" tIns="34290" rIns="68580" bIns="34290" numCol="1" spcCol="0" rtlCol="0" fromWordArt="0" anchor="ctr" anchorCtr="0" forceAA="0" compatLnSpc="1">
+            <a:bodyPr rot="0" spcFirstLastPara="0" vertOverflow="overflow" horzOverflow="overflow" vert="horz" wrap="square" lIns="53769" tIns="26884" rIns="53769" bIns="26884" numCol="1" spcCol="0" rtlCol="0" fromWordArt="0" anchor="ctr" anchorCtr="0" forceAA="0" compatLnSpc="1">
               <a:prstTxWarp prst="textNoShape">
                 <a:avLst/>
               </a:prstTxWarp>
@@ -3146,26 +3096,26 @@
             <a:p>
               <a:pPr algn="ctr"/>
               <a:r>
-                <a:rPr lang="nb-NO" sz="1350" dirty="0">
+                <a:rPr lang="nb-NO" sz="1058" dirty="0">
                   <a:solidFill>
                     <a:schemeClr val="tx1"/>
                   </a:solidFill>
                 </a:rPr>
-                <a:t>1</a:t>
+                <a:t>2</a:t>
               </a:r>
             </a:p>
           </p:txBody>
         </p:sp>
         <p:sp>
           <p:nvSpPr>
-            <p:cNvPr id="9" name="Oval 8"/>
+            <p:cNvPr id="12" name="Oval 11"/>
             <p:cNvSpPr/>
             <p:nvPr/>
           </p:nvSpPr>
           <p:spPr>
             <a:xfrm>
-              <a:off x="1108783" y="1277446"/>
-              <a:ext cx="270000" cy="270000"/>
+              <a:off x="596334" y="3405563"/>
+              <a:ext cx="537184" cy="537184"/>
             </a:xfrm>
             <a:prstGeom prst="ellipse">
               <a:avLst/>
@@ -3194,7 +3144,7 @@
             </a:fontRef>
           </p:style>
           <p:txBody>
-            <a:bodyPr rot="0" spcFirstLastPara="0" vertOverflow="overflow" horzOverflow="overflow" vert="horz" wrap="square" lIns="68580" tIns="34290" rIns="68580" bIns="34290" numCol="1" spcCol="0" rtlCol="0" fromWordArt="0" anchor="ctr" anchorCtr="0" forceAA="0" compatLnSpc="1">
+            <a:bodyPr rot="0" spcFirstLastPara="0" vertOverflow="overflow" horzOverflow="overflow" vert="horz" wrap="square" lIns="53769" tIns="26884" rIns="53769" bIns="26884" numCol="1" spcCol="0" rtlCol="0" fromWordArt="0" anchor="ctr" anchorCtr="0" forceAA="0" compatLnSpc="1">
               <a:prstTxWarp prst="textNoShape">
                 <a:avLst/>
               </a:prstTxWarp>
@@ -3204,26 +3154,26 @@
             <a:p>
               <a:pPr algn="ctr"/>
               <a:r>
-                <a:rPr lang="nb-NO" sz="1350" dirty="0">
+                <a:rPr lang="nb-NO" sz="1058" dirty="0">
                   <a:solidFill>
                     <a:schemeClr val="tx1"/>
                   </a:solidFill>
                 </a:rPr>
-                <a:t>2</a:t>
+                <a:t>0</a:t>
               </a:r>
             </a:p>
           </p:txBody>
         </p:sp>
         <p:sp>
           <p:nvSpPr>
-            <p:cNvPr id="10" name="Oval 9"/>
+            <p:cNvPr id="19" name="Oval 18"/>
             <p:cNvSpPr/>
             <p:nvPr/>
           </p:nvSpPr>
           <p:spPr>
             <a:xfrm>
-              <a:off x="3870249" y="1277446"/>
-              <a:ext cx="270000" cy="270000"/>
+              <a:off x="2065067" y="5367218"/>
+              <a:ext cx="537184" cy="537184"/>
             </a:xfrm>
             <a:prstGeom prst="ellipse">
               <a:avLst/>
@@ -3252,7 +3202,7 @@
             </a:fontRef>
           </p:style>
           <p:txBody>
-            <a:bodyPr rot="0" spcFirstLastPara="0" vertOverflow="overflow" horzOverflow="overflow" vert="horz" wrap="square" lIns="68580" tIns="34290" rIns="68580" bIns="34290" numCol="1" spcCol="0" rtlCol="0" fromWordArt="0" anchor="ctr" anchorCtr="0" forceAA="0" compatLnSpc="1">
+            <a:bodyPr rot="0" spcFirstLastPara="0" vertOverflow="overflow" horzOverflow="overflow" vert="horz" wrap="square" lIns="53769" tIns="26884" rIns="53769" bIns="26884" numCol="1" spcCol="0" rtlCol="0" fromWordArt="0" anchor="ctr" anchorCtr="0" forceAA="0" compatLnSpc="1">
               <a:prstTxWarp prst="textNoShape">
                 <a:avLst/>
               </a:prstTxWarp>
@@ -3262,86 +3212,26 @@
             <a:p>
               <a:pPr algn="ctr"/>
               <a:r>
-                <a:rPr lang="nb-NO" sz="1350" dirty="0">
+                <a:rPr lang="nb-NO" sz="1058" dirty="0">
                   <a:solidFill>
                     <a:schemeClr val="tx1"/>
                   </a:solidFill>
                 </a:rPr>
-                <a:t>2</a:t>
+                <a:t>1</a:t>
               </a:r>
             </a:p>
           </p:txBody>
         </p:sp>
         <p:sp>
           <p:nvSpPr>
-            <p:cNvPr id="11" name="Rectangle 10"/>
+            <p:cNvPr id="22" name="Oval 21"/>
             <p:cNvSpPr/>
             <p:nvPr/>
           </p:nvSpPr>
           <p:spPr>
             <a:xfrm>
-              <a:off x="3330249" y="38100"/>
-              <a:ext cx="540000" cy="540000"/>
-            </a:xfrm>
-            <a:prstGeom prst="rect">
-              <a:avLst/>
-            </a:prstGeom>
-            <a:solidFill>
-              <a:schemeClr val="bg1"/>
-            </a:solidFill>
-            <a:ln>
-              <a:solidFill>
-                <a:schemeClr val="tx1"/>
-              </a:solidFill>
-            </a:ln>
-          </p:spPr>
-          <p:style>
-            <a:lnRef idx="2">
-              <a:schemeClr val="accent1">
-                <a:shade val="50000"/>
-              </a:schemeClr>
-            </a:lnRef>
-            <a:fillRef idx="1">
-              <a:schemeClr val="accent1"/>
-            </a:fillRef>
-            <a:effectRef idx="0">
-              <a:schemeClr val="accent1"/>
-            </a:effectRef>
-            <a:fontRef idx="minor">
-              <a:schemeClr val="lt1"/>
-            </a:fontRef>
-          </p:style>
-          <p:txBody>
-            <a:bodyPr rot="0" spcFirstLastPara="0" vertOverflow="overflow" horzOverflow="overflow" vert="horz" wrap="square" lIns="68580" tIns="34290" rIns="68580" bIns="34290" numCol="1" spcCol="0" rtlCol="0" fromWordArt="0" anchor="ctr" anchorCtr="0" forceAA="0" compatLnSpc="1">
-              <a:prstTxWarp prst="textNoShape">
-                <a:avLst/>
-              </a:prstTxWarp>
-              <a:noAutofit/>
-            </a:bodyPr>
-            <a:lstStyle/>
-            <a:p>
-              <a:pPr algn="ctr"/>
-              <a:r>
-                <a:rPr lang="nb-NO" sz="1350" dirty="0">
-                  <a:solidFill>
-                    <a:schemeClr val="tx1"/>
-                  </a:solidFill>
-                </a:rPr>
-                <a:t>2</a:t>
-              </a:r>
-            </a:p>
-          </p:txBody>
-        </p:sp>
-        <p:sp>
-          <p:nvSpPr>
-            <p:cNvPr id="12" name="Oval 11"/>
-            <p:cNvSpPr/>
-            <p:nvPr/>
-          </p:nvSpPr>
-          <p:spPr>
-            <a:xfrm>
-              <a:off x="304677" y="1277446"/>
-              <a:ext cx="270000" cy="270000"/>
+              <a:off x="50800" y="5367218"/>
+              <a:ext cx="537184" cy="537184"/>
             </a:xfrm>
             <a:prstGeom prst="ellipse">
               <a:avLst/>
@@ -3370,7 +3260,7 @@
             </a:fontRef>
           </p:style>
           <p:txBody>
-            <a:bodyPr rot="0" spcFirstLastPara="0" vertOverflow="overflow" horzOverflow="overflow" vert="horz" wrap="square" lIns="68580" tIns="34290" rIns="68580" bIns="34290" numCol="1" spcCol="0" rtlCol="0" fromWordArt="0" anchor="ctr" anchorCtr="0" forceAA="0" compatLnSpc="1">
+            <a:bodyPr rot="0" spcFirstLastPara="0" vertOverflow="overflow" horzOverflow="overflow" vert="horz" wrap="square" lIns="53769" tIns="26884" rIns="53769" bIns="26884" numCol="1" spcCol="0" rtlCol="0" fromWordArt="0" anchor="ctr" anchorCtr="0" forceAA="0" compatLnSpc="1">
               <a:prstTxWarp prst="textNoShape">
                 <a:avLst/>
               </a:prstTxWarp>
@@ -3380,239 +3270,7 @@
             <a:p>
               <a:pPr algn="ctr"/>
               <a:r>
-                <a:rPr lang="nb-NO" sz="1350" dirty="0">
-                  <a:solidFill>
-                    <a:schemeClr val="tx1"/>
-                  </a:solidFill>
-                </a:rPr>
-                <a:t>0</a:t>
-              </a:r>
-            </a:p>
-          </p:txBody>
-        </p:sp>
-        <p:sp>
-          <p:nvSpPr>
-            <p:cNvPr id="18" name="Oval 17"/>
-            <p:cNvSpPr/>
-            <p:nvPr/>
-          </p:nvSpPr>
-          <p:spPr>
-            <a:xfrm>
-              <a:off x="2710537" y="2263416"/>
-              <a:ext cx="270000" cy="270000"/>
-            </a:xfrm>
-            <a:prstGeom prst="ellipse">
-              <a:avLst/>
-            </a:prstGeom>
-            <a:noFill/>
-            <a:ln>
-              <a:solidFill>
-                <a:schemeClr val="tx1"/>
-              </a:solidFill>
-            </a:ln>
-          </p:spPr>
-          <p:style>
-            <a:lnRef idx="2">
-              <a:schemeClr val="accent1">
-                <a:shade val="50000"/>
-              </a:schemeClr>
-            </a:lnRef>
-            <a:fillRef idx="1">
-              <a:schemeClr val="accent1"/>
-            </a:fillRef>
-            <a:effectRef idx="0">
-              <a:schemeClr val="accent1"/>
-            </a:effectRef>
-            <a:fontRef idx="minor">
-              <a:schemeClr val="lt1"/>
-            </a:fontRef>
-          </p:style>
-          <p:txBody>
-            <a:bodyPr rot="0" spcFirstLastPara="0" vertOverflow="overflow" horzOverflow="overflow" vert="horz" wrap="square" lIns="68580" tIns="34290" rIns="68580" bIns="34290" numCol="1" spcCol="0" rtlCol="0" fromWordArt="0" anchor="ctr" anchorCtr="0" forceAA="0" compatLnSpc="1">
-              <a:prstTxWarp prst="textNoShape">
-                <a:avLst/>
-              </a:prstTxWarp>
-              <a:noAutofit/>
-            </a:bodyPr>
-            <a:lstStyle/>
-            <a:p>
-              <a:pPr algn="ctr"/>
-              <a:r>
-                <a:rPr lang="nb-NO" sz="1350" dirty="0">
-                  <a:solidFill>
-                    <a:schemeClr val="tx1"/>
-                  </a:solidFill>
-                </a:rPr>
-                <a:t>0</a:t>
-              </a:r>
-            </a:p>
-          </p:txBody>
-        </p:sp>
-        <p:sp>
-          <p:nvSpPr>
-            <p:cNvPr id="19" name="Oval 18"/>
-            <p:cNvSpPr/>
-            <p:nvPr/>
-          </p:nvSpPr>
-          <p:spPr>
-            <a:xfrm>
-              <a:off x="1042894" y="2263416"/>
-              <a:ext cx="270000" cy="270000"/>
-            </a:xfrm>
-            <a:prstGeom prst="ellipse">
-              <a:avLst/>
-            </a:prstGeom>
-            <a:noFill/>
-            <a:ln>
-              <a:solidFill>
-                <a:schemeClr val="tx1"/>
-              </a:solidFill>
-            </a:ln>
-          </p:spPr>
-          <p:style>
-            <a:lnRef idx="2">
-              <a:schemeClr val="accent1">
-                <a:shade val="50000"/>
-              </a:schemeClr>
-            </a:lnRef>
-            <a:fillRef idx="1">
-              <a:schemeClr val="accent1"/>
-            </a:fillRef>
-            <a:effectRef idx="0">
-              <a:schemeClr val="accent1"/>
-            </a:effectRef>
-            <a:fontRef idx="minor">
-              <a:schemeClr val="lt1"/>
-            </a:fontRef>
-          </p:style>
-          <p:txBody>
-            <a:bodyPr rot="0" spcFirstLastPara="0" vertOverflow="overflow" horzOverflow="overflow" vert="horz" wrap="square" lIns="68580" tIns="34290" rIns="68580" bIns="34290" numCol="1" spcCol="0" rtlCol="0" fromWordArt="0" anchor="ctr" anchorCtr="0" forceAA="0" compatLnSpc="1">
-              <a:prstTxWarp prst="textNoShape">
-                <a:avLst/>
-              </a:prstTxWarp>
-              <a:noAutofit/>
-            </a:bodyPr>
-            <a:lstStyle/>
-            <a:p>
-              <a:pPr algn="ctr"/>
-              <a:r>
-                <a:rPr lang="nb-NO" sz="1350" dirty="0">
-                  <a:solidFill>
-                    <a:schemeClr val="tx1"/>
-                  </a:solidFill>
-                </a:rPr>
-                <a:t>1</a:t>
-              </a:r>
-            </a:p>
-          </p:txBody>
-        </p:sp>
-        <p:sp>
-          <p:nvSpPr>
-            <p:cNvPr id="20" name="Oval 19"/>
-            <p:cNvSpPr/>
-            <p:nvPr/>
-          </p:nvSpPr>
-          <p:spPr>
-            <a:xfrm>
-              <a:off x="4291341" y="2263416"/>
-              <a:ext cx="270000" cy="270000"/>
-            </a:xfrm>
-            <a:prstGeom prst="ellipse">
-              <a:avLst/>
-            </a:prstGeom>
-            <a:noFill/>
-            <a:ln>
-              <a:solidFill>
-                <a:schemeClr val="tx1"/>
-              </a:solidFill>
-            </a:ln>
-          </p:spPr>
-          <p:style>
-            <a:lnRef idx="2">
-              <a:schemeClr val="accent1">
-                <a:shade val="50000"/>
-              </a:schemeClr>
-            </a:lnRef>
-            <a:fillRef idx="1">
-              <a:schemeClr val="accent1"/>
-            </a:fillRef>
-            <a:effectRef idx="0">
-              <a:schemeClr val="accent1"/>
-            </a:effectRef>
-            <a:fontRef idx="minor">
-              <a:schemeClr val="lt1"/>
-            </a:fontRef>
-          </p:style>
-          <p:txBody>
-            <a:bodyPr rot="0" spcFirstLastPara="0" vertOverflow="overflow" horzOverflow="overflow" vert="horz" wrap="square" lIns="68580" tIns="34290" rIns="68580" bIns="34290" numCol="1" spcCol="0" rtlCol="0" fromWordArt="0" anchor="ctr" anchorCtr="0" forceAA="0" compatLnSpc="1">
-              <a:prstTxWarp prst="textNoShape">
-                <a:avLst/>
-              </a:prstTxWarp>
-              <a:noAutofit/>
-            </a:bodyPr>
-            <a:lstStyle/>
-            <a:p>
-              <a:pPr algn="ctr"/>
-              <a:r>
-                <a:rPr lang="nb-NO" sz="1350" dirty="0">
-                  <a:solidFill>
-                    <a:schemeClr val="tx1"/>
-                  </a:solidFill>
-                </a:rPr>
-                <a:t>2</a:t>
-              </a:r>
-            </a:p>
-          </p:txBody>
-        </p:sp>
-        <p:sp>
-          <p:nvSpPr>
-            <p:cNvPr id="22" name="Oval 21"/>
-            <p:cNvSpPr/>
-            <p:nvPr/>
-          </p:nvSpPr>
-          <p:spPr>
-            <a:xfrm>
-              <a:off x="30480" y="2263416"/>
-              <a:ext cx="270000" cy="270000"/>
-            </a:xfrm>
-            <a:prstGeom prst="ellipse">
-              <a:avLst/>
-            </a:prstGeom>
-            <a:noFill/>
-            <a:ln>
-              <a:solidFill>
-                <a:schemeClr val="tx1"/>
-              </a:solidFill>
-            </a:ln>
-          </p:spPr>
-          <p:style>
-            <a:lnRef idx="2">
-              <a:schemeClr val="accent1">
-                <a:shade val="50000"/>
-              </a:schemeClr>
-            </a:lnRef>
-            <a:fillRef idx="1">
-              <a:schemeClr val="accent1"/>
-            </a:fillRef>
-            <a:effectRef idx="0">
-              <a:schemeClr val="accent1"/>
-            </a:effectRef>
-            <a:fontRef idx="minor">
-              <a:schemeClr val="lt1"/>
-            </a:fontRef>
-          </p:style>
-          <p:txBody>
-            <a:bodyPr rot="0" spcFirstLastPara="0" vertOverflow="overflow" horzOverflow="overflow" vert="horz" wrap="square" lIns="68580" tIns="34290" rIns="68580" bIns="34290" numCol="1" spcCol="0" rtlCol="0" fromWordArt="0" anchor="ctr" anchorCtr="0" forceAA="0" compatLnSpc="1">
-              <a:prstTxWarp prst="textNoShape">
-                <a:avLst/>
-              </a:prstTxWarp>
-              <a:noAutofit/>
-            </a:bodyPr>
-            <a:lstStyle/>
-            <a:p>
-              <a:pPr algn="ctr"/>
-              <a:r>
-                <a:rPr lang="nb-NO" sz="1350" dirty="0">
+                <a:rPr lang="nb-NO" sz="1058" dirty="0">
                   <a:solidFill>
                     <a:schemeClr val="tx1"/>
                   </a:solidFill>
@@ -3632,8 +3290,8 @@
           </p:nvCxnSpPr>
           <p:spPr>
             <a:xfrm flipH="1">
-              <a:off x="439676" y="585446"/>
-              <a:ext cx="399107" cy="692000"/>
+              <a:off x="864924" y="2028782"/>
+              <a:ext cx="794051" cy="1376782"/>
             </a:xfrm>
             <a:prstGeom prst="straightConnector1">
               <a:avLst/>
@@ -3668,8 +3326,8 @@
           </p:nvCxnSpPr>
           <p:spPr>
             <a:xfrm>
-              <a:off x="841730" y="585446"/>
-              <a:ext cx="0" cy="692000"/>
+              <a:off x="1664838" y="2028782"/>
+              <a:ext cx="0" cy="1376782"/>
             </a:xfrm>
             <a:prstGeom prst="straightConnector1">
               <a:avLst/>
@@ -3704,80 +3362,8 @@
           </p:nvCxnSpPr>
           <p:spPr>
             <a:xfrm>
-              <a:off x="841730" y="585446"/>
-              <a:ext cx="402053" cy="692000"/>
-            </a:xfrm>
-            <a:prstGeom prst="straightConnector1">
-              <a:avLst/>
-            </a:prstGeom>
-            <a:ln>
-              <a:tailEnd type="triangle"/>
-            </a:ln>
-          </p:spPr>
-          <p:style>
-            <a:lnRef idx="1">
-              <a:schemeClr val="dk1"/>
-            </a:lnRef>
-            <a:fillRef idx="0">
-              <a:schemeClr val="dk1"/>
-            </a:fillRef>
-            <a:effectRef idx="0">
-              <a:schemeClr val="dk1"/>
-            </a:effectRef>
-            <a:fontRef idx="minor">
-              <a:schemeClr val="tx1"/>
-            </a:fontRef>
-          </p:style>
-        </p:cxnSp>
-        <p:cxnSp>
-          <p:nvCxnSpPr>
-            <p:cNvPr id="32" name="Straight Arrow Connector 31"/>
-            <p:cNvCxnSpPr>
-              <a:stCxn id="11" idx="2"/>
-              <a:endCxn id="7" idx="0"/>
-            </p:cNvCxnSpPr>
-            <p:nvPr/>
-          </p:nvCxnSpPr>
-          <p:spPr>
-            <a:xfrm flipH="1">
-              <a:off x="3195249" y="578099"/>
-              <a:ext cx="405000" cy="699347"/>
-            </a:xfrm>
-            <a:prstGeom prst="straightConnector1">
-              <a:avLst/>
-            </a:prstGeom>
-            <a:ln>
-              <a:tailEnd type="triangle"/>
-            </a:ln>
-          </p:spPr>
-          <p:style>
-            <a:lnRef idx="1">
-              <a:schemeClr val="dk1"/>
-            </a:lnRef>
-            <a:fillRef idx="0">
-              <a:schemeClr val="dk1"/>
-            </a:fillRef>
-            <a:effectRef idx="0">
-              <a:schemeClr val="dk1"/>
-            </a:effectRef>
-            <a:fontRef idx="minor">
-              <a:schemeClr val="tx1"/>
-            </a:fontRef>
-          </p:style>
-        </p:cxnSp>
-        <p:cxnSp>
-          <p:nvCxnSpPr>
-            <p:cNvPr id="33" name="Straight Arrow Connector 32"/>
-            <p:cNvCxnSpPr>
-              <a:stCxn id="11" idx="2"/>
-              <a:endCxn id="10" idx="0"/>
-            </p:cNvCxnSpPr>
-            <p:nvPr/>
-          </p:nvCxnSpPr>
-          <p:spPr>
-            <a:xfrm>
-              <a:off x="3600249" y="578099"/>
-              <a:ext cx="405000" cy="699347"/>
+              <a:off x="1664838" y="2028782"/>
+              <a:ext cx="799912" cy="1376782"/>
             </a:xfrm>
             <a:prstGeom prst="straightConnector1">
               <a:avLst/>
@@ -3809,8 +3395,8 @@
           </p:nvSpPr>
           <p:spPr>
             <a:xfrm>
-              <a:off x="536687" y="2263416"/>
-              <a:ext cx="270000" cy="270000"/>
+              <a:off x="1057934" y="5367218"/>
+              <a:ext cx="537184" cy="537184"/>
             </a:xfrm>
             <a:prstGeom prst="ellipse">
               <a:avLst/>
@@ -3839,7 +3425,7 @@
             </a:fontRef>
           </p:style>
           <p:txBody>
-            <a:bodyPr rot="0" spcFirstLastPara="0" vertOverflow="overflow" horzOverflow="overflow" vert="horz" wrap="square" lIns="68580" tIns="34290" rIns="68580" bIns="34290" numCol="1" spcCol="0" rtlCol="0" fromWordArt="0" anchor="ctr" anchorCtr="0" forceAA="0" compatLnSpc="1">
+            <a:bodyPr rot="0" spcFirstLastPara="0" vertOverflow="overflow" horzOverflow="overflow" vert="horz" wrap="square" lIns="53769" tIns="26884" rIns="53769" bIns="26884" numCol="1" spcCol="0" rtlCol="0" fromWordArt="0" anchor="ctr" anchorCtr="0" forceAA="0" compatLnSpc="1">
               <a:prstTxWarp prst="textNoShape">
                 <a:avLst/>
               </a:prstTxWarp>
@@ -3849,7 +3435,7 @@
             <a:p>
               <a:pPr algn="ctr"/>
               <a:r>
-                <a:rPr lang="nb-NO" sz="1350" dirty="0">
+                <a:rPr lang="nb-NO" sz="1058" dirty="0">
                   <a:solidFill>
                     <a:schemeClr val="tx1"/>
                   </a:solidFill>
@@ -3867,8 +3453,8 @@
           </p:nvSpPr>
           <p:spPr>
             <a:xfrm>
-              <a:off x="1549101" y="2263416"/>
-              <a:ext cx="270000" cy="270000"/>
+              <a:off x="3072201" y="5367218"/>
+              <a:ext cx="537184" cy="537184"/>
             </a:xfrm>
             <a:prstGeom prst="ellipse">
               <a:avLst/>
@@ -3897,7 +3483,7 @@
             </a:fontRef>
           </p:style>
           <p:txBody>
-            <a:bodyPr rot="0" spcFirstLastPara="0" vertOverflow="overflow" horzOverflow="overflow" vert="horz" wrap="square" lIns="68580" tIns="34290" rIns="68580" bIns="34290" numCol="1" spcCol="0" rtlCol="0" fromWordArt="0" anchor="ctr" anchorCtr="0" forceAA="0" compatLnSpc="1">
+            <a:bodyPr rot="0" spcFirstLastPara="0" vertOverflow="overflow" horzOverflow="overflow" vert="horz" wrap="square" lIns="53769" tIns="26884" rIns="53769" bIns="26884" numCol="1" spcCol="0" rtlCol="0" fromWordArt="0" anchor="ctr" anchorCtr="0" forceAA="0" compatLnSpc="1">
               <a:prstTxWarp prst="textNoShape">
                 <a:avLst/>
               </a:prstTxWarp>
@@ -3907,181 +3493,7 @@
             <a:p>
               <a:pPr algn="ctr"/>
               <a:r>
-                <a:rPr lang="nb-NO" sz="1350" dirty="0">
-                  <a:solidFill>
-                    <a:schemeClr val="tx1"/>
-                  </a:solidFill>
-                </a:rPr>
-                <a:t>0</a:t>
-              </a:r>
-            </a:p>
-          </p:txBody>
-        </p:sp>
-        <p:sp>
-          <p:nvSpPr>
-            <p:cNvPr id="40" name="Oval 39"/>
-            <p:cNvSpPr/>
-            <p:nvPr/>
-          </p:nvSpPr>
-          <p:spPr>
-            <a:xfrm>
-              <a:off x="3896141" y="2263416"/>
-              <a:ext cx="270000" cy="270000"/>
-            </a:xfrm>
-            <a:prstGeom prst="ellipse">
-              <a:avLst/>
-            </a:prstGeom>
-            <a:noFill/>
-            <a:ln>
-              <a:solidFill>
-                <a:schemeClr val="tx1"/>
-              </a:solidFill>
-            </a:ln>
-          </p:spPr>
-          <p:style>
-            <a:lnRef idx="2">
-              <a:schemeClr val="accent1">
-                <a:shade val="50000"/>
-              </a:schemeClr>
-            </a:lnRef>
-            <a:fillRef idx="1">
-              <a:schemeClr val="accent1"/>
-            </a:fillRef>
-            <a:effectRef idx="0">
-              <a:schemeClr val="accent1"/>
-            </a:effectRef>
-            <a:fontRef idx="minor">
-              <a:schemeClr val="lt1"/>
-            </a:fontRef>
-          </p:style>
-          <p:txBody>
-            <a:bodyPr rot="0" spcFirstLastPara="0" vertOverflow="overflow" horzOverflow="overflow" vert="horz" wrap="square" lIns="68580" tIns="34290" rIns="68580" bIns="34290" numCol="1" spcCol="0" rtlCol="0" fromWordArt="0" anchor="ctr" anchorCtr="0" forceAA="0" compatLnSpc="1">
-              <a:prstTxWarp prst="textNoShape">
-                <a:avLst/>
-              </a:prstTxWarp>
-              <a:noAutofit/>
-            </a:bodyPr>
-            <a:lstStyle/>
-            <a:p>
-              <a:pPr algn="ctr"/>
-              <a:r>
-                <a:rPr lang="nb-NO" sz="1350" dirty="0">
-                  <a:solidFill>
-                    <a:schemeClr val="tx1"/>
-                  </a:solidFill>
-                </a:rPr>
-                <a:t>1</a:t>
-              </a:r>
-            </a:p>
-          </p:txBody>
-        </p:sp>
-        <p:sp>
-          <p:nvSpPr>
-            <p:cNvPr id="41" name="Oval 40"/>
-            <p:cNvSpPr/>
-            <p:nvPr/>
-          </p:nvSpPr>
-          <p:spPr>
-            <a:xfrm>
-              <a:off x="3105738" y="2263416"/>
-              <a:ext cx="270000" cy="270000"/>
-            </a:xfrm>
-            <a:prstGeom prst="ellipse">
-              <a:avLst/>
-            </a:prstGeom>
-            <a:noFill/>
-            <a:ln>
-              <a:solidFill>
-                <a:schemeClr val="tx1"/>
-              </a:solidFill>
-            </a:ln>
-          </p:spPr>
-          <p:style>
-            <a:lnRef idx="2">
-              <a:schemeClr val="accent1">
-                <a:shade val="50000"/>
-              </a:schemeClr>
-            </a:lnRef>
-            <a:fillRef idx="1">
-              <a:schemeClr val="accent1"/>
-            </a:fillRef>
-            <a:effectRef idx="0">
-              <a:schemeClr val="accent1"/>
-            </a:effectRef>
-            <a:fontRef idx="minor">
-              <a:schemeClr val="lt1"/>
-            </a:fontRef>
-          </p:style>
-          <p:txBody>
-            <a:bodyPr rot="0" spcFirstLastPara="0" vertOverflow="overflow" horzOverflow="overflow" vert="horz" wrap="square" lIns="68580" tIns="34290" rIns="68580" bIns="34290" numCol="1" spcCol="0" rtlCol="0" fromWordArt="0" anchor="ctr" anchorCtr="0" forceAA="0" compatLnSpc="1">
-              <a:prstTxWarp prst="textNoShape">
-                <a:avLst/>
-              </a:prstTxWarp>
-              <a:noAutofit/>
-            </a:bodyPr>
-            <a:lstStyle/>
-            <a:p>
-              <a:pPr algn="ctr"/>
-              <a:r>
-                <a:rPr lang="nb-NO" sz="1350" dirty="0">
-                  <a:solidFill>
-                    <a:schemeClr val="tx1"/>
-                  </a:solidFill>
-                </a:rPr>
-                <a:t>1</a:t>
-              </a:r>
-            </a:p>
-          </p:txBody>
-        </p:sp>
-        <p:sp>
-          <p:nvSpPr>
-            <p:cNvPr id="42" name="Oval 41"/>
-            <p:cNvSpPr/>
-            <p:nvPr/>
-          </p:nvSpPr>
-          <p:spPr>
-            <a:xfrm>
-              <a:off x="3500940" y="2263416"/>
-              <a:ext cx="270000" cy="270000"/>
-            </a:xfrm>
-            <a:prstGeom prst="ellipse">
-              <a:avLst/>
-            </a:prstGeom>
-            <a:noFill/>
-            <a:ln>
-              <a:solidFill>
-                <a:schemeClr val="tx1"/>
-              </a:solidFill>
-            </a:ln>
-          </p:spPr>
-          <p:style>
-            <a:lnRef idx="2">
-              <a:schemeClr val="accent1">
-                <a:shade val="50000"/>
-              </a:schemeClr>
-            </a:lnRef>
-            <a:fillRef idx="1">
-              <a:schemeClr val="accent1"/>
-            </a:fillRef>
-            <a:effectRef idx="0">
-              <a:schemeClr val="accent1"/>
-            </a:effectRef>
-            <a:fontRef idx="minor">
-              <a:schemeClr val="lt1"/>
-            </a:fontRef>
-          </p:style>
-          <p:txBody>
-            <a:bodyPr rot="0" spcFirstLastPara="0" vertOverflow="overflow" horzOverflow="overflow" vert="horz" wrap="square" lIns="68580" tIns="34290" rIns="68580" bIns="34290" numCol="1" spcCol="0" rtlCol="0" fromWordArt="0" anchor="ctr" anchorCtr="0" forceAA="0" compatLnSpc="1">
-              <a:prstTxWarp prst="textNoShape">
-                <a:avLst/>
-              </a:prstTxWarp>
-              <a:noAutofit/>
-            </a:bodyPr>
-            <a:lstStyle/>
-            <a:p>
-              <a:pPr algn="ctr"/>
-              <a:r>
-                <a:rPr lang="nb-NO" sz="1350" dirty="0">
+                <a:rPr lang="nb-NO" sz="1058" dirty="0">
                   <a:solidFill>
                     <a:schemeClr val="tx1"/>
                   </a:solidFill>
@@ -4093,186 +3505,6 @@
         </p:sp>
         <p:cxnSp>
           <p:nvCxnSpPr>
-            <p:cNvPr id="43" name="Straight Arrow Connector 42"/>
-            <p:cNvCxnSpPr>
-              <a:stCxn id="7" idx="4"/>
-              <a:endCxn id="18" idx="0"/>
-            </p:cNvCxnSpPr>
-            <p:nvPr/>
-          </p:nvCxnSpPr>
-          <p:spPr>
-            <a:xfrm flipH="1">
-              <a:off x="2845537" y="1547447"/>
-              <a:ext cx="349712" cy="715970"/>
-            </a:xfrm>
-            <a:prstGeom prst="straightConnector1">
-              <a:avLst/>
-            </a:prstGeom>
-            <a:ln>
-              <a:tailEnd type="triangle"/>
-            </a:ln>
-          </p:spPr>
-          <p:style>
-            <a:lnRef idx="1">
-              <a:schemeClr val="dk1"/>
-            </a:lnRef>
-            <a:fillRef idx="0">
-              <a:schemeClr val="dk1"/>
-            </a:fillRef>
-            <a:effectRef idx="0">
-              <a:schemeClr val="dk1"/>
-            </a:effectRef>
-            <a:fontRef idx="minor">
-              <a:schemeClr val="tx1"/>
-            </a:fontRef>
-          </p:style>
-        </p:cxnSp>
-        <p:cxnSp>
-          <p:nvCxnSpPr>
-            <p:cNvPr id="46" name="Straight Arrow Connector 45"/>
-            <p:cNvCxnSpPr>
-              <a:stCxn id="7" idx="4"/>
-              <a:endCxn id="41" idx="0"/>
-            </p:cNvCxnSpPr>
-            <p:nvPr/>
-          </p:nvCxnSpPr>
-          <p:spPr>
-            <a:xfrm>
-              <a:off x="3195249" y="1547447"/>
-              <a:ext cx="45490" cy="715970"/>
-            </a:xfrm>
-            <a:prstGeom prst="straightConnector1">
-              <a:avLst/>
-            </a:prstGeom>
-            <a:ln>
-              <a:tailEnd type="triangle"/>
-            </a:ln>
-          </p:spPr>
-          <p:style>
-            <a:lnRef idx="1">
-              <a:schemeClr val="dk1"/>
-            </a:lnRef>
-            <a:fillRef idx="0">
-              <a:schemeClr val="dk1"/>
-            </a:fillRef>
-            <a:effectRef idx="0">
-              <a:schemeClr val="dk1"/>
-            </a:effectRef>
-            <a:fontRef idx="minor">
-              <a:schemeClr val="tx1"/>
-            </a:fontRef>
-          </p:style>
-        </p:cxnSp>
-        <p:cxnSp>
-          <p:nvCxnSpPr>
-            <p:cNvPr id="49" name="Straight Arrow Connector 48"/>
-            <p:cNvCxnSpPr>
-              <a:stCxn id="10" idx="4"/>
-              <a:endCxn id="42" idx="0"/>
-            </p:cNvCxnSpPr>
-            <p:nvPr/>
-          </p:nvCxnSpPr>
-          <p:spPr>
-            <a:xfrm flipH="1">
-              <a:off x="3635940" y="1547447"/>
-              <a:ext cx="369309" cy="715970"/>
-            </a:xfrm>
-            <a:prstGeom prst="straightConnector1">
-              <a:avLst/>
-            </a:prstGeom>
-            <a:ln>
-              <a:tailEnd type="triangle"/>
-            </a:ln>
-          </p:spPr>
-          <p:style>
-            <a:lnRef idx="1">
-              <a:schemeClr val="dk1"/>
-            </a:lnRef>
-            <a:fillRef idx="0">
-              <a:schemeClr val="dk1"/>
-            </a:fillRef>
-            <a:effectRef idx="0">
-              <a:schemeClr val="dk1"/>
-            </a:effectRef>
-            <a:fontRef idx="minor">
-              <a:schemeClr val="tx1"/>
-            </a:fontRef>
-          </p:style>
-        </p:cxnSp>
-        <p:cxnSp>
-          <p:nvCxnSpPr>
-            <p:cNvPr id="52" name="Straight Arrow Connector 51"/>
-            <p:cNvCxnSpPr>
-              <a:stCxn id="10" idx="4"/>
-              <a:endCxn id="40" idx="0"/>
-            </p:cNvCxnSpPr>
-            <p:nvPr/>
-          </p:nvCxnSpPr>
-          <p:spPr>
-            <a:xfrm>
-              <a:off x="4005249" y="1547447"/>
-              <a:ext cx="25892" cy="715970"/>
-            </a:xfrm>
-            <a:prstGeom prst="straightConnector1">
-              <a:avLst/>
-            </a:prstGeom>
-            <a:ln>
-              <a:tailEnd type="triangle"/>
-            </a:ln>
-          </p:spPr>
-          <p:style>
-            <a:lnRef idx="1">
-              <a:schemeClr val="dk1"/>
-            </a:lnRef>
-            <a:fillRef idx="0">
-              <a:schemeClr val="dk1"/>
-            </a:fillRef>
-            <a:effectRef idx="0">
-              <a:schemeClr val="dk1"/>
-            </a:effectRef>
-            <a:fontRef idx="minor">
-              <a:schemeClr val="tx1"/>
-            </a:fontRef>
-          </p:style>
-        </p:cxnSp>
-        <p:cxnSp>
-          <p:nvCxnSpPr>
-            <p:cNvPr id="55" name="Straight Arrow Connector 54"/>
-            <p:cNvCxnSpPr>
-              <a:stCxn id="10" idx="4"/>
-              <a:endCxn id="20" idx="0"/>
-            </p:cNvCxnSpPr>
-            <p:nvPr/>
-          </p:nvCxnSpPr>
-          <p:spPr>
-            <a:xfrm>
-              <a:off x="4005249" y="1547447"/>
-              <a:ext cx="421093" cy="715970"/>
-            </a:xfrm>
-            <a:prstGeom prst="straightConnector1">
-              <a:avLst/>
-            </a:prstGeom>
-            <a:ln>
-              <a:tailEnd type="triangle"/>
-            </a:ln>
-          </p:spPr>
-          <p:style>
-            <a:lnRef idx="1">
-              <a:schemeClr val="dk1"/>
-            </a:lnRef>
-            <a:fillRef idx="0">
-              <a:schemeClr val="dk1"/>
-            </a:fillRef>
-            <a:effectRef idx="0">
-              <a:schemeClr val="dk1"/>
-            </a:effectRef>
-            <a:fontRef idx="minor">
-              <a:schemeClr val="tx1"/>
-            </a:fontRef>
-          </p:style>
-        </p:cxnSp>
-        <p:cxnSp>
-          <p:nvCxnSpPr>
             <p:cNvPr id="58" name="Straight Arrow Connector 57"/>
             <p:cNvCxnSpPr>
               <a:stCxn id="12" idx="4"/>
@@ -4282,8 +3514,8 @@
           </p:nvCxnSpPr>
           <p:spPr>
             <a:xfrm flipH="1">
-              <a:off x="165480" y="1547447"/>
-              <a:ext cx="274197" cy="715970"/>
+              <a:off x="319392" y="3942749"/>
+              <a:ext cx="545534" cy="1424472"/>
             </a:xfrm>
             <a:prstGeom prst="straightConnector1">
               <a:avLst/>
@@ -4318,8 +3550,8 @@
           </p:nvCxnSpPr>
           <p:spPr>
             <a:xfrm flipH="1">
-              <a:off x="671687" y="1547447"/>
-              <a:ext cx="170043" cy="715970"/>
+              <a:off x="1326525" y="3942749"/>
+              <a:ext cx="338312" cy="1424472"/>
             </a:xfrm>
             <a:prstGeom prst="straightConnector1">
               <a:avLst/>
@@ -4354,8 +3586,8 @@
           </p:nvCxnSpPr>
           <p:spPr>
             <a:xfrm>
-              <a:off x="841730" y="1547447"/>
-              <a:ext cx="336164" cy="715970"/>
+              <a:off x="1664838" y="3942749"/>
+              <a:ext cx="668821" cy="1424472"/>
             </a:xfrm>
             <a:prstGeom prst="straightConnector1">
               <a:avLst/>
@@ -4390,8 +3622,8 @@
           </p:nvCxnSpPr>
           <p:spPr>
             <a:xfrm>
-              <a:off x="1243784" y="1547447"/>
-              <a:ext cx="440318" cy="715970"/>
+              <a:off x="2464752" y="3942749"/>
+              <a:ext cx="876043" cy="1424472"/>
             </a:xfrm>
             <a:prstGeom prst="straightConnector1">
               <a:avLst/>
@@ -4432,7 +3664,7 @@
 <file path=ppt/theme/theme1.xml><?xml version="1.0" encoding="utf-8"?>
 <a:theme xmlns:a="http://schemas.openxmlformats.org/drawingml/2006/main" name="Office Theme">
   <a:themeElements>
-    <a:clrScheme name="Office Theme">
+    <a:clrScheme name="Office-tema">
       <a:dk1>
         <a:sysClr val="windowText" lastClr="000000"/>
       </a:dk1>
@@ -4446,7 +3678,7 @@
         <a:srgbClr val="E7E6E6"/>
       </a:lt2>
       <a:accent1>
-        <a:srgbClr val="5B9BD5"/>
+        <a:srgbClr val="4472C4"/>
       </a:accent1>
       <a:accent2>
         <a:srgbClr val="ED7D31"/>
@@ -4458,7 +3690,7 @@
         <a:srgbClr val="FFC000"/>
       </a:accent4>
       <a:accent5>
-        <a:srgbClr val="4472C4"/>
+        <a:srgbClr val="5B9BD5"/>
       </a:accent5>
       <a:accent6>
         <a:srgbClr val="70AD47"/>
@@ -4470,14 +3702,14 @@
         <a:srgbClr val="954F72"/>
       </a:folHlink>
     </a:clrScheme>
-    <a:fontScheme name="Office Theme">
+    <a:fontScheme name="Office-tema">
       <a:majorFont>
         <a:latin typeface="Calibri Light" panose="020F0302020204030204"/>
         <a:ea typeface=""/>
         <a:cs typeface=""/>
-        <a:font script="Jpan" typeface="ＭＳ Ｐゴシック"/>
+        <a:font script="Jpan" typeface="游ゴシック Light"/>
         <a:font script="Hang" typeface="맑은 고딕"/>
-        <a:font script="Hans" typeface="宋体"/>
+        <a:font script="Hans" typeface="等线 Light"/>
         <a:font script="Hant" typeface="新細明體"/>
         <a:font script="Arab" typeface="Times New Roman"/>
         <a:font script="Hebr" typeface="Times New Roman"/>
@@ -4510,9 +3742,9 @@
         <a:latin typeface="Calibri" panose="020F0502020204030204"/>
         <a:ea typeface=""/>
         <a:cs typeface=""/>
-        <a:font script="Jpan" typeface="ＭＳ Ｐゴシック"/>
+        <a:font script="Jpan" typeface="游ゴシック"/>
         <a:font script="Hang" typeface="맑은 고딕"/>
-        <a:font script="Hans" typeface="宋体"/>
+        <a:font script="Hans" typeface="等线"/>
         <a:font script="Hant" typeface="新細明體"/>
         <a:font script="Arab" typeface="Arial"/>
         <a:font script="Hebr" typeface="Arial"/>
@@ -4542,7 +3774,7 @@
         <a:font script="Geor" typeface="Sylfaen"/>
       </a:minorFont>
     </a:fontScheme>
-    <a:fmtScheme name="Office Theme">
+    <a:fmtScheme name="Office-tema">
       <a:fillStyleLst>
         <a:solidFill>
           <a:schemeClr val="phClr"/>

--- a/Figures/Track-tree.pptx
+++ b/Figures/Track-tree.pptx
@@ -2,19 +2,19 @@
 <file path=ppt/presentation.xml><?xml version="1.0" encoding="utf-8"?>
 <p:presentation xmlns:a="http://schemas.openxmlformats.org/drawingml/2006/main" xmlns:r="http://schemas.openxmlformats.org/officeDocument/2006/relationships" xmlns:p="http://schemas.openxmlformats.org/presentationml/2006/main" saveSubsetFonts="1">
   <p:sldMasterIdLst>
-    <p:sldMasterId id="2147483696" r:id="rId1"/>
+    <p:sldMasterId id="2147483720" r:id="rId1"/>
   </p:sldMasterIdLst>
   <p:sldIdLst>
     <p:sldId id="256" r:id="rId2"/>
   </p:sldIdLst>
-  <p:sldSz cx="3600450" cy="5040313"/>
+  <p:sldSz cx="4319588" cy="2519363"/>
   <p:notesSz cx="6858000" cy="9144000"/>
   <p:defaultTextStyle>
     <a:defPPr>
-      <a:defRPr lang="nb-NO"/>
+      <a:defRPr lang="en-US"/>
     </a:defPPr>
-    <a:lvl1pPr marL="0" algn="l" defTabSz="575949" rtl="0" eaLnBrk="1" latinLnBrk="0" hangingPunct="1">
-      <a:defRPr sz="1134" kern="1200">
+    <a:lvl1pPr marL="0" algn="l" defTabSz="457200" rtl="0" eaLnBrk="1" latinLnBrk="0" hangingPunct="1">
+      <a:defRPr sz="1800" kern="1200">
         <a:solidFill>
           <a:schemeClr val="tx1"/>
         </a:solidFill>
@@ -23,8 +23,8 @@
         <a:cs typeface="+mn-cs"/>
       </a:defRPr>
     </a:lvl1pPr>
-    <a:lvl2pPr marL="287975" algn="l" defTabSz="575949" rtl="0" eaLnBrk="1" latinLnBrk="0" hangingPunct="1">
-      <a:defRPr sz="1134" kern="1200">
+    <a:lvl2pPr marL="457200" algn="l" defTabSz="457200" rtl="0" eaLnBrk="1" latinLnBrk="0" hangingPunct="1">
+      <a:defRPr sz="1800" kern="1200">
         <a:solidFill>
           <a:schemeClr val="tx1"/>
         </a:solidFill>
@@ -33,8 +33,8 @@
         <a:cs typeface="+mn-cs"/>
       </a:defRPr>
     </a:lvl2pPr>
-    <a:lvl3pPr marL="575949" algn="l" defTabSz="575949" rtl="0" eaLnBrk="1" latinLnBrk="0" hangingPunct="1">
-      <a:defRPr sz="1134" kern="1200">
+    <a:lvl3pPr marL="914400" algn="l" defTabSz="457200" rtl="0" eaLnBrk="1" latinLnBrk="0" hangingPunct="1">
+      <a:defRPr sz="1800" kern="1200">
         <a:solidFill>
           <a:schemeClr val="tx1"/>
         </a:solidFill>
@@ -43,8 +43,8 @@
         <a:cs typeface="+mn-cs"/>
       </a:defRPr>
     </a:lvl3pPr>
-    <a:lvl4pPr marL="863923" algn="l" defTabSz="575949" rtl="0" eaLnBrk="1" latinLnBrk="0" hangingPunct="1">
-      <a:defRPr sz="1134" kern="1200">
+    <a:lvl4pPr marL="1371600" algn="l" defTabSz="457200" rtl="0" eaLnBrk="1" latinLnBrk="0" hangingPunct="1">
+      <a:defRPr sz="1800" kern="1200">
         <a:solidFill>
           <a:schemeClr val="tx1"/>
         </a:solidFill>
@@ -53,8 +53,8 @@
         <a:cs typeface="+mn-cs"/>
       </a:defRPr>
     </a:lvl4pPr>
-    <a:lvl5pPr marL="1151898" algn="l" defTabSz="575949" rtl="0" eaLnBrk="1" latinLnBrk="0" hangingPunct="1">
-      <a:defRPr sz="1134" kern="1200">
+    <a:lvl5pPr marL="1828800" algn="l" defTabSz="457200" rtl="0" eaLnBrk="1" latinLnBrk="0" hangingPunct="1">
+      <a:defRPr sz="1800" kern="1200">
         <a:solidFill>
           <a:schemeClr val="tx1"/>
         </a:solidFill>
@@ -63,8 +63,8 @@
         <a:cs typeface="+mn-cs"/>
       </a:defRPr>
     </a:lvl5pPr>
-    <a:lvl6pPr marL="1439873" algn="l" defTabSz="575949" rtl="0" eaLnBrk="1" latinLnBrk="0" hangingPunct="1">
-      <a:defRPr sz="1134" kern="1200">
+    <a:lvl6pPr marL="2286000" algn="l" defTabSz="457200" rtl="0" eaLnBrk="1" latinLnBrk="0" hangingPunct="1">
+      <a:defRPr sz="1800" kern="1200">
         <a:solidFill>
           <a:schemeClr val="tx1"/>
         </a:solidFill>
@@ -73,8 +73,8 @@
         <a:cs typeface="+mn-cs"/>
       </a:defRPr>
     </a:lvl6pPr>
-    <a:lvl7pPr marL="1727847" algn="l" defTabSz="575949" rtl="0" eaLnBrk="1" latinLnBrk="0" hangingPunct="1">
-      <a:defRPr sz="1134" kern="1200">
+    <a:lvl7pPr marL="2743200" algn="l" defTabSz="457200" rtl="0" eaLnBrk="1" latinLnBrk="0" hangingPunct="1">
+      <a:defRPr sz="1800" kern="1200">
         <a:solidFill>
           <a:schemeClr val="tx1"/>
         </a:solidFill>
@@ -83,8 +83,8 @@
         <a:cs typeface="+mn-cs"/>
       </a:defRPr>
     </a:lvl7pPr>
-    <a:lvl8pPr marL="2015822" algn="l" defTabSz="575949" rtl="0" eaLnBrk="1" latinLnBrk="0" hangingPunct="1">
-      <a:defRPr sz="1134" kern="1200">
+    <a:lvl8pPr marL="3200400" algn="l" defTabSz="457200" rtl="0" eaLnBrk="1" latinLnBrk="0" hangingPunct="1">
+      <a:defRPr sz="1800" kern="1200">
         <a:solidFill>
           <a:schemeClr val="tx1"/>
         </a:solidFill>
@@ -93,8 +93,8 @@
         <a:cs typeface="+mn-cs"/>
       </a:defRPr>
     </a:lvl8pPr>
-    <a:lvl9pPr marL="2303796" algn="l" defTabSz="575949" rtl="0" eaLnBrk="1" latinLnBrk="0" hangingPunct="1">
-      <a:defRPr sz="1134" kern="1200">
+    <a:lvl9pPr marL="3657600" algn="l" defTabSz="457200" rtl="0" eaLnBrk="1" latinLnBrk="0" hangingPunct="1">
+      <a:defRPr sz="1800" kern="1200">
         <a:solidFill>
           <a:schemeClr val="tx1"/>
         </a:solidFill>
@@ -110,6 +110,10 @@
     </p:ext>
   </p:extLst>
 </p:presentation>
+</file>
+
+<file path=ppt/revisionInfo.xml><?xml version="1.0" encoding="utf-8"?>
+<p1510:revInfo xmlns:a="http://schemas.openxmlformats.org/drawingml/2006/main" xmlns:r="http://schemas.openxmlformats.org/officeDocument/2006/relationships" xmlns:p1510="http://schemas.microsoft.com/office/powerpoint/2015/10/main"/>
 </file>
 
 <file path=ppt/slideLayouts/slideLayout1.xml><?xml version="1.0" encoding="utf-8"?>
@@ -141,20 +145,20 @@
         </p:nvSpPr>
         <p:spPr>
           <a:xfrm>
-            <a:off x="270034" y="824885"/>
-            <a:ext cx="3060383" cy="1754776"/>
+            <a:off x="539949" y="412312"/>
+            <a:ext cx="3239691" cy="877112"/>
           </a:xfrm>
         </p:spPr>
         <p:txBody>
           <a:bodyPr anchor="b"/>
           <a:lstStyle>
             <a:lvl1pPr algn="ctr">
-              <a:defRPr sz="2363"/>
+              <a:defRPr sz="2126"/>
             </a:lvl1pPr>
           </a:lstStyle>
           <a:p>
             <a:r>
-              <a:rPr lang="nb-NO" smtClean="0"/>
+              <a:rPr lang="nb-NO"/>
               <a:t>Klikk for å redigere tittelstil</a:t>
             </a:r>
             <a:endParaRPr lang="en-US" dirty="0"/>
@@ -173,8 +177,8 @@
         </p:nvSpPr>
         <p:spPr>
           <a:xfrm>
-            <a:off x="450056" y="2647331"/>
-            <a:ext cx="2700338" cy="1216909"/>
+            <a:off x="539949" y="1323249"/>
+            <a:ext cx="3239691" cy="608263"/>
           </a:xfrm>
         </p:spPr>
         <p:txBody>
@@ -182,44 +186,44 @@
           <a:lstStyle>
             <a:lvl1pPr marL="0" indent="0" algn="ctr">
               <a:buNone/>
-              <a:defRPr sz="945"/>
+              <a:defRPr sz="850"/>
             </a:lvl1pPr>
-            <a:lvl2pPr marL="180045" indent="0" algn="ctr">
-              <a:buNone/>
-              <a:defRPr sz="788"/>
+            <a:lvl2pPr marL="161986" indent="0" algn="ctr">
+              <a:buNone/>
+              <a:defRPr sz="709"/>
             </a:lvl2pPr>
-            <a:lvl3pPr marL="360091" indent="0" algn="ctr">
-              <a:buNone/>
-              <a:defRPr sz="709"/>
+            <a:lvl3pPr marL="323972" indent="0" algn="ctr">
+              <a:buNone/>
+              <a:defRPr sz="638"/>
             </a:lvl3pPr>
-            <a:lvl4pPr marL="540136" indent="0" algn="ctr">
-              <a:buNone/>
-              <a:defRPr sz="630"/>
+            <a:lvl4pPr marL="485958" indent="0" algn="ctr">
+              <a:buNone/>
+              <a:defRPr sz="567"/>
             </a:lvl4pPr>
-            <a:lvl5pPr marL="720181" indent="0" algn="ctr">
-              <a:buNone/>
-              <a:defRPr sz="630"/>
+            <a:lvl5pPr marL="647944" indent="0" algn="ctr">
+              <a:buNone/>
+              <a:defRPr sz="567"/>
             </a:lvl5pPr>
-            <a:lvl6pPr marL="900227" indent="0" algn="ctr">
-              <a:buNone/>
-              <a:defRPr sz="630"/>
+            <a:lvl6pPr marL="809930" indent="0" algn="ctr">
+              <a:buNone/>
+              <a:defRPr sz="567"/>
             </a:lvl6pPr>
-            <a:lvl7pPr marL="1080272" indent="0" algn="ctr">
-              <a:buNone/>
-              <a:defRPr sz="630"/>
+            <a:lvl7pPr marL="971916" indent="0" algn="ctr">
+              <a:buNone/>
+              <a:defRPr sz="567"/>
             </a:lvl7pPr>
-            <a:lvl8pPr marL="1260318" indent="0" algn="ctr">
-              <a:buNone/>
-              <a:defRPr sz="630"/>
+            <a:lvl8pPr marL="1133902" indent="0" algn="ctr">
+              <a:buNone/>
+              <a:defRPr sz="567"/>
             </a:lvl8pPr>
-            <a:lvl9pPr marL="1440363" indent="0" algn="ctr">
-              <a:buNone/>
-              <a:defRPr sz="630"/>
+            <a:lvl9pPr marL="1295888" indent="0" algn="ctr">
+              <a:buNone/>
+              <a:defRPr sz="567"/>
             </a:lvl9pPr>
           </a:lstStyle>
           <a:p>
             <a:r>
-              <a:rPr lang="nb-NO" smtClean="0"/>
+              <a:rPr lang="nb-NO"/>
               <a:t>Klikk for å redigere undertittelstil i malen</a:t>
             </a:r>
             <a:endParaRPr lang="en-US" dirty="0"/>
@@ -243,7 +247,7 @@
           <a:p>
             <a:fld id="{DB66AA82-ED40-495D-B06B-56AC191DBDA2}" type="datetimeFigureOut">
               <a:rPr lang="nb-NO" smtClean="0"/>
-              <a:t>17.05.2017</a:t>
+              <a:t>18.05.2017</a:t>
             </a:fld>
             <a:endParaRPr lang="nb-NO"/>
           </a:p>
@@ -292,6 +296,11 @@
         </p:txBody>
       </p:sp>
     </p:spTree>
+    <p:extLst>
+      <p:ext uri="{BB962C8B-B14F-4D97-AF65-F5344CB8AC3E}">
+        <p14:creationId xmlns:p14="http://schemas.microsoft.com/office/powerpoint/2010/main" val="2009016140"/>
+      </p:ext>
+    </p:extLst>
   </p:cSld>
   <p:clrMapOvr>
     <a:masterClrMapping/>
@@ -332,7 +341,7 @@
           <a:lstStyle/>
           <a:p>
             <a:r>
-              <a:rPr lang="nb-NO" smtClean="0"/>
+              <a:rPr lang="nb-NO"/>
               <a:t>Klikk for å redigere tittelstil</a:t>
             </a:r>
             <a:endParaRPr lang="en-US" dirty="0"/>
@@ -356,35 +365,35 @@
           <a:p>
             <a:pPr lvl="0"/>
             <a:r>
-              <a:rPr lang="nb-NO" smtClean="0"/>
-              <a:t>Klikk for å redigere tekststiler i malen</a:t>
+              <a:rPr lang="nb-NO"/>
+              <a:t>Rediger tekststiler i malen</a:t>
             </a:r>
           </a:p>
           <a:p>
             <a:pPr lvl="1"/>
             <a:r>
-              <a:rPr lang="nb-NO" smtClean="0"/>
+              <a:rPr lang="nb-NO"/>
               <a:t>Andre nivå</a:t>
             </a:r>
           </a:p>
           <a:p>
             <a:pPr lvl="2"/>
             <a:r>
-              <a:rPr lang="nb-NO" smtClean="0"/>
+              <a:rPr lang="nb-NO"/>
               <a:t>Tredje nivå</a:t>
             </a:r>
           </a:p>
           <a:p>
             <a:pPr lvl="3"/>
             <a:r>
-              <a:rPr lang="nb-NO" smtClean="0"/>
+              <a:rPr lang="nb-NO"/>
               <a:t>Fjerde nivå</a:t>
             </a:r>
           </a:p>
           <a:p>
             <a:pPr lvl="4"/>
             <a:r>
-              <a:rPr lang="nb-NO" smtClean="0"/>
+              <a:rPr lang="nb-NO"/>
               <a:t>Femte nivå</a:t>
             </a:r>
             <a:endParaRPr lang="en-US" dirty="0"/>
@@ -408,7 +417,7 @@
           <a:p>
             <a:fld id="{DB66AA82-ED40-495D-B06B-56AC191DBDA2}" type="datetimeFigureOut">
               <a:rPr lang="nb-NO" smtClean="0"/>
-              <a:t>17.05.2017</a:t>
+              <a:t>18.05.2017</a:t>
             </a:fld>
             <a:endParaRPr lang="nb-NO"/>
           </a:p>
@@ -457,6 +466,11 @@
         </p:txBody>
       </p:sp>
     </p:spTree>
+    <p:extLst>
+      <p:ext uri="{BB962C8B-B14F-4D97-AF65-F5344CB8AC3E}">
+        <p14:creationId xmlns:p14="http://schemas.microsoft.com/office/powerpoint/2010/main" val="625662985"/>
+      </p:ext>
+    </p:extLst>
   </p:cSld>
   <p:clrMapOvr>
     <a:masterClrMapping/>
@@ -493,8 +507,8 @@
         </p:nvSpPr>
         <p:spPr>
           <a:xfrm>
-            <a:off x="2576572" y="268350"/>
-            <a:ext cx="776347" cy="4271432"/>
+            <a:off x="3091205" y="134133"/>
+            <a:ext cx="931411" cy="2135044"/>
           </a:xfrm>
         </p:spPr>
         <p:txBody>
@@ -502,7 +516,7 @@
           <a:lstStyle/>
           <a:p>
             <a:r>
-              <a:rPr lang="nb-NO" smtClean="0"/>
+              <a:rPr lang="nb-NO"/>
               <a:t>Klikk for å redigere tittelstil</a:t>
             </a:r>
             <a:endParaRPr lang="en-US" dirty="0"/>
@@ -521,8 +535,8 @@
         </p:nvSpPr>
         <p:spPr>
           <a:xfrm>
-            <a:off x="247531" y="268350"/>
-            <a:ext cx="2284035" cy="4271432"/>
+            <a:off x="296971" y="134133"/>
+            <a:ext cx="2740239" cy="2135044"/>
           </a:xfrm>
         </p:spPr>
         <p:txBody>
@@ -531,35 +545,35 @@
           <a:p>
             <a:pPr lvl="0"/>
             <a:r>
-              <a:rPr lang="nb-NO" smtClean="0"/>
-              <a:t>Klikk for å redigere tekststiler i malen</a:t>
+              <a:rPr lang="nb-NO"/>
+              <a:t>Rediger tekststiler i malen</a:t>
             </a:r>
           </a:p>
           <a:p>
             <a:pPr lvl="1"/>
             <a:r>
-              <a:rPr lang="nb-NO" smtClean="0"/>
+              <a:rPr lang="nb-NO"/>
               <a:t>Andre nivå</a:t>
             </a:r>
           </a:p>
           <a:p>
             <a:pPr lvl="2"/>
             <a:r>
-              <a:rPr lang="nb-NO" smtClean="0"/>
+              <a:rPr lang="nb-NO"/>
               <a:t>Tredje nivå</a:t>
             </a:r>
           </a:p>
           <a:p>
             <a:pPr lvl="3"/>
             <a:r>
-              <a:rPr lang="nb-NO" smtClean="0"/>
+              <a:rPr lang="nb-NO"/>
               <a:t>Fjerde nivå</a:t>
             </a:r>
           </a:p>
           <a:p>
             <a:pPr lvl="4"/>
             <a:r>
-              <a:rPr lang="nb-NO" smtClean="0"/>
+              <a:rPr lang="nb-NO"/>
               <a:t>Femte nivå</a:t>
             </a:r>
             <a:endParaRPr lang="en-US" dirty="0"/>
@@ -583,7 +597,7 @@
           <a:p>
             <a:fld id="{DB66AA82-ED40-495D-B06B-56AC191DBDA2}" type="datetimeFigureOut">
               <a:rPr lang="nb-NO" smtClean="0"/>
-              <a:t>17.05.2017</a:t>
+              <a:t>18.05.2017</a:t>
             </a:fld>
             <a:endParaRPr lang="nb-NO"/>
           </a:p>
@@ -632,6 +646,11 @@
         </p:txBody>
       </p:sp>
     </p:spTree>
+    <p:extLst>
+      <p:ext uri="{BB962C8B-B14F-4D97-AF65-F5344CB8AC3E}">
+        <p14:creationId xmlns:p14="http://schemas.microsoft.com/office/powerpoint/2010/main" val="2256788091"/>
+      </p:ext>
+    </p:extLst>
   </p:cSld>
   <p:clrMapOvr>
     <a:masterClrMapping/>
@@ -672,7 +691,7 @@
           <a:lstStyle/>
           <a:p>
             <a:r>
-              <a:rPr lang="nb-NO" smtClean="0"/>
+              <a:rPr lang="nb-NO"/>
               <a:t>Klikk for å redigere tittelstil</a:t>
             </a:r>
             <a:endParaRPr lang="en-US" dirty="0"/>
@@ -696,35 +715,35 @@
           <a:p>
             <a:pPr lvl="0"/>
             <a:r>
-              <a:rPr lang="nb-NO" smtClean="0"/>
-              <a:t>Klikk for å redigere tekststiler i malen</a:t>
+              <a:rPr lang="nb-NO"/>
+              <a:t>Rediger tekststiler i malen</a:t>
             </a:r>
           </a:p>
           <a:p>
             <a:pPr lvl="1"/>
             <a:r>
-              <a:rPr lang="nb-NO" smtClean="0"/>
+              <a:rPr lang="nb-NO"/>
               <a:t>Andre nivå</a:t>
             </a:r>
           </a:p>
           <a:p>
             <a:pPr lvl="2"/>
             <a:r>
-              <a:rPr lang="nb-NO" smtClean="0"/>
+              <a:rPr lang="nb-NO"/>
               <a:t>Tredje nivå</a:t>
             </a:r>
           </a:p>
           <a:p>
             <a:pPr lvl="3"/>
             <a:r>
-              <a:rPr lang="nb-NO" smtClean="0"/>
+              <a:rPr lang="nb-NO"/>
               <a:t>Fjerde nivå</a:t>
             </a:r>
           </a:p>
           <a:p>
             <a:pPr lvl="4"/>
             <a:r>
-              <a:rPr lang="nb-NO" smtClean="0"/>
+              <a:rPr lang="nb-NO"/>
               <a:t>Femte nivå</a:t>
             </a:r>
             <a:endParaRPr lang="en-US" dirty="0"/>
@@ -748,7 +767,7 @@
           <a:p>
             <a:fld id="{DB66AA82-ED40-495D-B06B-56AC191DBDA2}" type="datetimeFigureOut">
               <a:rPr lang="nb-NO" smtClean="0"/>
-              <a:t>17.05.2017</a:t>
+              <a:t>18.05.2017</a:t>
             </a:fld>
             <a:endParaRPr lang="nb-NO"/>
           </a:p>
@@ -797,6 +816,11 @@
         </p:txBody>
       </p:sp>
     </p:spTree>
+    <p:extLst>
+      <p:ext uri="{BB962C8B-B14F-4D97-AF65-F5344CB8AC3E}">
+        <p14:creationId xmlns:p14="http://schemas.microsoft.com/office/powerpoint/2010/main" val="3653589626"/>
+      </p:ext>
+    </p:extLst>
   </p:cSld>
   <p:clrMapOvr>
     <a:masterClrMapping/>
@@ -806,7 +830,7 @@
 
 <file path=ppt/slideLayouts/slideLayout3.xml><?xml version="1.0" encoding="utf-8"?>
 <p:sldLayout xmlns:a="http://schemas.openxmlformats.org/drawingml/2006/main" xmlns:r="http://schemas.openxmlformats.org/officeDocument/2006/relationships" xmlns:p="http://schemas.openxmlformats.org/presentationml/2006/main" type="secHead" preserve="1">
-  <p:cSld name="Inndelingsoverskrift">
+  <p:cSld name="Deloverskrift">
     <p:spTree>
       <p:nvGrpSpPr>
         <p:cNvPr id="1" name=""/>
@@ -833,20 +857,20 @@
         </p:nvSpPr>
         <p:spPr>
           <a:xfrm>
-            <a:off x="245656" y="1256579"/>
-            <a:ext cx="3105388" cy="2096630"/>
+            <a:off x="294722" y="628091"/>
+            <a:ext cx="3725645" cy="1047985"/>
           </a:xfrm>
         </p:spPr>
         <p:txBody>
           <a:bodyPr anchor="b"/>
           <a:lstStyle>
             <a:lvl1pPr>
-              <a:defRPr sz="2363"/>
+              <a:defRPr sz="2126"/>
             </a:lvl1pPr>
           </a:lstStyle>
           <a:p>
             <a:r>
-              <a:rPr lang="nb-NO" smtClean="0"/>
+              <a:rPr lang="nb-NO"/>
               <a:t>Klikk for å redigere tittelstil</a:t>
             </a:r>
             <a:endParaRPr lang="en-US" dirty="0"/>
@@ -865,8 +889,8 @@
         </p:nvSpPr>
         <p:spPr>
           <a:xfrm>
-            <a:off x="245656" y="3373044"/>
-            <a:ext cx="3105388" cy="1102568"/>
+            <a:off x="294722" y="1685991"/>
+            <a:ext cx="3725645" cy="551110"/>
           </a:xfrm>
         </p:spPr>
         <p:txBody>
@@ -874,15 +898,17 @@
           <a:lstStyle>
             <a:lvl1pPr marL="0" indent="0">
               <a:buNone/>
-              <a:defRPr sz="945">
+              <a:defRPr sz="850">
                 <a:solidFill>
-                  <a:schemeClr val="tx1"/>
+                  <a:schemeClr val="tx1">
+                    <a:tint val="75000"/>
+                  </a:schemeClr>
                 </a:solidFill>
               </a:defRPr>
             </a:lvl1pPr>
-            <a:lvl2pPr marL="180045" indent="0">
-              <a:buNone/>
-              <a:defRPr sz="788">
+            <a:lvl2pPr marL="161986" indent="0">
+              <a:buNone/>
+              <a:defRPr sz="709">
                 <a:solidFill>
                   <a:schemeClr val="tx1">
                     <a:tint val="75000"/>
@@ -890,9 +916,9 @@
                 </a:solidFill>
               </a:defRPr>
             </a:lvl2pPr>
-            <a:lvl3pPr marL="360091" indent="0">
-              <a:buNone/>
-              <a:defRPr sz="709">
+            <a:lvl3pPr marL="323972" indent="0">
+              <a:buNone/>
+              <a:defRPr sz="638">
                 <a:solidFill>
                   <a:schemeClr val="tx1">
                     <a:tint val="75000"/>
@@ -900,9 +926,9 @@
                 </a:solidFill>
               </a:defRPr>
             </a:lvl3pPr>
-            <a:lvl4pPr marL="540136" indent="0">
-              <a:buNone/>
-              <a:defRPr sz="630">
+            <a:lvl4pPr marL="485958" indent="0">
+              <a:buNone/>
+              <a:defRPr sz="567">
                 <a:solidFill>
                   <a:schemeClr val="tx1">
                     <a:tint val="75000"/>
@@ -910,9 +936,9 @@
                 </a:solidFill>
               </a:defRPr>
             </a:lvl4pPr>
-            <a:lvl5pPr marL="720181" indent="0">
-              <a:buNone/>
-              <a:defRPr sz="630">
+            <a:lvl5pPr marL="647944" indent="0">
+              <a:buNone/>
+              <a:defRPr sz="567">
                 <a:solidFill>
                   <a:schemeClr val="tx1">
                     <a:tint val="75000"/>
@@ -920,9 +946,9 @@
                 </a:solidFill>
               </a:defRPr>
             </a:lvl5pPr>
-            <a:lvl6pPr marL="900227" indent="0">
-              <a:buNone/>
-              <a:defRPr sz="630">
+            <a:lvl6pPr marL="809930" indent="0">
+              <a:buNone/>
+              <a:defRPr sz="567">
                 <a:solidFill>
                   <a:schemeClr val="tx1">
                     <a:tint val="75000"/>
@@ -930,9 +956,9 @@
                 </a:solidFill>
               </a:defRPr>
             </a:lvl6pPr>
-            <a:lvl7pPr marL="1080272" indent="0">
-              <a:buNone/>
-              <a:defRPr sz="630">
+            <a:lvl7pPr marL="971916" indent="0">
+              <a:buNone/>
+              <a:defRPr sz="567">
                 <a:solidFill>
                   <a:schemeClr val="tx1">
                     <a:tint val="75000"/>
@@ -940,9 +966,9 @@
                 </a:solidFill>
               </a:defRPr>
             </a:lvl7pPr>
-            <a:lvl8pPr marL="1260318" indent="0">
-              <a:buNone/>
-              <a:defRPr sz="630">
+            <a:lvl8pPr marL="1133902" indent="0">
+              <a:buNone/>
+              <a:defRPr sz="567">
                 <a:solidFill>
                   <a:schemeClr val="tx1">
                     <a:tint val="75000"/>
@@ -950,9 +976,9 @@
                 </a:solidFill>
               </a:defRPr>
             </a:lvl8pPr>
-            <a:lvl9pPr marL="1440363" indent="0">
-              <a:buNone/>
-              <a:defRPr sz="630">
+            <a:lvl9pPr marL="1295888" indent="0">
+              <a:buNone/>
+              <a:defRPr sz="567">
                 <a:solidFill>
                   <a:schemeClr val="tx1">
                     <a:tint val="75000"/>
@@ -964,8 +990,8 @@
           <a:p>
             <a:pPr lvl="0"/>
             <a:r>
-              <a:rPr lang="nb-NO" smtClean="0"/>
-              <a:t>Klikk for å redigere tekststiler i malen</a:t>
+              <a:rPr lang="nb-NO"/>
+              <a:t>Rediger tekststiler i malen</a:t>
             </a:r>
           </a:p>
         </p:txBody>
@@ -987,7 +1013,7 @@
           <a:p>
             <a:fld id="{DB66AA82-ED40-495D-B06B-56AC191DBDA2}" type="datetimeFigureOut">
               <a:rPr lang="nb-NO" smtClean="0"/>
-              <a:t>17.05.2017</a:t>
+              <a:t>18.05.2017</a:t>
             </a:fld>
             <a:endParaRPr lang="nb-NO"/>
           </a:p>
@@ -1036,6 +1062,11 @@
         </p:txBody>
       </p:sp>
     </p:spTree>
+    <p:extLst>
+      <p:ext uri="{BB962C8B-B14F-4D97-AF65-F5344CB8AC3E}">
+        <p14:creationId xmlns:p14="http://schemas.microsoft.com/office/powerpoint/2010/main" val="4268675859"/>
+      </p:ext>
+    </p:extLst>
   </p:cSld>
   <p:clrMapOvr>
     <a:masterClrMapping/>
@@ -1076,7 +1107,7 @@
           <a:lstStyle/>
           <a:p>
             <a:r>
-              <a:rPr lang="nb-NO" smtClean="0"/>
+              <a:rPr lang="nb-NO"/>
               <a:t>Klikk for å redigere tittelstil</a:t>
             </a:r>
             <a:endParaRPr lang="en-US" dirty="0"/>
@@ -1095,8 +1126,8 @@
         </p:nvSpPr>
         <p:spPr>
           <a:xfrm>
-            <a:off x="247531" y="1341750"/>
-            <a:ext cx="1530191" cy="3198032"/>
+            <a:off x="296972" y="670664"/>
+            <a:ext cx="1835825" cy="1598513"/>
           </a:xfrm>
         </p:spPr>
         <p:txBody>
@@ -1105,35 +1136,35 @@
           <a:p>
             <a:pPr lvl="0"/>
             <a:r>
-              <a:rPr lang="nb-NO" smtClean="0"/>
-              <a:t>Klikk for å redigere tekststiler i malen</a:t>
+              <a:rPr lang="nb-NO"/>
+              <a:t>Rediger tekststiler i malen</a:t>
             </a:r>
           </a:p>
           <a:p>
             <a:pPr lvl="1"/>
             <a:r>
-              <a:rPr lang="nb-NO" smtClean="0"/>
+              <a:rPr lang="nb-NO"/>
               <a:t>Andre nivå</a:t>
             </a:r>
           </a:p>
           <a:p>
             <a:pPr lvl="2"/>
             <a:r>
-              <a:rPr lang="nb-NO" smtClean="0"/>
+              <a:rPr lang="nb-NO"/>
               <a:t>Tredje nivå</a:t>
             </a:r>
           </a:p>
           <a:p>
             <a:pPr lvl="3"/>
             <a:r>
-              <a:rPr lang="nb-NO" smtClean="0"/>
+              <a:rPr lang="nb-NO"/>
               <a:t>Fjerde nivå</a:t>
             </a:r>
           </a:p>
           <a:p>
             <a:pPr lvl="4"/>
             <a:r>
-              <a:rPr lang="nb-NO" smtClean="0"/>
+              <a:rPr lang="nb-NO"/>
               <a:t>Femte nivå</a:t>
             </a:r>
             <a:endParaRPr lang="en-US" dirty="0"/>
@@ -1152,8 +1183,8 @@
         </p:nvSpPr>
         <p:spPr>
           <a:xfrm>
-            <a:off x="1822728" y="1341750"/>
-            <a:ext cx="1530191" cy="3198032"/>
+            <a:off x="2186791" y="670664"/>
+            <a:ext cx="1835825" cy="1598513"/>
           </a:xfrm>
         </p:spPr>
         <p:txBody>
@@ -1162,35 +1193,35 @@
           <a:p>
             <a:pPr lvl="0"/>
             <a:r>
-              <a:rPr lang="nb-NO" smtClean="0"/>
-              <a:t>Klikk for å redigere tekststiler i malen</a:t>
+              <a:rPr lang="nb-NO"/>
+              <a:t>Rediger tekststiler i malen</a:t>
             </a:r>
           </a:p>
           <a:p>
             <a:pPr lvl="1"/>
             <a:r>
-              <a:rPr lang="nb-NO" smtClean="0"/>
+              <a:rPr lang="nb-NO"/>
               <a:t>Andre nivå</a:t>
             </a:r>
           </a:p>
           <a:p>
             <a:pPr lvl="2"/>
             <a:r>
-              <a:rPr lang="nb-NO" smtClean="0"/>
+              <a:rPr lang="nb-NO"/>
               <a:t>Tredje nivå</a:t>
             </a:r>
           </a:p>
           <a:p>
             <a:pPr lvl="3"/>
             <a:r>
-              <a:rPr lang="nb-NO" smtClean="0"/>
+              <a:rPr lang="nb-NO"/>
               <a:t>Fjerde nivå</a:t>
             </a:r>
           </a:p>
           <a:p>
             <a:pPr lvl="4"/>
             <a:r>
-              <a:rPr lang="nb-NO" smtClean="0"/>
+              <a:rPr lang="nb-NO"/>
               <a:t>Femte nivå</a:t>
             </a:r>
             <a:endParaRPr lang="en-US" dirty="0"/>
@@ -1214,7 +1245,7 @@
           <a:p>
             <a:fld id="{DB66AA82-ED40-495D-B06B-56AC191DBDA2}" type="datetimeFigureOut">
               <a:rPr lang="nb-NO" smtClean="0"/>
-              <a:t>17.05.2017</a:t>
+              <a:t>18.05.2017</a:t>
             </a:fld>
             <a:endParaRPr lang="nb-NO"/>
           </a:p>
@@ -1263,6 +1294,11 @@
         </p:txBody>
       </p:sp>
     </p:spTree>
+    <p:extLst>
+      <p:ext uri="{BB962C8B-B14F-4D97-AF65-F5344CB8AC3E}">
+        <p14:creationId xmlns:p14="http://schemas.microsoft.com/office/powerpoint/2010/main" val="3825712202"/>
+      </p:ext>
+    </p:extLst>
   </p:cSld>
   <p:clrMapOvr>
     <a:masterClrMapping/>
@@ -1299,8 +1335,8 @@
         </p:nvSpPr>
         <p:spPr>
           <a:xfrm>
-            <a:off x="248000" y="268351"/>
-            <a:ext cx="3105388" cy="974228"/>
+            <a:off x="297534" y="134133"/>
+            <a:ext cx="3725645" cy="486960"/>
           </a:xfrm>
         </p:spPr>
         <p:txBody>
@@ -1308,7 +1344,7 @@
           <a:lstStyle/>
           <a:p>
             <a:r>
-              <a:rPr lang="nb-NO" smtClean="0"/>
+              <a:rPr lang="nb-NO"/>
               <a:t>Klikk for å redigere tittelstil</a:t>
             </a:r>
             <a:endParaRPr lang="en-US" dirty="0"/>
@@ -1327,8 +1363,8 @@
         </p:nvSpPr>
         <p:spPr>
           <a:xfrm>
-            <a:off x="248000" y="1235577"/>
-            <a:ext cx="1523159" cy="605537"/>
+            <a:off x="297534" y="617594"/>
+            <a:ext cx="1827388" cy="302673"/>
           </a:xfrm>
         </p:spPr>
         <p:txBody>
@@ -1336,46 +1372,46 @@
           <a:lstStyle>
             <a:lvl1pPr marL="0" indent="0">
               <a:buNone/>
-              <a:defRPr sz="945" b="1"/>
+              <a:defRPr sz="850" b="1"/>
             </a:lvl1pPr>
-            <a:lvl2pPr marL="180045" indent="0">
-              <a:buNone/>
-              <a:defRPr sz="788" b="1"/>
+            <a:lvl2pPr marL="161986" indent="0">
+              <a:buNone/>
+              <a:defRPr sz="709" b="1"/>
             </a:lvl2pPr>
-            <a:lvl3pPr marL="360091" indent="0">
-              <a:buNone/>
-              <a:defRPr sz="709" b="1"/>
+            <a:lvl3pPr marL="323972" indent="0">
+              <a:buNone/>
+              <a:defRPr sz="638" b="1"/>
             </a:lvl3pPr>
-            <a:lvl4pPr marL="540136" indent="0">
-              <a:buNone/>
-              <a:defRPr sz="630" b="1"/>
+            <a:lvl4pPr marL="485958" indent="0">
+              <a:buNone/>
+              <a:defRPr sz="567" b="1"/>
             </a:lvl4pPr>
-            <a:lvl5pPr marL="720181" indent="0">
-              <a:buNone/>
-              <a:defRPr sz="630" b="1"/>
+            <a:lvl5pPr marL="647944" indent="0">
+              <a:buNone/>
+              <a:defRPr sz="567" b="1"/>
             </a:lvl5pPr>
-            <a:lvl6pPr marL="900227" indent="0">
-              <a:buNone/>
-              <a:defRPr sz="630" b="1"/>
+            <a:lvl6pPr marL="809930" indent="0">
+              <a:buNone/>
+              <a:defRPr sz="567" b="1"/>
             </a:lvl6pPr>
-            <a:lvl7pPr marL="1080272" indent="0">
-              <a:buNone/>
-              <a:defRPr sz="630" b="1"/>
+            <a:lvl7pPr marL="971916" indent="0">
+              <a:buNone/>
+              <a:defRPr sz="567" b="1"/>
             </a:lvl7pPr>
-            <a:lvl8pPr marL="1260318" indent="0">
-              <a:buNone/>
-              <a:defRPr sz="630" b="1"/>
+            <a:lvl8pPr marL="1133902" indent="0">
+              <a:buNone/>
+              <a:defRPr sz="567" b="1"/>
             </a:lvl8pPr>
-            <a:lvl9pPr marL="1440363" indent="0">
-              <a:buNone/>
-              <a:defRPr sz="630" b="1"/>
+            <a:lvl9pPr marL="1295888" indent="0">
+              <a:buNone/>
+              <a:defRPr sz="567" b="1"/>
             </a:lvl9pPr>
           </a:lstStyle>
           <a:p>
             <a:pPr lvl="0"/>
             <a:r>
-              <a:rPr lang="nb-NO" smtClean="0"/>
-              <a:t>Klikk for å redigere tekststiler i malen</a:t>
+              <a:rPr lang="nb-NO"/>
+              <a:t>Rediger tekststiler i malen</a:t>
             </a:r>
           </a:p>
         </p:txBody>
@@ -1392,8 +1428,8 @@
         </p:nvSpPr>
         <p:spPr>
           <a:xfrm>
-            <a:off x="248000" y="1841114"/>
-            <a:ext cx="1523159" cy="2708002"/>
+            <a:off x="297534" y="920267"/>
+            <a:ext cx="1827388" cy="1353575"/>
           </a:xfrm>
         </p:spPr>
         <p:txBody>
@@ -1402,35 +1438,35 @@
           <a:p>
             <a:pPr lvl="0"/>
             <a:r>
-              <a:rPr lang="nb-NO" smtClean="0"/>
-              <a:t>Klikk for å redigere tekststiler i malen</a:t>
+              <a:rPr lang="nb-NO"/>
+              <a:t>Rediger tekststiler i malen</a:t>
             </a:r>
           </a:p>
           <a:p>
             <a:pPr lvl="1"/>
             <a:r>
-              <a:rPr lang="nb-NO" smtClean="0"/>
+              <a:rPr lang="nb-NO"/>
               <a:t>Andre nivå</a:t>
             </a:r>
           </a:p>
           <a:p>
             <a:pPr lvl="2"/>
             <a:r>
-              <a:rPr lang="nb-NO" smtClean="0"/>
+              <a:rPr lang="nb-NO"/>
               <a:t>Tredje nivå</a:t>
             </a:r>
           </a:p>
           <a:p>
             <a:pPr lvl="3"/>
             <a:r>
-              <a:rPr lang="nb-NO" smtClean="0"/>
+              <a:rPr lang="nb-NO"/>
               <a:t>Fjerde nivå</a:t>
             </a:r>
           </a:p>
           <a:p>
             <a:pPr lvl="4"/>
             <a:r>
-              <a:rPr lang="nb-NO" smtClean="0"/>
+              <a:rPr lang="nb-NO"/>
               <a:t>Femte nivå</a:t>
             </a:r>
             <a:endParaRPr lang="en-US" dirty="0"/>
@@ -1449,8 +1485,8 @@
         </p:nvSpPr>
         <p:spPr>
           <a:xfrm>
-            <a:off x="1822728" y="1235577"/>
-            <a:ext cx="1530660" cy="605537"/>
+            <a:off x="2186791" y="617594"/>
+            <a:ext cx="1836388" cy="302673"/>
           </a:xfrm>
         </p:spPr>
         <p:txBody>
@@ -1458,46 +1494,46 @@
           <a:lstStyle>
             <a:lvl1pPr marL="0" indent="0">
               <a:buNone/>
-              <a:defRPr sz="945" b="1"/>
+              <a:defRPr sz="850" b="1"/>
             </a:lvl1pPr>
-            <a:lvl2pPr marL="180045" indent="0">
-              <a:buNone/>
-              <a:defRPr sz="788" b="1"/>
+            <a:lvl2pPr marL="161986" indent="0">
+              <a:buNone/>
+              <a:defRPr sz="709" b="1"/>
             </a:lvl2pPr>
-            <a:lvl3pPr marL="360091" indent="0">
-              <a:buNone/>
-              <a:defRPr sz="709" b="1"/>
+            <a:lvl3pPr marL="323972" indent="0">
+              <a:buNone/>
+              <a:defRPr sz="638" b="1"/>
             </a:lvl3pPr>
-            <a:lvl4pPr marL="540136" indent="0">
-              <a:buNone/>
-              <a:defRPr sz="630" b="1"/>
+            <a:lvl4pPr marL="485958" indent="0">
+              <a:buNone/>
+              <a:defRPr sz="567" b="1"/>
             </a:lvl4pPr>
-            <a:lvl5pPr marL="720181" indent="0">
-              <a:buNone/>
-              <a:defRPr sz="630" b="1"/>
+            <a:lvl5pPr marL="647944" indent="0">
+              <a:buNone/>
+              <a:defRPr sz="567" b="1"/>
             </a:lvl5pPr>
-            <a:lvl6pPr marL="900227" indent="0">
-              <a:buNone/>
-              <a:defRPr sz="630" b="1"/>
+            <a:lvl6pPr marL="809930" indent="0">
+              <a:buNone/>
+              <a:defRPr sz="567" b="1"/>
             </a:lvl6pPr>
-            <a:lvl7pPr marL="1080272" indent="0">
-              <a:buNone/>
-              <a:defRPr sz="630" b="1"/>
+            <a:lvl7pPr marL="971916" indent="0">
+              <a:buNone/>
+              <a:defRPr sz="567" b="1"/>
             </a:lvl7pPr>
-            <a:lvl8pPr marL="1260318" indent="0">
-              <a:buNone/>
-              <a:defRPr sz="630" b="1"/>
+            <a:lvl8pPr marL="1133902" indent="0">
+              <a:buNone/>
+              <a:defRPr sz="567" b="1"/>
             </a:lvl8pPr>
-            <a:lvl9pPr marL="1440363" indent="0">
-              <a:buNone/>
-              <a:defRPr sz="630" b="1"/>
+            <a:lvl9pPr marL="1295888" indent="0">
+              <a:buNone/>
+              <a:defRPr sz="567" b="1"/>
             </a:lvl9pPr>
           </a:lstStyle>
           <a:p>
             <a:pPr lvl="0"/>
             <a:r>
-              <a:rPr lang="nb-NO" smtClean="0"/>
-              <a:t>Klikk for å redigere tekststiler i malen</a:t>
+              <a:rPr lang="nb-NO"/>
+              <a:t>Rediger tekststiler i malen</a:t>
             </a:r>
           </a:p>
         </p:txBody>
@@ -1514,8 +1550,8 @@
         </p:nvSpPr>
         <p:spPr>
           <a:xfrm>
-            <a:off x="1822728" y="1841114"/>
-            <a:ext cx="1530660" cy="2708002"/>
+            <a:off x="2186791" y="920267"/>
+            <a:ext cx="1836388" cy="1353575"/>
           </a:xfrm>
         </p:spPr>
         <p:txBody>
@@ -1524,35 +1560,35 @@
           <a:p>
             <a:pPr lvl="0"/>
             <a:r>
-              <a:rPr lang="nb-NO" smtClean="0"/>
-              <a:t>Klikk for å redigere tekststiler i malen</a:t>
+              <a:rPr lang="nb-NO"/>
+              <a:t>Rediger tekststiler i malen</a:t>
             </a:r>
           </a:p>
           <a:p>
             <a:pPr lvl="1"/>
             <a:r>
-              <a:rPr lang="nb-NO" smtClean="0"/>
+              <a:rPr lang="nb-NO"/>
               <a:t>Andre nivå</a:t>
             </a:r>
           </a:p>
           <a:p>
             <a:pPr lvl="2"/>
             <a:r>
-              <a:rPr lang="nb-NO" smtClean="0"/>
+              <a:rPr lang="nb-NO"/>
               <a:t>Tredje nivå</a:t>
             </a:r>
           </a:p>
           <a:p>
             <a:pPr lvl="3"/>
             <a:r>
-              <a:rPr lang="nb-NO" smtClean="0"/>
+              <a:rPr lang="nb-NO"/>
               <a:t>Fjerde nivå</a:t>
             </a:r>
           </a:p>
           <a:p>
             <a:pPr lvl="4"/>
             <a:r>
-              <a:rPr lang="nb-NO" smtClean="0"/>
+              <a:rPr lang="nb-NO"/>
               <a:t>Femte nivå</a:t>
             </a:r>
             <a:endParaRPr lang="en-US" dirty="0"/>
@@ -1576,7 +1612,7 @@
           <a:p>
             <a:fld id="{DB66AA82-ED40-495D-B06B-56AC191DBDA2}" type="datetimeFigureOut">
               <a:rPr lang="nb-NO" smtClean="0"/>
-              <a:t>17.05.2017</a:t>
+              <a:t>18.05.2017</a:t>
             </a:fld>
             <a:endParaRPr lang="nb-NO"/>
           </a:p>
@@ -1625,6 +1661,11 @@
         </p:txBody>
       </p:sp>
     </p:spTree>
+    <p:extLst>
+      <p:ext uri="{BB962C8B-B14F-4D97-AF65-F5344CB8AC3E}">
+        <p14:creationId xmlns:p14="http://schemas.microsoft.com/office/powerpoint/2010/main" val="1097411338"/>
+      </p:ext>
+    </p:extLst>
   </p:cSld>
   <p:clrMapOvr>
     <a:masterClrMapping/>
@@ -1665,7 +1706,7 @@
           <a:lstStyle/>
           <a:p>
             <a:r>
-              <a:rPr lang="nb-NO" smtClean="0"/>
+              <a:rPr lang="nb-NO"/>
               <a:t>Klikk for å redigere tittelstil</a:t>
             </a:r>
             <a:endParaRPr lang="en-US" dirty="0"/>
@@ -1689,7 +1730,7 @@
           <a:p>
             <a:fld id="{DB66AA82-ED40-495D-B06B-56AC191DBDA2}" type="datetimeFigureOut">
               <a:rPr lang="nb-NO" smtClean="0"/>
-              <a:t>17.05.2017</a:t>
+              <a:t>18.05.2017</a:t>
             </a:fld>
             <a:endParaRPr lang="nb-NO"/>
           </a:p>
@@ -1738,6 +1779,11 @@
         </p:txBody>
       </p:sp>
     </p:spTree>
+    <p:extLst>
+      <p:ext uri="{BB962C8B-B14F-4D97-AF65-F5344CB8AC3E}">
+        <p14:creationId xmlns:p14="http://schemas.microsoft.com/office/powerpoint/2010/main" val="1322158548"/>
+      </p:ext>
+    </p:extLst>
   </p:cSld>
   <p:clrMapOvr>
     <a:masterClrMapping/>
@@ -1747,7 +1793,7 @@
 
 <file path=ppt/slideLayouts/slideLayout7.xml><?xml version="1.0" encoding="utf-8"?>
 <p:sldLayout xmlns:a="http://schemas.openxmlformats.org/drawingml/2006/main" xmlns:r="http://schemas.openxmlformats.org/officeDocument/2006/relationships" xmlns:p="http://schemas.openxmlformats.org/presentationml/2006/main" type="blank" preserve="1">
-  <p:cSld name="Tom">
+  <p:cSld name="Tomt">
     <p:spTree>
       <p:nvGrpSpPr>
         <p:cNvPr id="1" name=""/>
@@ -1779,7 +1825,7 @@
           <a:p>
             <a:fld id="{DB66AA82-ED40-495D-B06B-56AC191DBDA2}" type="datetimeFigureOut">
               <a:rPr lang="nb-NO" smtClean="0"/>
-              <a:t>17.05.2017</a:t>
+              <a:t>18.05.2017</a:t>
             </a:fld>
             <a:endParaRPr lang="nb-NO"/>
           </a:p>
@@ -1828,6 +1874,11 @@
         </p:txBody>
       </p:sp>
     </p:spTree>
+    <p:extLst>
+      <p:ext uri="{BB962C8B-B14F-4D97-AF65-F5344CB8AC3E}">
+        <p14:creationId xmlns:p14="http://schemas.microsoft.com/office/powerpoint/2010/main" val="3779079519"/>
+      </p:ext>
+    </p:extLst>
   </p:cSld>
   <p:clrMapOvr>
     <a:masterClrMapping/>
@@ -1864,20 +1915,20 @@
         </p:nvSpPr>
         <p:spPr>
           <a:xfrm>
-            <a:off x="248000" y="336021"/>
-            <a:ext cx="1161239" cy="1176073"/>
+            <a:off x="297535" y="167958"/>
+            <a:ext cx="1393179" cy="587851"/>
           </a:xfrm>
         </p:spPr>
         <p:txBody>
           <a:bodyPr anchor="b"/>
           <a:lstStyle>
             <a:lvl1pPr>
-              <a:defRPr sz="1260"/>
+              <a:defRPr sz="1134"/>
             </a:lvl1pPr>
           </a:lstStyle>
           <a:p>
             <a:r>
-              <a:rPr lang="nb-NO" smtClean="0"/>
+              <a:rPr lang="nb-NO"/>
               <a:t>Klikk for å redigere tittelstil</a:t>
             </a:r>
             <a:endParaRPr lang="en-US" dirty="0"/>
@@ -1896,73 +1947,73 @@
         </p:nvSpPr>
         <p:spPr>
           <a:xfrm>
-            <a:off x="1530660" y="725713"/>
-            <a:ext cx="1822728" cy="3581889"/>
+            <a:off x="1836388" y="362742"/>
+            <a:ext cx="2186791" cy="1790381"/>
           </a:xfrm>
         </p:spPr>
         <p:txBody>
           <a:bodyPr/>
           <a:lstStyle>
             <a:lvl1pPr>
-              <a:defRPr sz="1260"/>
+              <a:defRPr sz="1134"/>
             </a:lvl1pPr>
             <a:lvl2pPr>
-              <a:defRPr sz="1103"/>
+              <a:defRPr sz="992"/>
             </a:lvl2pPr>
             <a:lvl3pPr>
-              <a:defRPr sz="945"/>
+              <a:defRPr sz="850"/>
             </a:lvl3pPr>
             <a:lvl4pPr>
-              <a:defRPr sz="788"/>
+              <a:defRPr sz="709"/>
             </a:lvl4pPr>
             <a:lvl5pPr>
-              <a:defRPr sz="788"/>
+              <a:defRPr sz="709"/>
             </a:lvl5pPr>
             <a:lvl6pPr>
-              <a:defRPr sz="788"/>
+              <a:defRPr sz="709"/>
             </a:lvl6pPr>
             <a:lvl7pPr>
-              <a:defRPr sz="788"/>
+              <a:defRPr sz="709"/>
             </a:lvl7pPr>
             <a:lvl8pPr>
-              <a:defRPr sz="788"/>
+              <a:defRPr sz="709"/>
             </a:lvl8pPr>
             <a:lvl9pPr>
-              <a:defRPr sz="788"/>
+              <a:defRPr sz="709"/>
             </a:lvl9pPr>
           </a:lstStyle>
           <a:p>
             <a:pPr lvl="0"/>
             <a:r>
-              <a:rPr lang="nb-NO" smtClean="0"/>
-              <a:t>Klikk for å redigere tekststiler i malen</a:t>
+              <a:rPr lang="nb-NO"/>
+              <a:t>Rediger tekststiler i malen</a:t>
             </a:r>
           </a:p>
           <a:p>
             <a:pPr lvl="1"/>
             <a:r>
-              <a:rPr lang="nb-NO" smtClean="0"/>
+              <a:rPr lang="nb-NO"/>
               <a:t>Andre nivå</a:t>
             </a:r>
           </a:p>
           <a:p>
             <a:pPr lvl="2"/>
             <a:r>
-              <a:rPr lang="nb-NO" smtClean="0"/>
+              <a:rPr lang="nb-NO"/>
               <a:t>Tredje nivå</a:t>
             </a:r>
           </a:p>
           <a:p>
             <a:pPr lvl="3"/>
             <a:r>
-              <a:rPr lang="nb-NO" smtClean="0"/>
+              <a:rPr lang="nb-NO"/>
               <a:t>Fjerde nivå</a:t>
             </a:r>
           </a:p>
           <a:p>
             <a:pPr lvl="4"/>
             <a:r>
-              <a:rPr lang="nb-NO" smtClean="0"/>
+              <a:rPr lang="nb-NO"/>
               <a:t>Femte nivå</a:t>
             </a:r>
             <a:endParaRPr lang="en-US" dirty="0"/>
@@ -1981,8 +2032,8 @@
         </p:nvSpPr>
         <p:spPr>
           <a:xfrm>
-            <a:off x="248000" y="1512094"/>
-            <a:ext cx="1161239" cy="2801341"/>
+            <a:off x="297535" y="755809"/>
+            <a:ext cx="1393179" cy="1400229"/>
           </a:xfrm>
         </p:spPr>
         <p:txBody>
@@ -1990,46 +2041,46 @@
           <a:lstStyle>
             <a:lvl1pPr marL="0" indent="0">
               <a:buNone/>
-              <a:defRPr sz="630"/>
+              <a:defRPr sz="567"/>
             </a:lvl1pPr>
-            <a:lvl2pPr marL="180045" indent="0">
-              <a:buNone/>
-              <a:defRPr sz="551"/>
+            <a:lvl2pPr marL="161986" indent="0">
+              <a:buNone/>
+              <a:defRPr sz="496"/>
             </a:lvl2pPr>
-            <a:lvl3pPr marL="360091" indent="0">
-              <a:buNone/>
-              <a:defRPr sz="473"/>
+            <a:lvl3pPr marL="323972" indent="0">
+              <a:buNone/>
+              <a:defRPr sz="425"/>
             </a:lvl3pPr>
-            <a:lvl4pPr marL="540136" indent="0">
-              <a:buNone/>
-              <a:defRPr sz="394"/>
+            <a:lvl4pPr marL="485958" indent="0">
+              <a:buNone/>
+              <a:defRPr sz="354"/>
             </a:lvl4pPr>
-            <a:lvl5pPr marL="720181" indent="0">
-              <a:buNone/>
-              <a:defRPr sz="394"/>
+            <a:lvl5pPr marL="647944" indent="0">
+              <a:buNone/>
+              <a:defRPr sz="354"/>
             </a:lvl5pPr>
-            <a:lvl6pPr marL="900227" indent="0">
-              <a:buNone/>
-              <a:defRPr sz="394"/>
+            <a:lvl6pPr marL="809930" indent="0">
+              <a:buNone/>
+              <a:defRPr sz="354"/>
             </a:lvl6pPr>
-            <a:lvl7pPr marL="1080272" indent="0">
-              <a:buNone/>
-              <a:defRPr sz="394"/>
+            <a:lvl7pPr marL="971916" indent="0">
+              <a:buNone/>
+              <a:defRPr sz="354"/>
             </a:lvl7pPr>
-            <a:lvl8pPr marL="1260318" indent="0">
-              <a:buNone/>
-              <a:defRPr sz="394"/>
+            <a:lvl8pPr marL="1133902" indent="0">
+              <a:buNone/>
+              <a:defRPr sz="354"/>
             </a:lvl8pPr>
-            <a:lvl9pPr marL="1440363" indent="0">
-              <a:buNone/>
-              <a:defRPr sz="394"/>
+            <a:lvl9pPr marL="1295888" indent="0">
+              <a:buNone/>
+              <a:defRPr sz="354"/>
             </a:lvl9pPr>
           </a:lstStyle>
           <a:p>
             <a:pPr lvl="0"/>
             <a:r>
-              <a:rPr lang="nb-NO" smtClean="0"/>
-              <a:t>Klikk for å redigere tekststiler i malen</a:t>
+              <a:rPr lang="nb-NO"/>
+              <a:t>Rediger tekststiler i malen</a:t>
             </a:r>
           </a:p>
         </p:txBody>
@@ -2051,7 +2102,7 @@
           <a:p>
             <a:fld id="{DB66AA82-ED40-495D-B06B-56AC191DBDA2}" type="datetimeFigureOut">
               <a:rPr lang="nb-NO" smtClean="0"/>
-              <a:t>17.05.2017</a:t>
+              <a:t>18.05.2017</a:t>
             </a:fld>
             <a:endParaRPr lang="nb-NO"/>
           </a:p>
@@ -2100,6 +2151,11 @@
         </p:txBody>
       </p:sp>
     </p:spTree>
+    <p:extLst>
+      <p:ext uri="{BB962C8B-B14F-4D97-AF65-F5344CB8AC3E}">
+        <p14:creationId xmlns:p14="http://schemas.microsoft.com/office/powerpoint/2010/main" val="2306380781"/>
+      </p:ext>
+    </p:extLst>
   </p:cSld>
   <p:clrMapOvr>
     <a:masterClrMapping/>
@@ -2136,20 +2192,20 @@
         </p:nvSpPr>
         <p:spPr>
           <a:xfrm>
-            <a:off x="248000" y="336021"/>
-            <a:ext cx="1161239" cy="1176073"/>
+            <a:off x="297535" y="167958"/>
+            <a:ext cx="1393179" cy="587851"/>
           </a:xfrm>
         </p:spPr>
         <p:txBody>
           <a:bodyPr anchor="b"/>
           <a:lstStyle>
             <a:lvl1pPr>
-              <a:defRPr sz="1260"/>
+              <a:defRPr sz="1134"/>
             </a:lvl1pPr>
           </a:lstStyle>
           <a:p>
             <a:r>
-              <a:rPr lang="nb-NO" smtClean="0"/>
+              <a:rPr lang="nb-NO"/>
               <a:t>Klikk for å redigere tittelstil</a:t>
             </a:r>
             <a:endParaRPr lang="en-US" dirty="0"/>
@@ -2168,8 +2224,8 @@
         </p:nvSpPr>
         <p:spPr>
           <a:xfrm>
-            <a:off x="1530660" y="725713"/>
-            <a:ext cx="1822728" cy="3581889"/>
+            <a:off x="1836388" y="362742"/>
+            <a:ext cx="2186791" cy="1790381"/>
           </a:xfrm>
         </p:spPr>
         <p:txBody>
@@ -2177,45 +2233,45 @@
           <a:lstStyle>
             <a:lvl1pPr marL="0" indent="0">
               <a:buNone/>
-              <a:defRPr sz="1260"/>
+              <a:defRPr sz="1134"/>
             </a:lvl1pPr>
-            <a:lvl2pPr marL="180045" indent="0">
-              <a:buNone/>
-              <a:defRPr sz="1103"/>
+            <a:lvl2pPr marL="161986" indent="0">
+              <a:buNone/>
+              <a:defRPr sz="992"/>
             </a:lvl2pPr>
-            <a:lvl3pPr marL="360091" indent="0">
-              <a:buNone/>
-              <a:defRPr sz="945"/>
+            <a:lvl3pPr marL="323972" indent="0">
+              <a:buNone/>
+              <a:defRPr sz="850"/>
             </a:lvl3pPr>
-            <a:lvl4pPr marL="540136" indent="0">
-              <a:buNone/>
-              <a:defRPr sz="788"/>
+            <a:lvl4pPr marL="485958" indent="0">
+              <a:buNone/>
+              <a:defRPr sz="709"/>
             </a:lvl4pPr>
-            <a:lvl5pPr marL="720181" indent="0">
-              <a:buNone/>
-              <a:defRPr sz="788"/>
+            <a:lvl5pPr marL="647944" indent="0">
+              <a:buNone/>
+              <a:defRPr sz="709"/>
             </a:lvl5pPr>
-            <a:lvl6pPr marL="900227" indent="0">
-              <a:buNone/>
-              <a:defRPr sz="788"/>
+            <a:lvl6pPr marL="809930" indent="0">
+              <a:buNone/>
+              <a:defRPr sz="709"/>
             </a:lvl6pPr>
-            <a:lvl7pPr marL="1080272" indent="0">
-              <a:buNone/>
-              <a:defRPr sz="788"/>
+            <a:lvl7pPr marL="971916" indent="0">
+              <a:buNone/>
+              <a:defRPr sz="709"/>
             </a:lvl7pPr>
-            <a:lvl8pPr marL="1260318" indent="0">
-              <a:buNone/>
-              <a:defRPr sz="788"/>
+            <a:lvl8pPr marL="1133902" indent="0">
+              <a:buNone/>
+              <a:defRPr sz="709"/>
             </a:lvl8pPr>
-            <a:lvl9pPr marL="1440363" indent="0">
-              <a:buNone/>
-              <a:defRPr sz="788"/>
+            <a:lvl9pPr marL="1295888" indent="0">
+              <a:buNone/>
+              <a:defRPr sz="709"/>
             </a:lvl9pPr>
           </a:lstStyle>
           <a:p>
             <a:r>
-              <a:rPr lang="nb-NO" smtClean="0"/>
-              <a:t>Dra bildet til plassholderen eller klikk ikonet for å legge til</a:t>
+              <a:rPr lang="nb-NO"/>
+              <a:t>Klikk ikonet for å legge til et bilde</a:t>
             </a:r>
             <a:endParaRPr lang="en-US" dirty="0"/>
           </a:p>
@@ -2233,8 +2289,8 @@
         </p:nvSpPr>
         <p:spPr>
           <a:xfrm>
-            <a:off x="248000" y="1512094"/>
-            <a:ext cx="1161239" cy="2801341"/>
+            <a:off x="297535" y="755809"/>
+            <a:ext cx="1393179" cy="1400229"/>
           </a:xfrm>
         </p:spPr>
         <p:txBody>
@@ -2242,46 +2298,46 @@
           <a:lstStyle>
             <a:lvl1pPr marL="0" indent="0">
               <a:buNone/>
-              <a:defRPr sz="630"/>
+              <a:defRPr sz="567"/>
             </a:lvl1pPr>
-            <a:lvl2pPr marL="180045" indent="0">
-              <a:buNone/>
-              <a:defRPr sz="551"/>
+            <a:lvl2pPr marL="161986" indent="0">
+              <a:buNone/>
+              <a:defRPr sz="496"/>
             </a:lvl2pPr>
-            <a:lvl3pPr marL="360091" indent="0">
-              <a:buNone/>
-              <a:defRPr sz="473"/>
+            <a:lvl3pPr marL="323972" indent="0">
+              <a:buNone/>
+              <a:defRPr sz="425"/>
             </a:lvl3pPr>
-            <a:lvl4pPr marL="540136" indent="0">
-              <a:buNone/>
-              <a:defRPr sz="394"/>
+            <a:lvl4pPr marL="485958" indent="0">
+              <a:buNone/>
+              <a:defRPr sz="354"/>
             </a:lvl4pPr>
-            <a:lvl5pPr marL="720181" indent="0">
-              <a:buNone/>
-              <a:defRPr sz="394"/>
+            <a:lvl5pPr marL="647944" indent="0">
+              <a:buNone/>
+              <a:defRPr sz="354"/>
             </a:lvl5pPr>
-            <a:lvl6pPr marL="900227" indent="0">
-              <a:buNone/>
-              <a:defRPr sz="394"/>
+            <a:lvl6pPr marL="809930" indent="0">
+              <a:buNone/>
+              <a:defRPr sz="354"/>
             </a:lvl6pPr>
-            <a:lvl7pPr marL="1080272" indent="0">
-              <a:buNone/>
-              <a:defRPr sz="394"/>
+            <a:lvl7pPr marL="971916" indent="0">
+              <a:buNone/>
+              <a:defRPr sz="354"/>
             </a:lvl7pPr>
-            <a:lvl8pPr marL="1260318" indent="0">
-              <a:buNone/>
-              <a:defRPr sz="394"/>
+            <a:lvl8pPr marL="1133902" indent="0">
+              <a:buNone/>
+              <a:defRPr sz="354"/>
             </a:lvl8pPr>
-            <a:lvl9pPr marL="1440363" indent="0">
-              <a:buNone/>
-              <a:defRPr sz="394"/>
+            <a:lvl9pPr marL="1295888" indent="0">
+              <a:buNone/>
+              <a:defRPr sz="354"/>
             </a:lvl9pPr>
           </a:lstStyle>
           <a:p>
             <a:pPr lvl="0"/>
             <a:r>
-              <a:rPr lang="nb-NO" smtClean="0"/>
-              <a:t>Klikk for å redigere tekststiler i malen</a:t>
+              <a:rPr lang="nb-NO"/>
+              <a:t>Rediger tekststiler i malen</a:t>
             </a:r>
           </a:p>
         </p:txBody>
@@ -2303,7 +2359,7 @@
           <a:p>
             <a:fld id="{DB66AA82-ED40-495D-B06B-56AC191DBDA2}" type="datetimeFigureOut">
               <a:rPr lang="nb-NO" smtClean="0"/>
-              <a:t>17.05.2017</a:t>
+              <a:t>18.05.2017</a:t>
             </a:fld>
             <a:endParaRPr lang="nb-NO"/>
           </a:p>
@@ -2352,6 +2408,11 @@
         </p:txBody>
       </p:sp>
     </p:spTree>
+    <p:extLst>
+      <p:ext uri="{BB962C8B-B14F-4D97-AF65-F5344CB8AC3E}">
+        <p14:creationId xmlns:p14="http://schemas.microsoft.com/office/powerpoint/2010/main" val="826691672"/>
+      </p:ext>
+    </p:extLst>
   </p:cSld>
   <p:clrMapOvr>
     <a:masterClrMapping/>
@@ -2393,8 +2454,8 @@
         </p:nvSpPr>
         <p:spPr>
           <a:xfrm>
-            <a:off x="247531" y="268351"/>
-            <a:ext cx="3105388" cy="974228"/>
+            <a:off x="296972" y="134133"/>
+            <a:ext cx="3725645" cy="486960"/>
           </a:xfrm>
           <a:prstGeom prst="rect">
             <a:avLst/>
@@ -2407,7 +2468,7 @@
           <a:lstStyle/>
           <a:p>
             <a:r>
-              <a:rPr lang="nb-NO" smtClean="0"/>
+              <a:rPr lang="nb-NO"/>
               <a:t>Klikk for å redigere tittelstil</a:t>
             </a:r>
             <a:endParaRPr lang="en-US" dirty="0"/>
@@ -2426,8 +2487,8 @@
         </p:nvSpPr>
         <p:spPr>
           <a:xfrm>
-            <a:off x="247531" y="1341750"/>
-            <a:ext cx="3105388" cy="3198032"/>
+            <a:off x="296972" y="670664"/>
+            <a:ext cx="3725645" cy="1598513"/>
           </a:xfrm>
           <a:prstGeom prst="rect">
             <a:avLst/>
@@ -2441,35 +2502,35 @@
           <a:p>
             <a:pPr lvl="0"/>
             <a:r>
-              <a:rPr lang="nb-NO" smtClean="0"/>
-              <a:t>Klikk for å redigere tekststiler i malen</a:t>
+              <a:rPr lang="nb-NO"/>
+              <a:t>Rediger tekststiler i malen</a:t>
             </a:r>
           </a:p>
           <a:p>
             <a:pPr lvl="1"/>
             <a:r>
-              <a:rPr lang="nb-NO" smtClean="0"/>
+              <a:rPr lang="nb-NO"/>
               <a:t>Andre nivå</a:t>
             </a:r>
           </a:p>
           <a:p>
             <a:pPr lvl="2"/>
             <a:r>
-              <a:rPr lang="nb-NO" smtClean="0"/>
+              <a:rPr lang="nb-NO"/>
               <a:t>Tredje nivå</a:t>
             </a:r>
           </a:p>
           <a:p>
             <a:pPr lvl="3"/>
             <a:r>
-              <a:rPr lang="nb-NO" smtClean="0"/>
+              <a:rPr lang="nb-NO"/>
               <a:t>Fjerde nivå</a:t>
             </a:r>
           </a:p>
           <a:p>
             <a:pPr lvl="4"/>
             <a:r>
-              <a:rPr lang="nb-NO" smtClean="0"/>
+              <a:rPr lang="nb-NO"/>
               <a:t>Femte nivå</a:t>
             </a:r>
             <a:endParaRPr lang="en-US" dirty="0"/>
@@ -2488,8 +2549,8 @@
         </p:nvSpPr>
         <p:spPr>
           <a:xfrm>
-            <a:off x="247531" y="4671625"/>
-            <a:ext cx="810101" cy="268350"/>
+            <a:off x="296972" y="2335076"/>
+            <a:ext cx="971907" cy="134133"/>
           </a:xfrm>
           <a:prstGeom prst="rect">
             <a:avLst/>
@@ -2499,7 +2560,7 @@
           <a:bodyPr vert="horz" lIns="91440" tIns="45720" rIns="91440" bIns="45720" rtlCol="0" anchor="ctr"/>
           <a:lstStyle>
             <a:lvl1pPr algn="l">
-              <a:defRPr sz="473">
+              <a:defRPr sz="425">
                 <a:solidFill>
                   <a:schemeClr val="tx1">
                     <a:tint val="75000"/>
@@ -2511,7 +2572,7 @@
           <a:p>
             <a:fld id="{DB66AA82-ED40-495D-B06B-56AC191DBDA2}" type="datetimeFigureOut">
               <a:rPr lang="nb-NO" smtClean="0"/>
-              <a:t>17.05.2017</a:t>
+              <a:t>18.05.2017</a:t>
             </a:fld>
             <a:endParaRPr lang="nb-NO"/>
           </a:p>
@@ -2529,8 +2590,8 @@
         </p:nvSpPr>
         <p:spPr>
           <a:xfrm>
-            <a:off x="1192649" y="4671625"/>
-            <a:ext cx="1215152" cy="268350"/>
+            <a:off x="1430864" y="2335076"/>
+            <a:ext cx="1457861" cy="134133"/>
           </a:xfrm>
           <a:prstGeom prst="rect">
             <a:avLst/>
@@ -2540,7 +2601,7 @@
           <a:bodyPr vert="horz" lIns="91440" tIns="45720" rIns="91440" bIns="45720" rtlCol="0" anchor="ctr"/>
           <a:lstStyle>
             <a:lvl1pPr algn="ctr">
-              <a:defRPr sz="473">
+              <a:defRPr sz="425">
                 <a:solidFill>
                   <a:schemeClr val="tx1">
                     <a:tint val="75000"/>
@@ -2566,8 +2627,8 @@
         </p:nvSpPr>
         <p:spPr>
           <a:xfrm>
-            <a:off x="2542818" y="4671625"/>
-            <a:ext cx="810101" cy="268350"/>
+            <a:off x="3050709" y="2335076"/>
+            <a:ext cx="971907" cy="134133"/>
           </a:xfrm>
           <a:prstGeom prst="rect">
             <a:avLst/>
@@ -2577,7 +2638,7 @@
           <a:bodyPr vert="horz" lIns="91440" tIns="45720" rIns="91440" bIns="45720" rtlCol="0" anchor="ctr"/>
           <a:lstStyle>
             <a:lvl1pPr algn="r">
-              <a:defRPr sz="473">
+              <a:defRPr sz="425">
                 <a:solidFill>
                   <a:schemeClr val="tx1">
                     <a:tint val="75000"/>
@@ -2598,27 +2659,27 @@
     </p:spTree>
     <p:extLst>
       <p:ext uri="{BB962C8B-B14F-4D97-AF65-F5344CB8AC3E}">
-        <p14:creationId xmlns:p14="http://schemas.microsoft.com/office/powerpoint/2010/main" val="2090120593"/>
+        <p14:creationId xmlns:p14="http://schemas.microsoft.com/office/powerpoint/2010/main" val="1937807930"/>
       </p:ext>
     </p:extLst>
   </p:cSld>
   <p:clrMap bg1="lt1" tx1="dk1" bg2="lt2" tx2="dk2" accent1="accent1" accent2="accent2" accent3="accent3" accent4="accent4" accent5="accent5" accent6="accent6" hlink="hlink" folHlink="folHlink"/>
   <p:sldLayoutIdLst>
-    <p:sldLayoutId id="2147483697" r:id="rId1"/>
-    <p:sldLayoutId id="2147483698" r:id="rId2"/>
-    <p:sldLayoutId id="2147483699" r:id="rId3"/>
-    <p:sldLayoutId id="2147483700" r:id="rId4"/>
-    <p:sldLayoutId id="2147483701" r:id="rId5"/>
-    <p:sldLayoutId id="2147483702" r:id="rId6"/>
-    <p:sldLayoutId id="2147483703" r:id="rId7"/>
-    <p:sldLayoutId id="2147483704" r:id="rId8"/>
-    <p:sldLayoutId id="2147483705" r:id="rId9"/>
-    <p:sldLayoutId id="2147483706" r:id="rId10"/>
-    <p:sldLayoutId id="2147483707" r:id="rId11"/>
+    <p:sldLayoutId id="2147483721" r:id="rId1"/>
+    <p:sldLayoutId id="2147483722" r:id="rId2"/>
+    <p:sldLayoutId id="2147483723" r:id="rId3"/>
+    <p:sldLayoutId id="2147483724" r:id="rId4"/>
+    <p:sldLayoutId id="2147483725" r:id="rId5"/>
+    <p:sldLayoutId id="2147483726" r:id="rId6"/>
+    <p:sldLayoutId id="2147483727" r:id="rId7"/>
+    <p:sldLayoutId id="2147483728" r:id="rId8"/>
+    <p:sldLayoutId id="2147483729" r:id="rId9"/>
+    <p:sldLayoutId id="2147483730" r:id="rId10"/>
+    <p:sldLayoutId id="2147483731" r:id="rId11"/>
   </p:sldLayoutIdLst>
   <p:txStyles>
     <p:titleStyle>
-      <a:lvl1pPr algn="l" defTabSz="360091" rtl="0" eaLnBrk="1" latinLnBrk="0" hangingPunct="1">
+      <a:lvl1pPr algn="l" defTabSz="323972" rtl="0" eaLnBrk="1" latinLnBrk="0" hangingPunct="1">
         <a:lnSpc>
           <a:spcPct val="90000"/>
         </a:lnSpc>
@@ -2626,7 +2687,7 @@
           <a:spcPct val="0"/>
         </a:spcBef>
         <a:buNone/>
-        <a:defRPr sz="1733" kern="1200">
+        <a:defRPr sz="1559" kern="1200">
           <a:solidFill>
             <a:schemeClr val="tx1"/>
           </a:solidFill>
@@ -2637,16 +2698,16 @@
       </a:lvl1pPr>
     </p:titleStyle>
     <p:bodyStyle>
-      <a:lvl1pPr marL="90023" indent="-90023" algn="l" defTabSz="360091" rtl="0" eaLnBrk="1" latinLnBrk="0" hangingPunct="1">
+      <a:lvl1pPr marL="80993" indent="-80993" algn="l" defTabSz="323972" rtl="0" eaLnBrk="1" latinLnBrk="0" hangingPunct="1">
         <a:lnSpc>
           <a:spcPct val="90000"/>
         </a:lnSpc>
         <a:spcBef>
-          <a:spcPts val="394"/>
+          <a:spcPts val="354"/>
         </a:spcBef>
         <a:buFont typeface="Arial" panose="020B0604020202020204" pitchFamily="34" charset="0"/>
         <a:buChar char="•"/>
-        <a:defRPr sz="1103" kern="1200">
+        <a:defRPr sz="992" kern="1200">
           <a:solidFill>
             <a:schemeClr val="tx1"/>
           </a:solidFill>
@@ -2655,16 +2716,16 @@
           <a:cs typeface="+mn-cs"/>
         </a:defRPr>
       </a:lvl1pPr>
-      <a:lvl2pPr marL="270068" indent="-90023" algn="l" defTabSz="360091" rtl="0" eaLnBrk="1" latinLnBrk="0" hangingPunct="1">
+      <a:lvl2pPr marL="242979" indent="-80993" algn="l" defTabSz="323972" rtl="0" eaLnBrk="1" latinLnBrk="0" hangingPunct="1">
         <a:lnSpc>
           <a:spcPct val="90000"/>
         </a:lnSpc>
         <a:spcBef>
-          <a:spcPts val="197"/>
+          <a:spcPts val="177"/>
         </a:spcBef>
         <a:buFont typeface="Arial" panose="020B0604020202020204" pitchFamily="34" charset="0"/>
         <a:buChar char="•"/>
-        <a:defRPr sz="945" kern="1200">
+        <a:defRPr sz="850" kern="1200">
           <a:solidFill>
             <a:schemeClr val="tx1"/>
           </a:solidFill>
@@ -2673,30 +2734,12 @@
           <a:cs typeface="+mn-cs"/>
         </a:defRPr>
       </a:lvl2pPr>
-      <a:lvl3pPr marL="450113" indent="-90023" algn="l" defTabSz="360091" rtl="0" eaLnBrk="1" latinLnBrk="0" hangingPunct="1">
+      <a:lvl3pPr marL="404965" indent="-80993" algn="l" defTabSz="323972" rtl="0" eaLnBrk="1" latinLnBrk="0" hangingPunct="1">
         <a:lnSpc>
           <a:spcPct val="90000"/>
         </a:lnSpc>
         <a:spcBef>
-          <a:spcPts val="197"/>
-        </a:spcBef>
-        <a:buFont typeface="Arial" panose="020B0604020202020204" pitchFamily="34" charset="0"/>
-        <a:buChar char="•"/>
-        <a:defRPr sz="788" kern="1200">
-          <a:solidFill>
-            <a:schemeClr val="tx1"/>
-          </a:solidFill>
-          <a:latin typeface="+mn-lt"/>
-          <a:ea typeface="+mn-ea"/>
-          <a:cs typeface="+mn-cs"/>
-        </a:defRPr>
-      </a:lvl3pPr>
-      <a:lvl4pPr marL="630159" indent="-90023" algn="l" defTabSz="360091" rtl="0" eaLnBrk="1" latinLnBrk="0" hangingPunct="1">
-        <a:lnSpc>
-          <a:spcPct val="90000"/>
-        </a:lnSpc>
-        <a:spcBef>
-          <a:spcPts val="197"/>
+          <a:spcPts val="177"/>
         </a:spcBef>
         <a:buFont typeface="Arial" panose="020B0604020202020204" pitchFamily="34" charset="0"/>
         <a:buChar char="•"/>
@@ -2708,17 +2751,35 @@
           <a:ea typeface="+mn-ea"/>
           <a:cs typeface="+mn-cs"/>
         </a:defRPr>
-      </a:lvl4pPr>
-      <a:lvl5pPr marL="810204" indent="-90023" algn="l" defTabSz="360091" rtl="0" eaLnBrk="1" latinLnBrk="0" hangingPunct="1">
+      </a:lvl3pPr>
+      <a:lvl4pPr marL="566951" indent="-80993" algn="l" defTabSz="323972" rtl="0" eaLnBrk="1" latinLnBrk="0" hangingPunct="1">
         <a:lnSpc>
           <a:spcPct val="90000"/>
         </a:lnSpc>
         <a:spcBef>
-          <a:spcPts val="197"/>
+          <a:spcPts val="177"/>
         </a:spcBef>
         <a:buFont typeface="Arial" panose="020B0604020202020204" pitchFamily="34" charset="0"/>
         <a:buChar char="•"/>
-        <a:defRPr sz="709" kern="1200">
+        <a:defRPr sz="638" kern="1200">
+          <a:solidFill>
+            <a:schemeClr val="tx1"/>
+          </a:solidFill>
+          <a:latin typeface="+mn-lt"/>
+          <a:ea typeface="+mn-ea"/>
+          <a:cs typeface="+mn-cs"/>
+        </a:defRPr>
+      </a:lvl4pPr>
+      <a:lvl5pPr marL="728937" indent="-80993" algn="l" defTabSz="323972" rtl="0" eaLnBrk="1" latinLnBrk="0" hangingPunct="1">
+        <a:lnSpc>
+          <a:spcPct val="90000"/>
+        </a:lnSpc>
+        <a:spcBef>
+          <a:spcPts val="177"/>
+        </a:spcBef>
+        <a:buFont typeface="Arial" panose="020B0604020202020204" pitchFamily="34" charset="0"/>
+        <a:buChar char="•"/>
+        <a:defRPr sz="638" kern="1200">
           <a:solidFill>
             <a:schemeClr val="tx1"/>
           </a:solidFill>
@@ -2727,16 +2788,16 @@
           <a:cs typeface="+mn-cs"/>
         </a:defRPr>
       </a:lvl5pPr>
-      <a:lvl6pPr marL="990249" indent="-90023" algn="l" defTabSz="360091" rtl="0" eaLnBrk="1" latinLnBrk="0" hangingPunct="1">
+      <a:lvl6pPr marL="890923" indent="-80993" algn="l" defTabSz="323972" rtl="0" eaLnBrk="1" latinLnBrk="0" hangingPunct="1">
         <a:lnSpc>
           <a:spcPct val="90000"/>
         </a:lnSpc>
         <a:spcBef>
-          <a:spcPts val="197"/>
+          <a:spcPts val="177"/>
         </a:spcBef>
         <a:buFont typeface="Arial" panose="020B0604020202020204" pitchFamily="34" charset="0"/>
         <a:buChar char="•"/>
-        <a:defRPr sz="709" kern="1200">
+        <a:defRPr sz="638" kern="1200">
           <a:solidFill>
             <a:schemeClr val="tx1"/>
           </a:solidFill>
@@ -2745,16 +2806,16 @@
           <a:cs typeface="+mn-cs"/>
         </a:defRPr>
       </a:lvl6pPr>
-      <a:lvl7pPr marL="1170295" indent="-90023" algn="l" defTabSz="360091" rtl="0" eaLnBrk="1" latinLnBrk="0" hangingPunct="1">
+      <a:lvl7pPr marL="1052909" indent="-80993" algn="l" defTabSz="323972" rtl="0" eaLnBrk="1" latinLnBrk="0" hangingPunct="1">
         <a:lnSpc>
           <a:spcPct val="90000"/>
         </a:lnSpc>
         <a:spcBef>
-          <a:spcPts val="197"/>
+          <a:spcPts val="177"/>
         </a:spcBef>
         <a:buFont typeface="Arial" panose="020B0604020202020204" pitchFamily="34" charset="0"/>
         <a:buChar char="•"/>
-        <a:defRPr sz="709" kern="1200">
+        <a:defRPr sz="638" kern="1200">
           <a:solidFill>
             <a:schemeClr val="tx1"/>
           </a:solidFill>
@@ -2763,16 +2824,16 @@
           <a:cs typeface="+mn-cs"/>
         </a:defRPr>
       </a:lvl7pPr>
-      <a:lvl8pPr marL="1350340" indent="-90023" algn="l" defTabSz="360091" rtl="0" eaLnBrk="1" latinLnBrk="0" hangingPunct="1">
+      <a:lvl8pPr marL="1214895" indent="-80993" algn="l" defTabSz="323972" rtl="0" eaLnBrk="1" latinLnBrk="0" hangingPunct="1">
         <a:lnSpc>
           <a:spcPct val="90000"/>
         </a:lnSpc>
         <a:spcBef>
-          <a:spcPts val="197"/>
+          <a:spcPts val="177"/>
         </a:spcBef>
         <a:buFont typeface="Arial" panose="020B0604020202020204" pitchFamily="34" charset="0"/>
         <a:buChar char="•"/>
-        <a:defRPr sz="709" kern="1200">
+        <a:defRPr sz="638" kern="1200">
           <a:solidFill>
             <a:schemeClr val="tx1"/>
           </a:solidFill>
@@ -2781,16 +2842,16 @@
           <a:cs typeface="+mn-cs"/>
         </a:defRPr>
       </a:lvl8pPr>
-      <a:lvl9pPr marL="1530386" indent="-90023" algn="l" defTabSz="360091" rtl="0" eaLnBrk="1" latinLnBrk="0" hangingPunct="1">
+      <a:lvl9pPr marL="1376881" indent="-80993" algn="l" defTabSz="323972" rtl="0" eaLnBrk="1" latinLnBrk="0" hangingPunct="1">
         <a:lnSpc>
           <a:spcPct val="90000"/>
         </a:lnSpc>
         <a:spcBef>
-          <a:spcPts val="197"/>
+          <a:spcPts val="177"/>
         </a:spcBef>
         <a:buFont typeface="Arial" panose="020B0604020202020204" pitchFamily="34" charset="0"/>
         <a:buChar char="•"/>
-        <a:defRPr sz="709" kern="1200">
+        <a:defRPr sz="638" kern="1200">
           <a:solidFill>
             <a:schemeClr val="tx1"/>
           </a:solidFill>
@@ -2804,8 +2865,8 @@
       <a:defPPr>
         <a:defRPr lang="en-US"/>
       </a:defPPr>
-      <a:lvl1pPr marL="0" algn="l" defTabSz="360091" rtl="0" eaLnBrk="1" latinLnBrk="0" hangingPunct="1">
-        <a:defRPr sz="709" kern="1200">
+      <a:lvl1pPr marL="0" algn="l" defTabSz="323972" rtl="0" eaLnBrk="1" latinLnBrk="0" hangingPunct="1">
+        <a:defRPr sz="638" kern="1200">
           <a:solidFill>
             <a:schemeClr val="tx1"/>
           </a:solidFill>
@@ -2814,8 +2875,8 @@
           <a:cs typeface="+mn-cs"/>
         </a:defRPr>
       </a:lvl1pPr>
-      <a:lvl2pPr marL="180045" algn="l" defTabSz="360091" rtl="0" eaLnBrk="1" latinLnBrk="0" hangingPunct="1">
-        <a:defRPr sz="709" kern="1200">
+      <a:lvl2pPr marL="161986" algn="l" defTabSz="323972" rtl="0" eaLnBrk="1" latinLnBrk="0" hangingPunct="1">
+        <a:defRPr sz="638" kern="1200">
           <a:solidFill>
             <a:schemeClr val="tx1"/>
           </a:solidFill>
@@ -2824,8 +2885,8 @@
           <a:cs typeface="+mn-cs"/>
         </a:defRPr>
       </a:lvl2pPr>
-      <a:lvl3pPr marL="360091" algn="l" defTabSz="360091" rtl="0" eaLnBrk="1" latinLnBrk="0" hangingPunct="1">
-        <a:defRPr sz="709" kern="1200">
+      <a:lvl3pPr marL="323972" algn="l" defTabSz="323972" rtl="0" eaLnBrk="1" latinLnBrk="0" hangingPunct="1">
+        <a:defRPr sz="638" kern="1200">
           <a:solidFill>
             <a:schemeClr val="tx1"/>
           </a:solidFill>
@@ -2834,8 +2895,8 @@
           <a:cs typeface="+mn-cs"/>
         </a:defRPr>
       </a:lvl3pPr>
-      <a:lvl4pPr marL="540136" algn="l" defTabSz="360091" rtl="0" eaLnBrk="1" latinLnBrk="0" hangingPunct="1">
-        <a:defRPr sz="709" kern="1200">
+      <a:lvl4pPr marL="485958" algn="l" defTabSz="323972" rtl="0" eaLnBrk="1" latinLnBrk="0" hangingPunct="1">
+        <a:defRPr sz="638" kern="1200">
           <a:solidFill>
             <a:schemeClr val="tx1"/>
           </a:solidFill>
@@ -2844,8 +2905,8 @@
           <a:cs typeface="+mn-cs"/>
         </a:defRPr>
       </a:lvl4pPr>
-      <a:lvl5pPr marL="720181" algn="l" defTabSz="360091" rtl="0" eaLnBrk="1" latinLnBrk="0" hangingPunct="1">
-        <a:defRPr sz="709" kern="1200">
+      <a:lvl5pPr marL="647944" algn="l" defTabSz="323972" rtl="0" eaLnBrk="1" latinLnBrk="0" hangingPunct="1">
+        <a:defRPr sz="638" kern="1200">
           <a:solidFill>
             <a:schemeClr val="tx1"/>
           </a:solidFill>
@@ -2854,8 +2915,8 @@
           <a:cs typeface="+mn-cs"/>
         </a:defRPr>
       </a:lvl5pPr>
-      <a:lvl6pPr marL="900227" algn="l" defTabSz="360091" rtl="0" eaLnBrk="1" latinLnBrk="0" hangingPunct="1">
-        <a:defRPr sz="709" kern="1200">
+      <a:lvl6pPr marL="809930" algn="l" defTabSz="323972" rtl="0" eaLnBrk="1" latinLnBrk="0" hangingPunct="1">
+        <a:defRPr sz="638" kern="1200">
           <a:solidFill>
             <a:schemeClr val="tx1"/>
           </a:solidFill>
@@ -2864,8 +2925,8 @@
           <a:cs typeface="+mn-cs"/>
         </a:defRPr>
       </a:lvl6pPr>
-      <a:lvl7pPr marL="1080272" algn="l" defTabSz="360091" rtl="0" eaLnBrk="1" latinLnBrk="0" hangingPunct="1">
-        <a:defRPr sz="709" kern="1200">
+      <a:lvl7pPr marL="971916" algn="l" defTabSz="323972" rtl="0" eaLnBrk="1" latinLnBrk="0" hangingPunct="1">
+        <a:defRPr sz="638" kern="1200">
           <a:solidFill>
             <a:schemeClr val="tx1"/>
           </a:solidFill>
@@ -2874,8 +2935,8 @@
           <a:cs typeface="+mn-cs"/>
         </a:defRPr>
       </a:lvl7pPr>
-      <a:lvl8pPr marL="1260318" algn="l" defTabSz="360091" rtl="0" eaLnBrk="1" latinLnBrk="0" hangingPunct="1">
-        <a:defRPr sz="709" kern="1200">
+      <a:lvl8pPr marL="1133902" algn="l" defTabSz="323972" rtl="0" eaLnBrk="1" latinLnBrk="0" hangingPunct="1">
+        <a:defRPr sz="638" kern="1200">
           <a:solidFill>
             <a:schemeClr val="tx1"/>
           </a:solidFill>
@@ -2884,8 +2945,8 @@
           <a:cs typeface="+mn-cs"/>
         </a:defRPr>
       </a:lvl8pPr>
-      <a:lvl9pPr marL="1440363" algn="l" defTabSz="360091" rtl="0" eaLnBrk="1" latinLnBrk="0" hangingPunct="1">
-        <a:defRPr sz="709" kern="1200">
+      <a:lvl9pPr marL="1295888" algn="l" defTabSz="323972" rtl="0" eaLnBrk="1" latinLnBrk="0" hangingPunct="1">
+        <a:defRPr sz="638" kern="1200">
           <a:solidFill>
             <a:schemeClr val="tx1"/>
           </a:solidFill>
@@ -2924,10 +2985,10 @@
         </p:nvGrpSpPr>
         <p:grpSpPr>
           <a:xfrm>
-            <a:off x="67734" y="50800"/>
-            <a:ext cx="3465266" cy="4820180"/>
-            <a:chOff x="50800" y="954416"/>
-            <a:chExt cx="3558585" cy="4949986"/>
+            <a:off x="1293821" y="25392"/>
+            <a:ext cx="1732087" cy="2409331"/>
+            <a:chOff x="50799" y="954415"/>
+            <a:chExt cx="3558586" cy="4949984"/>
           </a:xfrm>
         </p:grpSpPr>
         <p:sp>
@@ -2938,8 +2999,8 @@
           </p:nvSpPr>
           <p:spPr>
             <a:xfrm>
-              <a:off x="1127654" y="954416"/>
-              <a:ext cx="1074367" cy="1074367"/>
+              <a:off x="1127653" y="954415"/>
+              <a:ext cx="1074368" cy="1074367"/>
             </a:xfrm>
             <a:prstGeom prst="rect">
               <a:avLst/>
@@ -2970,7 +3031,7 @@
             </a:fontRef>
           </p:style>
           <p:txBody>
-            <a:bodyPr rot="0" spcFirstLastPara="0" vertOverflow="overflow" horzOverflow="overflow" vert="horz" wrap="square" lIns="53769" tIns="26884" rIns="53769" bIns="26884" numCol="1" spcCol="0" rtlCol="0" fromWordArt="0" anchor="ctr" anchorCtr="0" forceAA="0" compatLnSpc="1">
+            <a:bodyPr rot="0" spcFirstLastPara="0" vertOverflow="overflow" horzOverflow="overflow" vert="horz" wrap="square" lIns="26876" tIns="13438" rIns="26876" bIns="13438" numCol="1" spcCol="0" rtlCol="0" fromWordArt="0" anchor="ctr" anchorCtr="0" forceAA="0" compatLnSpc="1">
               <a:prstTxWarp prst="textNoShape">
                 <a:avLst/>
               </a:prstTxWarp>
@@ -2980,7 +3041,7 @@
             <a:p>
               <a:pPr algn="ctr"/>
               <a:r>
-                <a:rPr lang="nb-NO" sz="1058" dirty="0">
+                <a:rPr lang="nb-NO" sz="1100" dirty="0">
                   <a:solidFill>
                     <a:schemeClr val="tx1"/>
                   </a:solidFill>
@@ -2998,8 +3059,8 @@
           </p:nvSpPr>
           <p:spPr>
             <a:xfrm>
-              <a:off x="1396246" y="3405563"/>
-              <a:ext cx="537184" cy="537184"/>
+              <a:off x="1396245" y="3405562"/>
+              <a:ext cx="537184" cy="537183"/>
             </a:xfrm>
             <a:prstGeom prst="ellipse">
               <a:avLst/>
@@ -3028,7 +3089,7 @@
             </a:fontRef>
           </p:style>
           <p:txBody>
-            <a:bodyPr rot="0" spcFirstLastPara="0" vertOverflow="overflow" horzOverflow="overflow" vert="horz" wrap="square" lIns="53769" tIns="26884" rIns="53769" bIns="26884" numCol="1" spcCol="0" rtlCol="0" fromWordArt="0" anchor="ctr" anchorCtr="0" forceAA="0" compatLnSpc="1">
+            <a:bodyPr rot="0" spcFirstLastPara="0" vertOverflow="overflow" horzOverflow="overflow" vert="horz" wrap="square" lIns="26876" tIns="13438" rIns="26876" bIns="13438" numCol="1" spcCol="0" rtlCol="0" fromWordArt="0" anchor="ctr" anchorCtr="0" forceAA="0" compatLnSpc="1">
               <a:prstTxWarp prst="textNoShape">
                 <a:avLst/>
               </a:prstTxWarp>
@@ -3038,7 +3099,7 @@
             <a:p>
               <a:pPr algn="ctr"/>
               <a:r>
-                <a:rPr lang="nb-NO" sz="1058" dirty="0">
+                <a:rPr lang="nb-NO" sz="1100" dirty="0">
                   <a:solidFill>
                     <a:schemeClr val="tx1"/>
                   </a:solidFill>
@@ -3056,8 +3117,8 @@
           </p:nvSpPr>
           <p:spPr>
             <a:xfrm>
-              <a:off x="2196158" y="3405563"/>
-              <a:ext cx="537184" cy="537184"/>
+              <a:off x="2196157" y="3405562"/>
+              <a:ext cx="537184" cy="537183"/>
             </a:xfrm>
             <a:prstGeom prst="ellipse">
               <a:avLst/>
@@ -3086,7 +3147,7 @@
             </a:fontRef>
           </p:style>
           <p:txBody>
-            <a:bodyPr rot="0" spcFirstLastPara="0" vertOverflow="overflow" horzOverflow="overflow" vert="horz" wrap="square" lIns="53769" tIns="26884" rIns="53769" bIns="26884" numCol="1" spcCol="0" rtlCol="0" fromWordArt="0" anchor="ctr" anchorCtr="0" forceAA="0" compatLnSpc="1">
+            <a:bodyPr rot="0" spcFirstLastPara="0" vertOverflow="overflow" horzOverflow="overflow" vert="horz" wrap="square" lIns="26876" tIns="13438" rIns="26876" bIns="13438" numCol="1" spcCol="0" rtlCol="0" fromWordArt="0" anchor="ctr" anchorCtr="0" forceAA="0" compatLnSpc="1">
               <a:prstTxWarp prst="textNoShape">
                 <a:avLst/>
               </a:prstTxWarp>
@@ -3096,7 +3157,7 @@
             <a:p>
               <a:pPr algn="ctr"/>
               <a:r>
-                <a:rPr lang="nb-NO" sz="1058" dirty="0">
+                <a:rPr lang="nb-NO" sz="1100" dirty="0">
                   <a:solidFill>
                     <a:schemeClr val="tx1"/>
                   </a:solidFill>
@@ -3114,8 +3175,8 @@
           </p:nvSpPr>
           <p:spPr>
             <a:xfrm>
-              <a:off x="596334" y="3405563"/>
-              <a:ext cx="537184" cy="537184"/>
+              <a:off x="596332" y="3405562"/>
+              <a:ext cx="537184" cy="537183"/>
             </a:xfrm>
             <a:prstGeom prst="ellipse">
               <a:avLst/>
@@ -3144,7 +3205,7 @@
             </a:fontRef>
           </p:style>
           <p:txBody>
-            <a:bodyPr rot="0" spcFirstLastPara="0" vertOverflow="overflow" horzOverflow="overflow" vert="horz" wrap="square" lIns="53769" tIns="26884" rIns="53769" bIns="26884" numCol="1" spcCol="0" rtlCol="0" fromWordArt="0" anchor="ctr" anchorCtr="0" forceAA="0" compatLnSpc="1">
+            <a:bodyPr rot="0" spcFirstLastPara="0" vertOverflow="overflow" horzOverflow="overflow" vert="horz" wrap="square" lIns="26876" tIns="13438" rIns="26876" bIns="13438" numCol="1" spcCol="0" rtlCol="0" fromWordArt="0" anchor="ctr" anchorCtr="0" forceAA="0" compatLnSpc="1">
               <a:prstTxWarp prst="textNoShape">
                 <a:avLst/>
               </a:prstTxWarp>
@@ -3154,7 +3215,7 @@
             <a:p>
               <a:pPr algn="ctr"/>
               <a:r>
-                <a:rPr lang="nb-NO" sz="1058" dirty="0">
+                <a:rPr lang="nb-NO" sz="1100" dirty="0">
                   <a:solidFill>
                     <a:schemeClr val="tx1"/>
                   </a:solidFill>
@@ -3172,8 +3233,8 @@
           </p:nvSpPr>
           <p:spPr>
             <a:xfrm>
-              <a:off x="2065067" y="5367218"/>
-              <a:ext cx="537184" cy="537184"/>
+              <a:off x="2065067" y="5367216"/>
+              <a:ext cx="537184" cy="537183"/>
             </a:xfrm>
             <a:prstGeom prst="ellipse">
               <a:avLst/>
@@ -3202,7 +3263,7 @@
             </a:fontRef>
           </p:style>
           <p:txBody>
-            <a:bodyPr rot="0" spcFirstLastPara="0" vertOverflow="overflow" horzOverflow="overflow" vert="horz" wrap="square" lIns="53769" tIns="26884" rIns="53769" bIns="26884" numCol="1" spcCol="0" rtlCol="0" fromWordArt="0" anchor="ctr" anchorCtr="0" forceAA="0" compatLnSpc="1">
+            <a:bodyPr rot="0" spcFirstLastPara="0" vertOverflow="overflow" horzOverflow="overflow" vert="horz" wrap="square" lIns="26876" tIns="13438" rIns="26876" bIns="13438" numCol="1" spcCol="0" rtlCol="0" fromWordArt="0" anchor="ctr" anchorCtr="0" forceAA="0" compatLnSpc="1">
               <a:prstTxWarp prst="textNoShape">
                 <a:avLst/>
               </a:prstTxWarp>
@@ -3212,7 +3273,7 @@
             <a:p>
               <a:pPr algn="ctr"/>
               <a:r>
-                <a:rPr lang="nb-NO" sz="1058" dirty="0">
+                <a:rPr lang="nb-NO" sz="1100" dirty="0">
                   <a:solidFill>
                     <a:schemeClr val="tx1"/>
                   </a:solidFill>
@@ -3230,8 +3291,8 @@
           </p:nvSpPr>
           <p:spPr>
             <a:xfrm>
-              <a:off x="50800" y="5367218"/>
-              <a:ext cx="537184" cy="537184"/>
+              <a:off x="50799" y="5367216"/>
+              <a:ext cx="537184" cy="537183"/>
             </a:xfrm>
             <a:prstGeom prst="ellipse">
               <a:avLst/>
@@ -3260,7 +3321,7 @@
             </a:fontRef>
           </p:style>
           <p:txBody>
-            <a:bodyPr rot="0" spcFirstLastPara="0" vertOverflow="overflow" horzOverflow="overflow" vert="horz" wrap="square" lIns="53769" tIns="26884" rIns="53769" bIns="26884" numCol="1" spcCol="0" rtlCol="0" fromWordArt="0" anchor="ctr" anchorCtr="0" forceAA="0" compatLnSpc="1">
+            <a:bodyPr rot="0" spcFirstLastPara="0" vertOverflow="overflow" horzOverflow="overflow" vert="horz" wrap="square" lIns="26876" tIns="13438" rIns="26876" bIns="13438" numCol="1" spcCol="0" rtlCol="0" fromWordArt="0" anchor="ctr" anchorCtr="0" forceAA="0" compatLnSpc="1">
               <a:prstTxWarp prst="textNoShape">
                 <a:avLst/>
               </a:prstTxWarp>
@@ -3270,7 +3331,7 @@
             <a:p>
               <a:pPr algn="ctr"/>
               <a:r>
-                <a:rPr lang="nb-NO" sz="1058" dirty="0">
+                <a:rPr lang="nb-NO" sz="1100" dirty="0">
                   <a:solidFill>
                     <a:schemeClr val="tx1"/>
                   </a:solidFill>
@@ -3290,7 +3351,7 @@
           </p:nvCxnSpPr>
           <p:spPr>
             <a:xfrm flipH="1">
-              <a:off x="864924" y="2028782"/>
+              <a:off x="864922" y="2028780"/>
               <a:ext cx="794051" cy="1376782"/>
             </a:xfrm>
             <a:prstGeom prst="straightConnector1">
@@ -3326,7 +3387,7 @@
           </p:nvCxnSpPr>
           <p:spPr>
             <a:xfrm>
-              <a:off x="1664838" y="2028782"/>
+              <a:off x="1664837" y="2028780"/>
               <a:ext cx="0" cy="1376782"/>
             </a:xfrm>
             <a:prstGeom prst="straightConnector1">
@@ -3362,7 +3423,7 @@
           </p:nvCxnSpPr>
           <p:spPr>
             <a:xfrm>
-              <a:off x="1664838" y="2028782"/>
+              <a:off x="1664837" y="2028780"/>
               <a:ext cx="799912" cy="1376782"/>
             </a:xfrm>
             <a:prstGeom prst="straightConnector1">
@@ -3395,8 +3456,8 @@
           </p:nvSpPr>
           <p:spPr>
             <a:xfrm>
-              <a:off x="1057934" y="5367218"/>
-              <a:ext cx="537184" cy="537184"/>
+              <a:off x="1057933" y="5367216"/>
+              <a:ext cx="537184" cy="537183"/>
             </a:xfrm>
             <a:prstGeom prst="ellipse">
               <a:avLst/>
@@ -3425,7 +3486,7 @@
             </a:fontRef>
           </p:style>
           <p:txBody>
-            <a:bodyPr rot="0" spcFirstLastPara="0" vertOverflow="overflow" horzOverflow="overflow" vert="horz" wrap="square" lIns="53769" tIns="26884" rIns="53769" bIns="26884" numCol="1" spcCol="0" rtlCol="0" fromWordArt="0" anchor="ctr" anchorCtr="0" forceAA="0" compatLnSpc="1">
+            <a:bodyPr rot="0" spcFirstLastPara="0" vertOverflow="overflow" horzOverflow="overflow" vert="horz" wrap="square" lIns="26876" tIns="13438" rIns="26876" bIns="13438" numCol="1" spcCol="0" rtlCol="0" fromWordArt="0" anchor="ctr" anchorCtr="0" forceAA="0" compatLnSpc="1">
               <a:prstTxWarp prst="textNoShape">
                 <a:avLst/>
               </a:prstTxWarp>
@@ -3435,7 +3496,7 @@
             <a:p>
               <a:pPr algn="ctr"/>
               <a:r>
-                <a:rPr lang="nb-NO" sz="1058" dirty="0">
+                <a:rPr lang="nb-NO" sz="1100" dirty="0">
                   <a:solidFill>
                     <a:schemeClr val="tx1"/>
                   </a:solidFill>
@@ -3453,8 +3514,8 @@
           </p:nvSpPr>
           <p:spPr>
             <a:xfrm>
-              <a:off x="3072201" y="5367218"/>
-              <a:ext cx="537184" cy="537184"/>
+              <a:off x="3072201" y="5367216"/>
+              <a:ext cx="537184" cy="537183"/>
             </a:xfrm>
             <a:prstGeom prst="ellipse">
               <a:avLst/>
@@ -3483,7 +3544,7 @@
             </a:fontRef>
           </p:style>
           <p:txBody>
-            <a:bodyPr rot="0" spcFirstLastPara="0" vertOverflow="overflow" horzOverflow="overflow" vert="horz" wrap="square" lIns="53769" tIns="26884" rIns="53769" bIns="26884" numCol="1" spcCol="0" rtlCol="0" fromWordArt="0" anchor="ctr" anchorCtr="0" forceAA="0" compatLnSpc="1">
+            <a:bodyPr rot="0" spcFirstLastPara="0" vertOverflow="overflow" horzOverflow="overflow" vert="horz" wrap="square" lIns="26876" tIns="13438" rIns="26876" bIns="13438" numCol="1" spcCol="0" rtlCol="0" fromWordArt="0" anchor="ctr" anchorCtr="0" forceAA="0" compatLnSpc="1">
               <a:prstTxWarp prst="textNoShape">
                 <a:avLst/>
               </a:prstTxWarp>
@@ -3493,7 +3554,7 @@
             <a:p>
               <a:pPr algn="ctr"/>
               <a:r>
-                <a:rPr lang="nb-NO" sz="1058" dirty="0">
+                <a:rPr lang="nb-NO" sz="1100" dirty="0">
                   <a:solidFill>
                     <a:schemeClr val="tx1"/>
                   </a:solidFill>
@@ -3514,8 +3575,8 @@
           </p:nvCxnSpPr>
           <p:spPr>
             <a:xfrm flipH="1">
-              <a:off x="319392" y="3942749"/>
-              <a:ext cx="545534" cy="1424472"/>
+              <a:off x="319391" y="3942747"/>
+              <a:ext cx="545533" cy="1424471"/>
             </a:xfrm>
             <a:prstGeom prst="straightConnector1">
               <a:avLst/>
@@ -3550,8 +3611,8 @@
           </p:nvCxnSpPr>
           <p:spPr>
             <a:xfrm flipH="1">
-              <a:off x="1326525" y="3942749"/>
-              <a:ext cx="338312" cy="1424472"/>
+              <a:off x="1326525" y="3942747"/>
+              <a:ext cx="338312" cy="1424471"/>
             </a:xfrm>
             <a:prstGeom prst="straightConnector1">
               <a:avLst/>
@@ -3586,8 +3647,8 @@
           </p:nvCxnSpPr>
           <p:spPr>
             <a:xfrm>
-              <a:off x="1664838" y="3942749"/>
-              <a:ext cx="668821" cy="1424472"/>
+              <a:off x="1664837" y="3942747"/>
+              <a:ext cx="668820" cy="1424471"/>
             </a:xfrm>
             <a:prstGeom prst="straightConnector1">
               <a:avLst/>
@@ -3622,8 +3683,8 @@
           </p:nvCxnSpPr>
           <p:spPr>
             <a:xfrm>
-              <a:off x="2464752" y="3942749"/>
-              <a:ext cx="876043" cy="1424472"/>
+              <a:off x="2464751" y="3942749"/>
+              <a:ext cx="876044" cy="1424471"/>
             </a:xfrm>
             <a:prstGeom prst="straightConnector1">
               <a:avLst/>
@@ -3648,6 +3709,345 @@
           </p:style>
         </p:cxnSp>
       </p:grpSp>
+      <p:sp>
+        <p:nvSpPr>
+          <p:cNvPr id="3" name="Rektangel: avrundede hjørner 2"/>
+          <p:cNvSpPr/>
+          <p:nvPr/>
+        </p:nvSpPr>
+        <p:spPr>
+          <a:xfrm>
+            <a:off x="1161383" y="2140756"/>
+            <a:ext cx="1991080" cy="326469"/>
+          </a:xfrm>
+          <a:prstGeom prst="roundRect">
+            <a:avLst/>
+          </a:prstGeom>
+          <a:noFill/>
+          <a:ln>
+            <a:solidFill>
+              <a:srgbClr val="FF0000"/>
+            </a:solidFill>
+          </a:ln>
+        </p:spPr>
+        <p:style>
+          <a:lnRef idx="2">
+            <a:schemeClr val="accent1">
+              <a:shade val="50000"/>
+            </a:schemeClr>
+          </a:lnRef>
+          <a:fillRef idx="1">
+            <a:schemeClr val="accent1"/>
+          </a:fillRef>
+          <a:effectRef idx="0">
+            <a:schemeClr val="accent1"/>
+          </a:effectRef>
+          <a:fontRef idx="minor">
+            <a:schemeClr val="lt1"/>
+          </a:fontRef>
+        </p:style>
+        <p:txBody>
+          <a:bodyPr rot="0" spcFirstLastPara="0" vertOverflow="overflow" horzOverflow="overflow" vert="horz" wrap="square" lIns="45706" tIns="22853" rIns="45706" bIns="22853" numCol="1" spcCol="0" rtlCol="0" fromWordArt="0" anchor="ctr" anchorCtr="0" forceAA="0" compatLnSpc="1">
+            <a:prstTxWarp prst="textNoShape">
+              <a:avLst/>
+            </a:prstTxWarp>
+            <a:noAutofit/>
+          </a:bodyPr>
+          <a:lstStyle/>
+          <a:p>
+            <a:pPr algn="ctr"/>
+            <a:endParaRPr lang="nb-NO" sz="1100"/>
+          </a:p>
+        </p:txBody>
+      </p:sp>
+      <p:sp>
+        <p:nvSpPr>
+          <p:cNvPr id="5" name="TekstSylinder 4"/>
+          <p:cNvSpPr txBox="1"/>
+          <p:nvPr/>
+        </p:nvSpPr>
+        <p:spPr>
+          <a:xfrm>
+            <a:off x="442166" y="2173113"/>
+            <a:ext cx="799644" cy="261610"/>
+          </a:xfrm>
+          <a:prstGeom prst="rect">
+            <a:avLst/>
+          </a:prstGeom>
+          <a:noFill/>
+        </p:spPr>
+        <p:txBody>
+          <a:bodyPr wrap="square" rtlCol="0">
+            <a:spAutoFit/>
+          </a:bodyPr>
+          <a:lstStyle/>
+          <a:p>
+            <a:r>
+              <a:rPr lang="nb-NO" sz="1100" dirty="0"/>
+              <a:t>Leaf nodes</a:t>
+            </a:r>
+          </a:p>
+        </p:txBody>
+      </p:sp>
+      <p:sp>
+        <p:nvSpPr>
+          <p:cNvPr id="20" name="Rektangel: avrundede hjørner 19"/>
+          <p:cNvSpPr/>
+          <p:nvPr/>
+        </p:nvSpPr>
+        <p:spPr>
+          <a:xfrm>
+            <a:off x="1205989" y="0"/>
+            <a:ext cx="1905236" cy="2467225"/>
+          </a:xfrm>
+          <a:prstGeom prst="roundRect">
+            <a:avLst/>
+          </a:prstGeom>
+          <a:noFill/>
+          <a:ln>
+            <a:solidFill>
+              <a:srgbClr val="FF0000"/>
+            </a:solidFill>
+          </a:ln>
+        </p:spPr>
+        <p:style>
+          <a:lnRef idx="2">
+            <a:schemeClr val="accent1">
+              <a:shade val="50000"/>
+            </a:schemeClr>
+          </a:lnRef>
+          <a:fillRef idx="1">
+            <a:schemeClr val="accent1"/>
+          </a:fillRef>
+          <a:effectRef idx="0">
+            <a:schemeClr val="accent1"/>
+          </a:effectRef>
+          <a:fontRef idx="minor">
+            <a:schemeClr val="lt1"/>
+          </a:fontRef>
+        </p:style>
+        <p:txBody>
+          <a:bodyPr rot="0" spcFirstLastPara="0" vertOverflow="overflow" horzOverflow="overflow" vert="horz" wrap="square" lIns="45706" tIns="22853" rIns="45706" bIns="22853" numCol="1" spcCol="0" rtlCol="0" fromWordArt="0" anchor="ctr" anchorCtr="0" forceAA="0" compatLnSpc="1">
+            <a:prstTxWarp prst="textNoShape">
+              <a:avLst/>
+            </a:prstTxWarp>
+            <a:noAutofit/>
+          </a:bodyPr>
+          <a:lstStyle/>
+          <a:p>
+            <a:pPr algn="ctr"/>
+            <a:endParaRPr lang="nb-NO" sz="1100"/>
+          </a:p>
+        </p:txBody>
+      </p:sp>
+      <p:sp>
+        <p:nvSpPr>
+          <p:cNvPr id="21" name="TekstSylinder 20"/>
+          <p:cNvSpPr txBox="1"/>
+          <p:nvPr/>
+        </p:nvSpPr>
+        <p:spPr>
+          <a:xfrm rot="16200000">
+            <a:off x="862952" y="693468"/>
+            <a:ext cx="551902" cy="261610"/>
+          </a:xfrm>
+          <a:prstGeom prst="rect">
+            <a:avLst/>
+          </a:prstGeom>
+          <a:noFill/>
+        </p:spPr>
+        <p:txBody>
+          <a:bodyPr wrap="square" rtlCol="0">
+            <a:spAutoFit/>
+          </a:bodyPr>
+          <a:lstStyle/>
+          <a:p>
+            <a:r>
+              <a:rPr lang="nb-NO" sz="1100" dirty="0"/>
+              <a:t>Nodes</a:t>
+            </a:r>
+          </a:p>
+        </p:txBody>
+      </p:sp>
+      <p:sp>
+        <p:nvSpPr>
+          <p:cNvPr id="23" name="Rektangel: avrundede hjørner 22"/>
+          <p:cNvSpPr/>
+          <p:nvPr/>
+        </p:nvSpPr>
+        <p:spPr>
+          <a:xfrm>
+            <a:off x="1712709" y="11590"/>
+            <a:ext cx="727734" cy="563450"/>
+          </a:xfrm>
+          <a:prstGeom prst="roundRect">
+            <a:avLst/>
+          </a:prstGeom>
+          <a:noFill/>
+          <a:ln>
+            <a:solidFill>
+              <a:srgbClr val="FF0000"/>
+            </a:solidFill>
+          </a:ln>
+        </p:spPr>
+        <p:style>
+          <a:lnRef idx="2">
+            <a:schemeClr val="accent1">
+              <a:shade val="50000"/>
+            </a:schemeClr>
+          </a:lnRef>
+          <a:fillRef idx="1">
+            <a:schemeClr val="accent1"/>
+          </a:fillRef>
+          <a:effectRef idx="0">
+            <a:schemeClr val="accent1"/>
+          </a:effectRef>
+          <a:fontRef idx="minor">
+            <a:schemeClr val="lt1"/>
+          </a:fontRef>
+        </p:style>
+        <p:txBody>
+          <a:bodyPr rot="0" spcFirstLastPara="0" vertOverflow="overflow" horzOverflow="overflow" vert="horz" wrap="square" lIns="45706" tIns="22853" rIns="45706" bIns="22853" numCol="1" spcCol="0" rtlCol="0" fromWordArt="0" anchor="ctr" anchorCtr="0" forceAA="0" compatLnSpc="1">
+            <a:prstTxWarp prst="textNoShape">
+              <a:avLst/>
+            </a:prstTxWarp>
+            <a:noAutofit/>
+          </a:bodyPr>
+          <a:lstStyle/>
+          <a:p>
+            <a:pPr algn="ctr"/>
+            <a:endParaRPr lang="nb-NO" sz="1100"/>
+          </a:p>
+        </p:txBody>
+      </p:sp>
+      <p:sp>
+        <p:nvSpPr>
+          <p:cNvPr id="25" name="TekstSylinder 24"/>
+          <p:cNvSpPr txBox="1"/>
+          <p:nvPr/>
+        </p:nvSpPr>
+        <p:spPr>
+          <a:xfrm>
+            <a:off x="2362821" y="51855"/>
+            <a:ext cx="502078" cy="430887"/>
+          </a:xfrm>
+          <a:prstGeom prst="rect">
+            <a:avLst/>
+          </a:prstGeom>
+          <a:noFill/>
+        </p:spPr>
+        <p:txBody>
+          <a:bodyPr wrap="square" rtlCol="0">
+            <a:spAutoFit/>
+          </a:bodyPr>
+          <a:lstStyle/>
+          <a:p>
+            <a:r>
+              <a:rPr lang="nb-NO" sz="1100" dirty="0" err="1"/>
+              <a:t>Root</a:t>
+            </a:r>
+            <a:r>
+              <a:rPr lang="nb-NO" sz="1100" dirty="0"/>
+              <a:t> </a:t>
+            </a:r>
+          </a:p>
+          <a:p>
+            <a:r>
+              <a:rPr lang="nb-NO" sz="1100" dirty="0"/>
+              <a:t>node</a:t>
+            </a:r>
+          </a:p>
+        </p:txBody>
+      </p:sp>
+      <p:sp>
+        <p:nvSpPr>
+          <p:cNvPr id="28" name="Rektangel: avrundede hjørner 27"/>
+          <p:cNvSpPr/>
+          <p:nvPr/>
+        </p:nvSpPr>
+        <p:spPr>
+          <a:xfrm rot="3812136">
+            <a:off x="1159467" y="1094179"/>
+            <a:ext cx="2548896" cy="339646"/>
+          </a:xfrm>
+          <a:prstGeom prst="roundRect">
+            <a:avLst/>
+          </a:prstGeom>
+          <a:noFill/>
+          <a:ln>
+            <a:solidFill>
+              <a:srgbClr val="FF0000"/>
+            </a:solidFill>
+          </a:ln>
+        </p:spPr>
+        <p:style>
+          <a:lnRef idx="2">
+            <a:schemeClr val="accent1">
+              <a:shade val="50000"/>
+            </a:schemeClr>
+          </a:lnRef>
+          <a:fillRef idx="1">
+            <a:schemeClr val="accent1"/>
+          </a:fillRef>
+          <a:effectRef idx="0">
+            <a:schemeClr val="accent1"/>
+          </a:effectRef>
+          <a:fontRef idx="minor">
+            <a:schemeClr val="lt1"/>
+          </a:fontRef>
+        </p:style>
+        <p:txBody>
+          <a:bodyPr rot="0" spcFirstLastPara="0" vertOverflow="overflow" horzOverflow="overflow" vert="horz" wrap="square" lIns="45706" tIns="22853" rIns="45706" bIns="22853" numCol="1" spcCol="0" rtlCol="0" fromWordArt="0" anchor="ctr" anchorCtr="0" forceAA="0" compatLnSpc="1">
+            <a:prstTxWarp prst="textNoShape">
+              <a:avLst/>
+            </a:prstTxWarp>
+            <a:noAutofit/>
+          </a:bodyPr>
+          <a:lstStyle/>
+          <a:p>
+            <a:pPr algn="ctr"/>
+            <a:endParaRPr lang="nb-NO" sz="1100"/>
+          </a:p>
+        </p:txBody>
+      </p:sp>
+      <p:sp>
+        <p:nvSpPr>
+          <p:cNvPr id="29" name="TekstSylinder 28"/>
+          <p:cNvSpPr txBox="1"/>
+          <p:nvPr/>
+        </p:nvSpPr>
+        <p:spPr>
+          <a:xfrm rot="3780266">
+            <a:off x="2067505" y="1035149"/>
+            <a:ext cx="1253041" cy="261610"/>
+          </a:xfrm>
+          <a:prstGeom prst="rect">
+            <a:avLst/>
+          </a:prstGeom>
+          <a:noFill/>
+        </p:spPr>
+        <p:txBody>
+          <a:bodyPr wrap="square" rtlCol="0">
+            <a:spAutoFit/>
+          </a:bodyPr>
+          <a:lstStyle/>
+          <a:p>
+            <a:r>
+              <a:rPr lang="nb-NO" sz="1100" dirty="0" err="1"/>
+              <a:t>Track</a:t>
+            </a:r>
+            <a:r>
+              <a:rPr lang="nb-NO" sz="1100" dirty="0"/>
+              <a:t> </a:t>
+            </a:r>
+            <a:r>
+              <a:rPr lang="nb-NO" sz="1100" dirty="0" err="1"/>
+              <a:t>hypothesis</a:t>
+            </a:r>
+            <a:endParaRPr lang="nb-NO" sz="1100" dirty="0"/>
+          </a:p>
+        </p:txBody>
+      </p:sp>
     </p:spTree>
     <p:extLst>
       <p:ext uri="{BB962C8B-B14F-4D97-AF65-F5344CB8AC3E}">

--- a/Figures/Track-tree.pptx
+++ b/Figures/Track-tree.pptx
@@ -2,12 +2,12 @@
 <file path=ppt/presentation.xml><?xml version="1.0" encoding="utf-8"?>
 <p:presentation xmlns:a="http://schemas.openxmlformats.org/drawingml/2006/main" xmlns:r="http://schemas.openxmlformats.org/officeDocument/2006/relationships" xmlns:p="http://schemas.openxmlformats.org/presentationml/2006/main" saveSubsetFonts="1">
   <p:sldMasterIdLst>
-    <p:sldMasterId id="2147483720" r:id="rId1"/>
+    <p:sldMasterId id="2147483732" r:id="rId1"/>
   </p:sldMasterIdLst>
   <p:sldIdLst>
     <p:sldId id="256" r:id="rId2"/>
   </p:sldIdLst>
-  <p:sldSz cx="4319588" cy="2519363"/>
+  <p:sldSz cx="4319588" cy="2879725"/>
   <p:notesSz cx="6858000" cy="9144000"/>
   <p:defaultTextStyle>
     <a:defPPr>
@@ -145,15 +145,15 @@
         </p:nvSpPr>
         <p:spPr>
           <a:xfrm>
-            <a:off x="539949" y="412312"/>
-            <a:ext cx="3239691" cy="877112"/>
+            <a:off x="323969" y="471289"/>
+            <a:ext cx="3671650" cy="1002571"/>
           </a:xfrm>
         </p:spPr>
         <p:txBody>
           <a:bodyPr anchor="b"/>
           <a:lstStyle>
             <a:lvl1pPr algn="ctr">
-              <a:defRPr sz="2126"/>
+              <a:defRPr sz="2519"/>
             </a:lvl1pPr>
           </a:lstStyle>
           <a:p>
@@ -177,8 +177,8 @@
         </p:nvSpPr>
         <p:spPr>
           <a:xfrm>
-            <a:off x="539949" y="1323249"/>
-            <a:ext cx="3239691" cy="608263"/>
+            <a:off x="539949" y="1512522"/>
+            <a:ext cx="3239691" cy="695267"/>
           </a:xfrm>
         </p:spPr>
         <p:txBody>
@@ -186,39 +186,39 @@
           <a:lstStyle>
             <a:lvl1pPr marL="0" indent="0" algn="ctr">
               <a:buNone/>
-              <a:defRPr sz="850"/>
+              <a:defRPr sz="1008"/>
             </a:lvl1pPr>
-            <a:lvl2pPr marL="161986" indent="0" algn="ctr">
-              <a:buNone/>
-              <a:defRPr sz="709"/>
+            <a:lvl2pPr marL="191978" indent="0" algn="ctr">
+              <a:buNone/>
+              <a:defRPr sz="840"/>
             </a:lvl2pPr>
-            <a:lvl3pPr marL="323972" indent="0" algn="ctr">
-              <a:buNone/>
-              <a:defRPr sz="638"/>
+            <a:lvl3pPr marL="383957" indent="0" algn="ctr">
+              <a:buNone/>
+              <a:defRPr sz="756"/>
             </a:lvl3pPr>
-            <a:lvl4pPr marL="485958" indent="0" algn="ctr">
-              <a:buNone/>
-              <a:defRPr sz="567"/>
+            <a:lvl4pPr marL="575935" indent="0" algn="ctr">
+              <a:buNone/>
+              <a:defRPr sz="672"/>
             </a:lvl4pPr>
-            <a:lvl5pPr marL="647944" indent="0" algn="ctr">
-              <a:buNone/>
-              <a:defRPr sz="567"/>
+            <a:lvl5pPr marL="767913" indent="0" algn="ctr">
+              <a:buNone/>
+              <a:defRPr sz="672"/>
             </a:lvl5pPr>
-            <a:lvl6pPr marL="809930" indent="0" algn="ctr">
-              <a:buNone/>
-              <a:defRPr sz="567"/>
+            <a:lvl6pPr marL="959891" indent="0" algn="ctr">
+              <a:buNone/>
+              <a:defRPr sz="672"/>
             </a:lvl6pPr>
-            <a:lvl7pPr marL="971916" indent="0" algn="ctr">
-              <a:buNone/>
-              <a:defRPr sz="567"/>
+            <a:lvl7pPr marL="1151870" indent="0" algn="ctr">
+              <a:buNone/>
+              <a:defRPr sz="672"/>
             </a:lvl7pPr>
-            <a:lvl8pPr marL="1133902" indent="0" algn="ctr">
-              <a:buNone/>
-              <a:defRPr sz="567"/>
+            <a:lvl8pPr marL="1343848" indent="0" algn="ctr">
+              <a:buNone/>
+              <a:defRPr sz="672"/>
             </a:lvl8pPr>
-            <a:lvl9pPr marL="1295888" indent="0" algn="ctr">
-              <a:buNone/>
-              <a:defRPr sz="567"/>
+            <a:lvl9pPr marL="1535826" indent="0" algn="ctr">
+              <a:buNone/>
+              <a:defRPr sz="672"/>
             </a:lvl9pPr>
           </a:lstStyle>
           <a:p>
@@ -247,7 +247,7 @@
           <a:p>
             <a:fld id="{DB66AA82-ED40-495D-B06B-56AC191DBDA2}" type="datetimeFigureOut">
               <a:rPr lang="nb-NO" smtClean="0"/>
-              <a:t>18.05.2017</a:t>
+              <a:t>31.05.2017</a:t>
             </a:fld>
             <a:endParaRPr lang="nb-NO"/>
           </a:p>
@@ -298,7 +298,7 @@
     </p:spTree>
     <p:extLst>
       <p:ext uri="{BB962C8B-B14F-4D97-AF65-F5344CB8AC3E}">
-        <p14:creationId xmlns:p14="http://schemas.microsoft.com/office/powerpoint/2010/main" val="2009016140"/>
+        <p14:creationId xmlns:p14="http://schemas.microsoft.com/office/powerpoint/2010/main" val="3820983936"/>
       </p:ext>
     </p:extLst>
   </p:cSld>
@@ -417,7 +417,7 @@
           <a:p>
             <a:fld id="{DB66AA82-ED40-495D-B06B-56AC191DBDA2}" type="datetimeFigureOut">
               <a:rPr lang="nb-NO" smtClean="0"/>
-              <a:t>18.05.2017</a:t>
+              <a:t>31.05.2017</a:t>
             </a:fld>
             <a:endParaRPr lang="nb-NO"/>
           </a:p>
@@ -468,7 +468,7 @@
     </p:spTree>
     <p:extLst>
       <p:ext uri="{BB962C8B-B14F-4D97-AF65-F5344CB8AC3E}">
-        <p14:creationId xmlns:p14="http://schemas.microsoft.com/office/powerpoint/2010/main" val="625662985"/>
+        <p14:creationId xmlns:p14="http://schemas.microsoft.com/office/powerpoint/2010/main" val="3924376763"/>
       </p:ext>
     </p:extLst>
   </p:cSld>
@@ -507,8 +507,8 @@
         </p:nvSpPr>
         <p:spPr>
           <a:xfrm>
-            <a:off x="3091205" y="134133"/>
-            <a:ext cx="931411" cy="2135044"/>
+            <a:off x="3091205" y="153319"/>
+            <a:ext cx="931411" cy="2440434"/>
           </a:xfrm>
         </p:spPr>
         <p:txBody>
@@ -535,8 +535,8 @@
         </p:nvSpPr>
         <p:spPr>
           <a:xfrm>
-            <a:off x="296971" y="134133"/>
-            <a:ext cx="2740239" cy="2135044"/>
+            <a:off x="296972" y="153319"/>
+            <a:ext cx="2740239" cy="2440434"/>
           </a:xfrm>
         </p:spPr>
         <p:txBody>
@@ -597,7 +597,7 @@
           <a:p>
             <a:fld id="{DB66AA82-ED40-495D-B06B-56AC191DBDA2}" type="datetimeFigureOut">
               <a:rPr lang="nb-NO" smtClean="0"/>
-              <a:t>18.05.2017</a:t>
+              <a:t>31.05.2017</a:t>
             </a:fld>
             <a:endParaRPr lang="nb-NO"/>
           </a:p>
@@ -648,7 +648,7 @@
     </p:spTree>
     <p:extLst>
       <p:ext uri="{BB962C8B-B14F-4D97-AF65-F5344CB8AC3E}">
-        <p14:creationId xmlns:p14="http://schemas.microsoft.com/office/powerpoint/2010/main" val="2256788091"/>
+        <p14:creationId xmlns:p14="http://schemas.microsoft.com/office/powerpoint/2010/main" val="2044800918"/>
       </p:ext>
     </p:extLst>
   </p:cSld>
@@ -767,7 +767,7 @@
           <a:p>
             <a:fld id="{DB66AA82-ED40-495D-B06B-56AC191DBDA2}" type="datetimeFigureOut">
               <a:rPr lang="nb-NO" smtClean="0"/>
-              <a:t>18.05.2017</a:t>
+              <a:t>31.05.2017</a:t>
             </a:fld>
             <a:endParaRPr lang="nb-NO"/>
           </a:p>
@@ -818,7 +818,7 @@
     </p:spTree>
     <p:extLst>
       <p:ext uri="{BB962C8B-B14F-4D97-AF65-F5344CB8AC3E}">
-        <p14:creationId xmlns:p14="http://schemas.microsoft.com/office/powerpoint/2010/main" val="3653589626"/>
+        <p14:creationId xmlns:p14="http://schemas.microsoft.com/office/powerpoint/2010/main" val="2385553517"/>
       </p:ext>
     </p:extLst>
   </p:cSld>
@@ -857,15 +857,15 @@
         </p:nvSpPr>
         <p:spPr>
           <a:xfrm>
-            <a:off x="294722" y="628091"/>
-            <a:ext cx="3725645" cy="1047985"/>
+            <a:off x="294722" y="717932"/>
+            <a:ext cx="3725645" cy="1197885"/>
           </a:xfrm>
         </p:spPr>
         <p:txBody>
           <a:bodyPr anchor="b"/>
           <a:lstStyle>
             <a:lvl1pPr>
-              <a:defRPr sz="2126"/>
+              <a:defRPr sz="2519"/>
             </a:lvl1pPr>
           </a:lstStyle>
           <a:p>
@@ -889,8 +889,8 @@
         </p:nvSpPr>
         <p:spPr>
           <a:xfrm>
-            <a:off x="294722" y="1685991"/>
-            <a:ext cx="3725645" cy="551110"/>
+            <a:off x="294722" y="1927150"/>
+            <a:ext cx="3725645" cy="629940"/>
           </a:xfrm>
         </p:spPr>
         <p:txBody>
@@ -898,17 +898,15 @@
           <a:lstStyle>
             <a:lvl1pPr marL="0" indent="0">
               <a:buNone/>
-              <a:defRPr sz="850">
+              <a:defRPr sz="1008">
                 <a:solidFill>
-                  <a:schemeClr val="tx1">
-                    <a:tint val="75000"/>
-                  </a:schemeClr>
+                  <a:schemeClr val="tx1"/>
                 </a:solidFill>
               </a:defRPr>
             </a:lvl1pPr>
-            <a:lvl2pPr marL="161986" indent="0">
-              <a:buNone/>
-              <a:defRPr sz="709">
+            <a:lvl2pPr marL="191978" indent="0">
+              <a:buNone/>
+              <a:defRPr sz="840">
                 <a:solidFill>
                   <a:schemeClr val="tx1">
                     <a:tint val="75000"/>
@@ -916,9 +914,9 @@
                 </a:solidFill>
               </a:defRPr>
             </a:lvl2pPr>
-            <a:lvl3pPr marL="323972" indent="0">
-              <a:buNone/>
-              <a:defRPr sz="638">
+            <a:lvl3pPr marL="383957" indent="0">
+              <a:buNone/>
+              <a:defRPr sz="756">
                 <a:solidFill>
                   <a:schemeClr val="tx1">
                     <a:tint val="75000"/>
@@ -926,9 +924,9 @@
                 </a:solidFill>
               </a:defRPr>
             </a:lvl3pPr>
-            <a:lvl4pPr marL="485958" indent="0">
-              <a:buNone/>
-              <a:defRPr sz="567">
+            <a:lvl4pPr marL="575935" indent="0">
+              <a:buNone/>
+              <a:defRPr sz="672">
                 <a:solidFill>
                   <a:schemeClr val="tx1">
                     <a:tint val="75000"/>
@@ -936,9 +934,9 @@
                 </a:solidFill>
               </a:defRPr>
             </a:lvl4pPr>
-            <a:lvl5pPr marL="647944" indent="0">
-              <a:buNone/>
-              <a:defRPr sz="567">
+            <a:lvl5pPr marL="767913" indent="0">
+              <a:buNone/>
+              <a:defRPr sz="672">
                 <a:solidFill>
                   <a:schemeClr val="tx1">
                     <a:tint val="75000"/>
@@ -946,9 +944,9 @@
                 </a:solidFill>
               </a:defRPr>
             </a:lvl5pPr>
-            <a:lvl6pPr marL="809930" indent="0">
-              <a:buNone/>
-              <a:defRPr sz="567">
+            <a:lvl6pPr marL="959891" indent="0">
+              <a:buNone/>
+              <a:defRPr sz="672">
                 <a:solidFill>
                   <a:schemeClr val="tx1">
                     <a:tint val="75000"/>
@@ -956,9 +954,9 @@
                 </a:solidFill>
               </a:defRPr>
             </a:lvl6pPr>
-            <a:lvl7pPr marL="971916" indent="0">
-              <a:buNone/>
-              <a:defRPr sz="567">
+            <a:lvl7pPr marL="1151870" indent="0">
+              <a:buNone/>
+              <a:defRPr sz="672">
                 <a:solidFill>
                   <a:schemeClr val="tx1">
                     <a:tint val="75000"/>
@@ -966,9 +964,9 @@
                 </a:solidFill>
               </a:defRPr>
             </a:lvl7pPr>
-            <a:lvl8pPr marL="1133902" indent="0">
-              <a:buNone/>
-              <a:defRPr sz="567">
+            <a:lvl8pPr marL="1343848" indent="0">
+              <a:buNone/>
+              <a:defRPr sz="672">
                 <a:solidFill>
                   <a:schemeClr val="tx1">
                     <a:tint val="75000"/>
@@ -976,9 +974,9 @@
                 </a:solidFill>
               </a:defRPr>
             </a:lvl8pPr>
-            <a:lvl9pPr marL="1295888" indent="0">
-              <a:buNone/>
-              <a:defRPr sz="567">
+            <a:lvl9pPr marL="1535826" indent="0">
+              <a:buNone/>
+              <a:defRPr sz="672">
                 <a:solidFill>
                   <a:schemeClr val="tx1">
                     <a:tint val="75000"/>
@@ -1013,7 +1011,7 @@
           <a:p>
             <a:fld id="{DB66AA82-ED40-495D-B06B-56AC191DBDA2}" type="datetimeFigureOut">
               <a:rPr lang="nb-NO" smtClean="0"/>
-              <a:t>18.05.2017</a:t>
+              <a:t>31.05.2017</a:t>
             </a:fld>
             <a:endParaRPr lang="nb-NO"/>
           </a:p>
@@ -1064,7 +1062,7 @@
     </p:spTree>
     <p:extLst>
       <p:ext uri="{BB962C8B-B14F-4D97-AF65-F5344CB8AC3E}">
-        <p14:creationId xmlns:p14="http://schemas.microsoft.com/office/powerpoint/2010/main" val="4268675859"/>
+        <p14:creationId xmlns:p14="http://schemas.microsoft.com/office/powerpoint/2010/main" val="838482549"/>
       </p:ext>
     </p:extLst>
   </p:cSld>
@@ -1126,8 +1124,8 @@
         </p:nvSpPr>
         <p:spPr>
           <a:xfrm>
-            <a:off x="296972" y="670664"/>
-            <a:ext cx="1835825" cy="1598513"/>
+            <a:off x="296972" y="766593"/>
+            <a:ext cx="1835825" cy="1827159"/>
           </a:xfrm>
         </p:spPr>
         <p:txBody>
@@ -1183,8 +1181,8 @@
         </p:nvSpPr>
         <p:spPr>
           <a:xfrm>
-            <a:off x="2186791" y="670664"/>
-            <a:ext cx="1835825" cy="1598513"/>
+            <a:off x="2186791" y="766593"/>
+            <a:ext cx="1835825" cy="1827159"/>
           </a:xfrm>
         </p:spPr>
         <p:txBody>
@@ -1245,7 +1243,7 @@
           <a:p>
             <a:fld id="{DB66AA82-ED40-495D-B06B-56AC191DBDA2}" type="datetimeFigureOut">
               <a:rPr lang="nb-NO" smtClean="0"/>
-              <a:t>18.05.2017</a:t>
+              <a:t>31.05.2017</a:t>
             </a:fld>
             <a:endParaRPr lang="nb-NO"/>
           </a:p>
@@ -1296,7 +1294,7 @@
     </p:spTree>
     <p:extLst>
       <p:ext uri="{BB962C8B-B14F-4D97-AF65-F5344CB8AC3E}">
-        <p14:creationId xmlns:p14="http://schemas.microsoft.com/office/powerpoint/2010/main" val="3825712202"/>
+        <p14:creationId xmlns:p14="http://schemas.microsoft.com/office/powerpoint/2010/main" val="701427855"/>
       </p:ext>
     </p:extLst>
   </p:cSld>
@@ -1335,8 +1333,8 @@
         </p:nvSpPr>
         <p:spPr>
           <a:xfrm>
-            <a:off x="297534" y="134133"/>
-            <a:ext cx="3725645" cy="486960"/>
+            <a:off x="297534" y="153319"/>
+            <a:ext cx="3725645" cy="556614"/>
           </a:xfrm>
         </p:spPr>
         <p:txBody>
@@ -1363,8 +1361,8 @@
         </p:nvSpPr>
         <p:spPr>
           <a:xfrm>
-            <a:off x="297534" y="617594"/>
-            <a:ext cx="1827388" cy="302673"/>
+            <a:off x="297535" y="705933"/>
+            <a:ext cx="1827388" cy="345967"/>
           </a:xfrm>
         </p:spPr>
         <p:txBody>
@@ -1372,39 +1370,39 @@
           <a:lstStyle>
             <a:lvl1pPr marL="0" indent="0">
               <a:buNone/>
-              <a:defRPr sz="850" b="1"/>
+              <a:defRPr sz="1008" b="1"/>
             </a:lvl1pPr>
-            <a:lvl2pPr marL="161986" indent="0">
-              <a:buNone/>
-              <a:defRPr sz="709" b="1"/>
+            <a:lvl2pPr marL="191978" indent="0">
+              <a:buNone/>
+              <a:defRPr sz="840" b="1"/>
             </a:lvl2pPr>
-            <a:lvl3pPr marL="323972" indent="0">
-              <a:buNone/>
-              <a:defRPr sz="638" b="1"/>
+            <a:lvl3pPr marL="383957" indent="0">
+              <a:buNone/>
+              <a:defRPr sz="756" b="1"/>
             </a:lvl3pPr>
-            <a:lvl4pPr marL="485958" indent="0">
-              <a:buNone/>
-              <a:defRPr sz="567" b="1"/>
+            <a:lvl4pPr marL="575935" indent="0">
+              <a:buNone/>
+              <a:defRPr sz="672" b="1"/>
             </a:lvl4pPr>
-            <a:lvl5pPr marL="647944" indent="0">
-              <a:buNone/>
-              <a:defRPr sz="567" b="1"/>
+            <a:lvl5pPr marL="767913" indent="0">
+              <a:buNone/>
+              <a:defRPr sz="672" b="1"/>
             </a:lvl5pPr>
-            <a:lvl6pPr marL="809930" indent="0">
-              <a:buNone/>
-              <a:defRPr sz="567" b="1"/>
+            <a:lvl6pPr marL="959891" indent="0">
+              <a:buNone/>
+              <a:defRPr sz="672" b="1"/>
             </a:lvl6pPr>
-            <a:lvl7pPr marL="971916" indent="0">
-              <a:buNone/>
-              <a:defRPr sz="567" b="1"/>
+            <a:lvl7pPr marL="1151870" indent="0">
+              <a:buNone/>
+              <a:defRPr sz="672" b="1"/>
             </a:lvl7pPr>
-            <a:lvl8pPr marL="1133902" indent="0">
-              <a:buNone/>
-              <a:defRPr sz="567" b="1"/>
+            <a:lvl8pPr marL="1343848" indent="0">
+              <a:buNone/>
+              <a:defRPr sz="672" b="1"/>
             </a:lvl8pPr>
-            <a:lvl9pPr marL="1295888" indent="0">
-              <a:buNone/>
-              <a:defRPr sz="567" b="1"/>
+            <a:lvl9pPr marL="1535826" indent="0">
+              <a:buNone/>
+              <a:defRPr sz="672" b="1"/>
             </a:lvl9pPr>
           </a:lstStyle>
           <a:p>
@@ -1428,8 +1426,8 @@
         </p:nvSpPr>
         <p:spPr>
           <a:xfrm>
-            <a:off x="297534" y="920267"/>
-            <a:ext cx="1827388" cy="1353575"/>
+            <a:off x="297535" y="1051899"/>
+            <a:ext cx="1827388" cy="1547186"/>
           </a:xfrm>
         </p:spPr>
         <p:txBody>
@@ -1485,8 +1483,8 @@
         </p:nvSpPr>
         <p:spPr>
           <a:xfrm>
-            <a:off x="2186791" y="617594"/>
-            <a:ext cx="1836388" cy="302673"/>
+            <a:off x="2186791" y="705933"/>
+            <a:ext cx="1836388" cy="345967"/>
           </a:xfrm>
         </p:spPr>
         <p:txBody>
@@ -1494,39 +1492,39 @@
           <a:lstStyle>
             <a:lvl1pPr marL="0" indent="0">
               <a:buNone/>
-              <a:defRPr sz="850" b="1"/>
+              <a:defRPr sz="1008" b="1"/>
             </a:lvl1pPr>
-            <a:lvl2pPr marL="161986" indent="0">
-              <a:buNone/>
-              <a:defRPr sz="709" b="1"/>
+            <a:lvl2pPr marL="191978" indent="0">
+              <a:buNone/>
+              <a:defRPr sz="840" b="1"/>
             </a:lvl2pPr>
-            <a:lvl3pPr marL="323972" indent="0">
-              <a:buNone/>
-              <a:defRPr sz="638" b="1"/>
+            <a:lvl3pPr marL="383957" indent="0">
+              <a:buNone/>
+              <a:defRPr sz="756" b="1"/>
             </a:lvl3pPr>
-            <a:lvl4pPr marL="485958" indent="0">
-              <a:buNone/>
-              <a:defRPr sz="567" b="1"/>
+            <a:lvl4pPr marL="575935" indent="0">
+              <a:buNone/>
+              <a:defRPr sz="672" b="1"/>
             </a:lvl4pPr>
-            <a:lvl5pPr marL="647944" indent="0">
-              <a:buNone/>
-              <a:defRPr sz="567" b="1"/>
+            <a:lvl5pPr marL="767913" indent="0">
+              <a:buNone/>
+              <a:defRPr sz="672" b="1"/>
             </a:lvl5pPr>
-            <a:lvl6pPr marL="809930" indent="0">
-              <a:buNone/>
-              <a:defRPr sz="567" b="1"/>
+            <a:lvl6pPr marL="959891" indent="0">
+              <a:buNone/>
+              <a:defRPr sz="672" b="1"/>
             </a:lvl6pPr>
-            <a:lvl7pPr marL="971916" indent="0">
-              <a:buNone/>
-              <a:defRPr sz="567" b="1"/>
+            <a:lvl7pPr marL="1151870" indent="0">
+              <a:buNone/>
+              <a:defRPr sz="672" b="1"/>
             </a:lvl7pPr>
-            <a:lvl8pPr marL="1133902" indent="0">
-              <a:buNone/>
-              <a:defRPr sz="567" b="1"/>
+            <a:lvl8pPr marL="1343848" indent="0">
+              <a:buNone/>
+              <a:defRPr sz="672" b="1"/>
             </a:lvl8pPr>
-            <a:lvl9pPr marL="1295888" indent="0">
-              <a:buNone/>
-              <a:defRPr sz="567" b="1"/>
+            <a:lvl9pPr marL="1535826" indent="0">
+              <a:buNone/>
+              <a:defRPr sz="672" b="1"/>
             </a:lvl9pPr>
           </a:lstStyle>
           <a:p>
@@ -1550,8 +1548,8 @@
         </p:nvSpPr>
         <p:spPr>
           <a:xfrm>
-            <a:off x="2186791" y="920267"/>
-            <a:ext cx="1836388" cy="1353575"/>
+            <a:off x="2186791" y="1051899"/>
+            <a:ext cx="1836388" cy="1547186"/>
           </a:xfrm>
         </p:spPr>
         <p:txBody>
@@ -1612,7 +1610,7 @@
           <a:p>
             <a:fld id="{DB66AA82-ED40-495D-B06B-56AC191DBDA2}" type="datetimeFigureOut">
               <a:rPr lang="nb-NO" smtClean="0"/>
-              <a:t>18.05.2017</a:t>
+              <a:t>31.05.2017</a:t>
             </a:fld>
             <a:endParaRPr lang="nb-NO"/>
           </a:p>
@@ -1663,7 +1661,7 @@
     </p:spTree>
     <p:extLst>
       <p:ext uri="{BB962C8B-B14F-4D97-AF65-F5344CB8AC3E}">
-        <p14:creationId xmlns:p14="http://schemas.microsoft.com/office/powerpoint/2010/main" val="1097411338"/>
+        <p14:creationId xmlns:p14="http://schemas.microsoft.com/office/powerpoint/2010/main" val="1380262481"/>
       </p:ext>
     </p:extLst>
   </p:cSld>
@@ -1730,7 +1728,7 @@
           <a:p>
             <a:fld id="{DB66AA82-ED40-495D-B06B-56AC191DBDA2}" type="datetimeFigureOut">
               <a:rPr lang="nb-NO" smtClean="0"/>
-              <a:t>18.05.2017</a:t>
+              <a:t>31.05.2017</a:t>
             </a:fld>
             <a:endParaRPr lang="nb-NO"/>
           </a:p>
@@ -1781,7 +1779,7 @@
     </p:spTree>
     <p:extLst>
       <p:ext uri="{BB962C8B-B14F-4D97-AF65-F5344CB8AC3E}">
-        <p14:creationId xmlns:p14="http://schemas.microsoft.com/office/powerpoint/2010/main" val="1322158548"/>
+        <p14:creationId xmlns:p14="http://schemas.microsoft.com/office/powerpoint/2010/main" val="3353009459"/>
       </p:ext>
     </p:extLst>
   </p:cSld>
@@ -1825,7 +1823,7 @@
           <a:p>
             <a:fld id="{DB66AA82-ED40-495D-B06B-56AC191DBDA2}" type="datetimeFigureOut">
               <a:rPr lang="nb-NO" smtClean="0"/>
-              <a:t>18.05.2017</a:t>
+              <a:t>31.05.2017</a:t>
             </a:fld>
             <a:endParaRPr lang="nb-NO"/>
           </a:p>
@@ -1876,7 +1874,7 @@
     </p:spTree>
     <p:extLst>
       <p:ext uri="{BB962C8B-B14F-4D97-AF65-F5344CB8AC3E}">
-        <p14:creationId xmlns:p14="http://schemas.microsoft.com/office/powerpoint/2010/main" val="3779079519"/>
+        <p14:creationId xmlns:p14="http://schemas.microsoft.com/office/powerpoint/2010/main" val="3022390866"/>
       </p:ext>
     </p:extLst>
   </p:cSld>
@@ -1915,15 +1913,15 @@
         </p:nvSpPr>
         <p:spPr>
           <a:xfrm>
-            <a:off x="297535" y="167958"/>
-            <a:ext cx="1393179" cy="587851"/>
+            <a:off x="297534" y="191982"/>
+            <a:ext cx="1393180" cy="671936"/>
           </a:xfrm>
         </p:spPr>
         <p:txBody>
           <a:bodyPr anchor="b"/>
           <a:lstStyle>
             <a:lvl1pPr>
-              <a:defRPr sz="1134"/>
+              <a:defRPr sz="1344"/>
             </a:lvl1pPr>
           </a:lstStyle>
           <a:p>
@@ -1947,39 +1945,39 @@
         </p:nvSpPr>
         <p:spPr>
           <a:xfrm>
-            <a:off x="1836388" y="362742"/>
-            <a:ext cx="2186791" cy="1790381"/>
+            <a:off x="1836388" y="414628"/>
+            <a:ext cx="2186791" cy="2046471"/>
           </a:xfrm>
         </p:spPr>
         <p:txBody>
           <a:bodyPr/>
           <a:lstStyle>
             <a:lvl1pPr>
-              <a:defRPr sz="1134"/>
+              <a:defRPr sz="1344"/>
             </a:lvl1pPr>
             <a:lvl2pPr>
-              <a:defRPr sz="992"/>
+              <a:defRPr sz="1176"/>
             </a:lvl2pPr>
             <a:lvl3pPr>
-              <a:defRPr sz="850"/>
+              <a:defRPr sz="1008"/>
             </a:lvl3pPr>
             <a:lvl4pPr>
-              <a:defRPr sz="709"/>
+              <a:defRPr sz="840"/>
             </a:lvl4pPr>
             <a:lvl5pPr>
-              <a:defRPr sz="709"/>
+              <a:defRPr sz="840"/>
             </a:lvl5pPr>
             <a:lvl6pPr>
-              <a:defRPr sz="709"/>
+              <a:defRPr sz="840"/>
             </a:lvl6pPr>
             <a:lvl7pPr>
-              <a:defRPr sz="709"/>
+              <a:defRPr sz="840"/>
             </a:lvl7pPr>
             <a:lvl8pPr>
-              <a:defRPr sz="709"/>
+              <a:defRPr sz="840"/>
             </a:lvl8pPr>
             <a:lvl9pPr>
-              <a:defRPr sz="709"/>
+              <a:defRPr sz="840"/>
             </a:lvl9pPr>
           </a:lstStyle>
           <a:p>
@@ -2032,8 +2030,8 @@
         </p:nvSpPr>
         <p:spPr>
           <a:xfrm>
-            <a:off x="297535" y="755809"/>
-            <a:ext cx="1393179" cy="1400229"/>
+            <a:off x="297534" y="863918"/>
+            <a:ext cx="1393180" cy="1600514"/>
           </a:xfrm>
         </p:spPr>
         <p:txBody>
@@ -2041,39 +2039,39 @@
           <a:lstStyle>
             <a:lvl1pPr marL="0" indent="0">
               <a:buNone/>
-              <a:defRPr sz="567"/>
+              <a:defRPr sz="672"/>
             </a:lvl1pPr>
-            <a:lvl2pPr marL="161986" indent="0">
-              <a:buNone/>
-              <a:defRPr sz="496"/>
+            <a:lvl2pPr marL="191978" indent="0">
+              <a:buNone/>
+              <a:defRPr sz="588"/>
             </a:lvl2pPr>
-            <a:lvl3pPr marL="323972" indent="0">
-              <a:buNone/>
-              <a:defRPr sz="425"/>
+            <a:lvl3pPr marL="383957" indent="0">
+              <a:buNone/>
+              <a:defRPr sz="504"/>
             </a:lvl3pPr>
-            <a:lvl4pPr marL="485958" indent="0">
-              <a:buNone/>
-              <a:defRPr sz="354"/>
+            <a:lvl4pPr marL="575935" indent="0">
+              <a:buNone/>
+              <a:defRPr sz="420"/>
             </a:lvl4pPr>
-            <a:lvl5pPr marL="647944" indent="0">
-              <a:buNone/>
-              <a:defRPr sz="354"/>
+            <a:lvl5pPr marL="767913" indent="0">
+              <a:buNone/>
+              <a:defRPr sz="420"/>
             </a:lvl5pPr>
-            <a:lvl6pPr marL="809930" indent="0">
-              <a:buNone/>
-              <a:defRPr sz="354"/>
+            <a:lvl6pPr marL="959891" indent="0">
+              <a:buNone/>
+              <a:defRPr sz="420"/>
             </a:lvl6pPr>
-            <a:lvl7pPr marL="971916" indent="0">
-              <a:buNone/>
-              <a:defRPr sz="354"/>
+            <a:lvl7pPr marL="1151870" indent="0">
+              <a:buNone/>
+              <a:defRPr sz="420"/>
             </a:lvl7pPr>
-            <a:lvl8pPr marL="1133902" indent="0">
-              <a:buNone/>
-              <a:defRPr sz="354"/>
+            <a:lvl8pPr marL="1343848" indent="0">
+              <a:buNone/>
+              <a:defRPr sz="420"/>
             </a:lvl8pPr>
-            <a:lvl9pPr marL="1295888" indent="0">
-              <a:buNone/>
-              <a:defRPr sz="354"/>
+            <a:lvl9pPr marL="1535826" indent="0">
+              <a:buNone/>
+              <a:defRPr sz="420"/>
             </a:lvl9pPr>
           </a:lstStyle>
           <a:p>
@@ -2102,7 +2100,7 @@
           <a:p>
             <a:fld id="{DB66AA82-ED40-495D-B06B-56AC191DBDA2}" type="datetimeFigureOut">
               <a:rPr lang="nb-NO" smtClean="0"/>
-              <a:t>18.05.2017</a:t>
+              <a:t>31.05.2017</a:t>
             </a:fld>
             <a:endParaRPr lang="nb-NO"/>
           </a:p>
@@ -2153,7 +2151,7 @@
     </p:spTree>
     <p:extLst>
       <p:ext uri="{BB962C8B-B14F-4D97-AF65-F5344CB8AC3E}">
-        <p14:creationId xmlns:p14="http://schemas.microsoft.com/office/powerpoint/2010/main" val="2306380781"/>
+        <p14:creationId xmlns:p14="http://schemas.microsoft.com/office/powerpoint/2010/main" val="1674747381"/>
       </p:ext>
     </p:extLst>
   </p:cSld>
@@ -2192,15 +2190,15 @@
         </p:nvSpPr>
         <p:spPr>
           <a:xfrm>
-            <a:off x="297535" y="167958"/>
-            <a:ext cx="1393179" cy="587851"/>
+            <a:off x="297534" y="191982"/>
+            <a:ext cx="1393180" cy="671936"/>
           </a:xfrm>
         </p:spPr>
         <p:txBody>
           <a:bodyPr anchor="b"/>
           <a:lstStyle>
             <a:lvl1pPr>
-              <a:defRPr sz="1134"/>
+              <a:defRPr sz="1344"/>
             </a:lvl1pPr>
           </a:lstStyle>
           <a:p>
@@ -2224,8 +2222,8 @@
         </p:nvSpPr>
         <p:spPr>
           <a:xfrm>
-            <a:off x="1836388" y="362742"/>
-            <a:ext cx="2186791" cy="1790381"/>
+            <a:off x="1836388" y="414628"/>
+            <a:ext cx="2186791" cy="2046471"/>
           </a:xfrm>
         </p:spPr>
         <p:txBody>
@@ -2233,39 +2231,39 @@
           <a:lstStyle>
             <a:lvl1pPr marL="0" indent="0">
               <a:buNone/>
-              <a:defRPr sz="1134"/>
+              <a:defRPr sz="1344"/>
             </a:lvl1pPr>
-            <a:lvl2pPr marL="161986" indent="0">
-              <a:buNone/>
-              <a:defRPr sz="992"/>
+            <a:lvl2pPr marL="191978" indent="0">
+              <a:buNone/>
+              <a:defRPr sz="1176"/>
             </a:lvl2pPr>
-            <a:lvl3pPr marL="323972" indent="0">
-              <a:buNone/>
-              <a:defRPr sz="850"/>
+            <a:lvl3pPr marL="383957" indent="0">
+              <a:buNone/>
+              <a:defRPr sz="1008"/>
             </a:lvl3pPr>
-            <a:lvl4pPr marL="485958" indent="0">
-              <a:buNone/>
-              <a:defRPr sz="709"/>
+            <a:lvl4pPr marL="575935" indent="0">
+              <a:buNone/>
+              <a:defRPr sz="840"/>
             </a:lvl4pPr>
-            <a:lvl5pPr marL="647944" indent="0">
-              <a:buNone/>
-              <a:defRPr sz="709"/>
+            <a:lvl5pPr marL="767913" indent="0">
+              <a:buNone/>
+              <a:defRPr sz="840"/>
             </a:lvl5pPr>
-            <a:lvl6pPr marL="809930" indent="0">
-              <a:buNone/>
-              <a:defRPr sz="709"/>
+            <a:lvl6pPr marL="959891" indent="0">
+              <a:buNone/>
+              <a:defRPr sz="840"/>
             </a:lvl6pPr>
-            <a:lvl7pPr marL="971916" indent="0">
-              <a:buNone/>
-              <a:defRPr sz="709"/>
+            <a:lvl7pPr marL="1151870" indent="0">
+              <a:buNone/>
+              <a:defRPr sz="840"/>
             </a:lvl7pPr>
-            <a:lvl8pPr marL="1133902" indent="0">
-              <a:buNone/>
-              <a:defRPr sz="709"/>
+            <a:lvl8pPr marL="1343848" indent="0">
+              <a:buNone/>
+              <a:defRPr sz="840"/>
             </a:lvl8pPr>
-            <a:lvl9pPr marL="1295888" indent="0">
-              <a:buNone/>
-              <a:defRPr sz="709"/>
+            <a:lvl9pPr marL="1535826" indent="0">
+              <a:buNone/>
+              <a:defRPr sz="840"/>
             </a:lvl9pPr>
           </a:lstStyle>
           <a:p>
@@ -2289,8 +2287,8 @@
         </p:nvSpPr>
         <p:spPr>
           <a:xfrm>
-            <a:off x="297535" y="755809"/>
-            <a:ext cx="1393179" cy="1400229"/>
+            <a:off x="297534" y="863918"/>
+            <a:ext cx="1393180" cy="1600514"/>
           </a:xfrm>
         </p:spPr>
         <p:txBody>
@@ -2298,39 +2296,39 @@
           <a:lstStyle>
             <a:lvl1pPr marL="0" indent="0">
               <a:buNone/>
-              <a:defRPr sz="567"/>
+              <a:defRPr sz="672"/>
             </a:lvl1pPr>
-            <a:lvl2pPr marL="161986" indent="0">
-              <a:buNone/>
-              <a:defRPr sz="496"/>
+            <a:lvl2pPr marL="191978" indent="0">
+              <a:buNone/>
+              <a:defRPr sz="588"/>
             </a:lvl2pPr>
-            <a:lvl3pPr marL="323972" indent="0">
-              <a:buNone/>
-              <a:defRPr sz="425"/>
+            <a:lvl3pPr marL="383957" indent="0">
+              <a:buNone/>
+              <a:defRPr sz="504"/>
             </a:lvl3pPr>
-            <a:lvl4pPr marL="485958" indent="0">
-              <a:buNone/>
-              <a:defRPr sz="354"/>
+            <a:lvl4pPr marL="575935" indent="0">
+              <a:buNone/>
+              <a:defRPr sz="420"/>
             </a:lvl4pPr>
-            <a:lvl5pPr marL="647944" indent="0">
-              <a:buNone/>
-              <a:defRPr sz="354"/>
+            <a:lvl5pPr marL="767913" indent="0">
+              <a:buNone/>
+              <a:defRPr sz="420"/>
             </a:lvl5pPr>
-            <a:lvl6pPr marL="809930" indent="0">
-              <a:buNone/>
-              <a:defRPr sz="354"/>
+            <a:lvl6pPr marL="959891" indent="0">
+              <a:buNone/>
+              <a:defRPr sz="420"/>
             </a:lvl6pPr>
-            <a:lvl7pPr marL="971916" indent="0">
-              <a:buNone/>
-              <a:defRPr sz="354"/>
+            <a:lvl7pPr marL="1151870" indent="0">
+              <a:buNone/>
+              <a:defRPr sz="420"/>
             </a:lvl7pPr>
-            <a:lvl8pPr marL="1133902" indent="0">
-              <a:buNone/>
-              <a:defRPr sz="354"/>
+            <a:lvl8pPr marL="1343848" indent="0">
+              <a:buNone/>
+              <a:defRPr sz="420"/>
             </a:lvl8pPr>
-            <a:lvl9pPr marL="1295888" indent="0">
-              <a:buNone/>
-              <a:defRPr sz="354"/>
+            <a:lvl9pPr marL="1535826" indent="0">
+              <a:buNone/>
+              <a:defRPr sz="420"/>
             </a:lvl9pPr>
           </a:lstStyle>
           <a:p>
@@ -2359,7 +2357,7 @@
           <a:p>
             <a:fld id="{DB66AA82-ED40-495D-B06B-56AC191DBDA2}" type="datetimeFigureOut">
               <a:rPr lang="nb-NO" smtClean="0"/>
-              <a:t>18.05.2017</a:t>
+              <a:t>31.05.2017</a:t>
             </a:fld>
             <a:endParaRPr lang="nb-NO"/>
           </a:p>
@@ -2410,7 +2408,7 @@
     </p:spTree>
     <p:extLst>
       <p:ext uri="{BB962C8B-B14F-4D97-AF65-F5344CB8AC3E}">
-        <p14:creationId xmlns:p14="http://schemas.microsoft.com/office/powerpoint/2010/main" val="826691672"/>
+        <p14:creationId xmlns:p14="http://schemas.microsoft.com/office/powerpoint/2010/main" val="2895139927"/>
       </p:ext>
     </p:extLst>
   </p:cSld>
@@ -2454,8 +2452,8 @@
         </p:nvSpPr>
         <p:spPr>
           <a:xfrm>
-            <a:off x="296972" y="134133"/>
-            <a:ext cx="3725645" cy="486960"/>
+            <a:off x="296972" y="153319"/>
+            <a:ext cx="3725645" cy="556614"/>
           </a:xfrm>
           <a:prstGeom prst="rect">
             <a:avLst/>
@@ -2487,8 +2485,8 @@
         </p:nvSpPr>
         <p:spPr>
           <a:xfrm>
-            <a:off x="296972" y="670664"/>
-            <a:ext cx="3725645" cy="1598513"/>
+            <a:off x="296972" y="766593"/>
+            <a:ext cx="3725645" cy="1827159"/>
           </a:xfrm>
           <a:prstGeom prst="rect">
             <a:avLst/>
@@ -2549,8 +2547,8 @@
         </p:nvSpPr>
         <p:spPr>
           <a:xfrm>
-            <a:off x="296972" y="2335076"/>
-            <a:ext cx="971907" cy="134133"/>
+            <a:off x="296972" y="2669079"/>
+            <a:ext cx="971907" cy="153319"/>
           </a:xfrm>
           <a:prstGeom prst="rect">
             <a:avLst/>
@@ -2560,7 +2558,7 @@
           <a:bodyPr vert="horz" lIns="91440" tIns="45720" rIns="91440" bIns="45720" rtlCol="0" anchor="ctr"/>
           <a:lstStyle>
             <a:lvl1pPr algn="l">
-              <a:defRPr sz="425">
+              <a:defRPr sz="504">
                 <a:solidFill>
                   <a:schemeClr val="tx1">
                     <a:tint val="75000"/>
@@ -2572,7 +2570,7 @@
           <a:p>
             <a:fld id="{DB66AA82-ED40-495D-B06B-56AC191DBDA2}" type="datetimeFigureOut">
               <a:rPr lang="nb-NO" smtClean="0"/>
-              <a:t>18.05.2017</a:t>
+              <a:t>31.05.2017</a:t>
             </a:fld>
             <a:endParaRPr lang="nb-NO"/>
           </a:p>
@@ -2590,8 +2588,8 @@
         </p:nvSpPr>
         <p:spPr>
           <a:xfrm>
-            <a:off x="1430864" y="2335076"/>
-            <a:ext cx="1457861" cy="134133"/>
+            <a:off x="1430864" y="2669079"/>
+            <a:ext cx="1457861" cy="153319"/>
           </a:xfrm>
           <a:prstGeom prst="rect">
             <a:avLst/>
@@ -2601,7 +2599,7 @@
           <a:bodyPr vert="horz" lIns="91440" tIns="45720" rIns="91440" bIns="45720" rtlCol="0" anchor="ctr"/>
           <a:lstStyle>
             <a:lvl1pPr algn="ctr">
-              <a:defRPr sz="425">
+              <a:defRPr sz="504">
                 <a:solidFill>
                   <a:schemeClr val="tx1">
                     <a:tint val="75000"/>
@@ -2627,8 +2625,8 @@
         </p:nvSpPr>
         <p:spPr>
           <a:xfrm>
-            <a:off x="3050709" y="2335076"/>
-            <a:ext cx="971907" cy="134133"/>
+            <a:off x="3050709" y="2669079"/>
+            <a:ext cx="971907" cy="153319"/>
           </a:xfrm>
           <a:prstGeom prst="rect">
             <a:avLst/>
@@ -2638,7 +2636,7 @@
           <a:bodyPr vert="horz" lIns="91440" tIns="45720" rIns="91440" bIns="45720" rtlCol="0" anchor="ctr"/>
           <a:lstStyle>
             <a:lvl1pPr algn="r">
-              <a:defRPr sz="425">
+              <a:defRPr sz="504">
                 <a:solidFill>
                   <a:schemeClr val="tx1">
                     <a:tint val="75000"/>
@@ -2659,27 +2657,27 @@
     </p:spTree>
     <p:extLst>
       <p:ext uri="{BB962C8B-B14F-4D97-AF65-F5344CB8AC3E}">
-        <p14:creationId xmlns:p14="http://schemas.microsoft.com/office/powerpoint/2010/main" val="1937807930"/>
+        <p14:creationId xmlns:p14="http://schemas.microsoft.com/office/powerpoint/2010/main" val="3329855845"/>
       </p:ext>
     </p:extLst>
   </p:cSld>
   <p:clrMap bg1="lt1" tx1="dk1" bg2="lt2" tx2="dk2" accent1="accent1" accent2="accent2" accent3="accent3" accent4="accent4" accent5="accent5" accent6="accent6" hlink="hlink" folHlink="folHlink"/>
   <p:sldLayoutIdLst>
-    <p:sldLayoutId id="2147483721" r:id="rId1"/>
-    <p:sldLayoutId id="2147483722" r:id="rId2"/>
-    <p:sldLayoutId id="2147483723" r:id="rId3"/>
-    <p:sldLayoutId id="2147483724" r:id="rId4"/>
-    <p:sldLayoutId id="2147483725" r:id="rId5"/>
-    <p:sldLayoutId id="2147483726" r:id="rId6"/>
-    <p:sldLayoutId id="2147483727" r:id="rId7"/>
-    <p:sldLayoutId id="2147483728" r:id="rId8"/>
-    <p:sldLayoutId id="2147483729" r:id="rId9"/>
-    <p:sldLayoutId id="2147483730" r:id="rId10"/>
-    <p:sldLayoutId id="2147483731" r:id="rId11"/>
+    <p:sldLayoutId id="2147483733" r:id="rId1"/>
+    <p:sldLayoutId id="2147483734" r:id="rId2"/>
+    <p:sldLayoutId id="2147483735" r:id="rId3"/>
+    <p:sldLayoutId id="2147483736" r:id="rId4"/>
+    <p:sldLayoutId id="2147483737" r:id="rId5"/>
+    <p:sldLayoutId id="2147483738" r:id="rId6"/>
+    <p:sldLayoutId id="2147483739" r:id="rId7"/>
+    <p:sldLayoutId id="2147483740" r:id="rId8"/>
+    <p:sldLayoutId id="2147483741" r:id="rId9"/>
+    <p:sldLayoutId id="2147483742" r:id="rId10"/>
+    <p:sldLayoutId id="2147483743" r:id="rId11"/>
   </p:sldLayoutIdLst>
   <p:txStyles>
     <p:titleStyle>
-      <a:lvl1pPr algn="l" defTabSz="323972" rtl="0" eaLnBrk="1" latinLnBrk="0" hangingPunct="1">
+      <a:lvl1pPr algn="l" defTabSz="383957" rtl="0" eaLnBrk="1" latinLnBrk="0" hangingPunct="1">
         <a:lnSpc>
           <a:spcPct val="90000"/>
         </a:lnSpc>
@@ -2687,7 +2685,7 @@
           <a:spcPct val="0"/>
         </a:spcBef>
         <a:buNone/>
-        <a:defRPr sz="1559" kern="1200">
+        <a:defRPr sz="1848" kern="1200">
           <a:solidFill>
             <a:schemeClr val="tx1"/>
           </a:solidFill>
@@ -2698,16 +2696,16 @@
       </a:lvl1pPr>
     </p:titleStyle>
     <p:bodyStyle>
-      <a:lvl1pPr marL="80993" indent="-80993" algn="l" defTabSz="323972" rtl="0" eaLnBrk="1" latinLnBrk="0" hangingPunct="1">
+      <a:lvl1pPr marL="95989" indent="-95989" algn="l" defTabSz="383957" rtl="0" eaLnBrk="1" latinLnBrk="0" hangingPunct="1">
         <a:lnSpc>
           <a:spcPct val="90000"/>
         </a:lnSpc>
         <a:spcBef>
-          <a:spcPts val="354"/>
+          <a:spcPts val="420"/>
         </a:spcBef>
         <a:buFont typeface="Arial" panose="020B0604020202020204" pitchFamily="34" charset="0"/>
         <a:buChar char="•"/>
-        <a:defRPr sz="992" kern="1200">
+        <a:defRPr sz="1176" kern="1200">
           <a:solidFill>
             <a:schemeClr val="tx1"/>
           </a:solidFill>
@@ -2716,16 +2714,16 @@
           <a:cs typeface="+mn-cs"/>
         </a:defRPr>
       </a:lvl1pPr>
-      <a:lvl2pPr marL="242979" indent="-80993" algn="l" defTabSz="323972" rtl="0" eaLnBrk="1" latinLnBrk="0" hangingPunct="1">
+      <a:lvl2pPr marL="287967" indent="-95989" algn="l" defTabSz="383957" rtl="0" eaLnBrk="1" latinLnBrk="0" hangingPunct="1">
         <a:lnSpc>
           <a:spcPct val="90000"/>
         </a:lnSpc>
         <a:spcBef>
-          <a:spcPts val="177"/>
+          <a:spcPts val="210"/>
         </a:spcBef>
         <a:buFont typeface="Arial" panose="020B0604020202020204" pitchFamily="34" charset="0"/>
         <a:buChar char="•"/>
-        <a:defRPr sz="850" kern="1200">
+        <a:defRPr sz="1008" kern="1200">
           <a:solidFill>
             <a:schemeClr val="tx1"/>
           </a:solidFill>
@@ -2734,16 +2732,16 @@
           <a:cs typeface="+mn-cs"/>
         </a:defRPr>
       </a:lvl2pPr>
-      <a:lvl3pPr marL="404965" indent="-80993" algn="l" defTabSz="323972" rtl="0" eaLnBrk="1" latinLnBrk="0" hangingPunct="1">
+      <a:lvl3pPr marL="479946" indent="-95989" algn="l" defTabSz="383957" rtl="0" eaLnBrk="1" latinLnBrk="0" hangingPunct="1">
         <a:lnSpc>
           <a:spcPct val="90000"/>
         </a:lnSpc>
         <a:spcBef>
-          <a:spcPts val="177"/>
+          <a:spcPts val="210"/>
         </a:spcBef>
         <a:buFont typeface="Arial" panose="020B0604020202020204" pitchFamily="34" charset="0"/>
         <a:buChar char="•"/>
-        <a:defRPr sz="709" kern="1200">
+        <a:defRPr sz="840" kern="1200">
           <a:solidFill>
             <a:schemeClr val="tx1"/>
           </a:solidFill>
@@ -2752,16 +2750,16 @@
           <a:cs typeface="+mn-cs"/>
         </a:defRPr>
       </a:lvl3pPr>
-      <a:lvl4pPr marL="566951" indent="-80993" algn="l" defTabSz="323972" rtl="0" eaLnBrk="1" latinLnBrk="0" hangingPunct="1">
+      <a:lvl4pPr marL="671924" indent="-95989" algn="l" defTabSz="383957" rtl="0" eaLnBrk="1" latinLnBrk="0" hangingPunct="1">
         <a:lnSpc>
           <a:spcPct val="90000"/>
         </a:lnSpc>
         <a:spcBef>
-          <a:spcPts val="177"/>
+          <a:spcPts val="210"/>
         </a:spcBef>
         <a:buFont typeface="Arial" panose="020B0604020202020204" pitchFamily="34" charset="0"/>
         <a:buChar char="•"/>
-        <a:defRPr sz="638" kern="1200">
+        <a:defRPr sz="756" kern="1200">
           <a:solidFill>
             <a:schemeClr val="tx1"/>
           </a:solidFill>
@@ -2770,16 +2768,16 @@
           <a:cs typeface="+mn-cs"/>
         </a:defRPr>
       </a:lvl4pPr>
-      <a:lvl5pPr marL="728937" indent="-80993" algn="l" defTabSz="323972" rtl="0" eaLnBrk="1" latinLnBrk="0" hangingPunct="1">
+      <a:lvl5pPr marL="863902" indent="-95989" algn="l" defTabSz="383957" rtl="0" eaLnBrk="1" latinLnBrk="0" hangingPunct="1">
         <a:lnSpc>
           <a:spcPct val="90000"/>
         </a:lnSpc>
         <a:spcBef>
-          <a:spcPts val="177"/>
+          <a:spcPts val="210"/>
         </a:spcBef>
         <a:buFont typeface="Arial" panose="020B0604020202020204" pitchFamily="34" charset="0"/>
         <a:buChar char="•"/>
-        <a:defRPr sz="638" kern="1200">
+        <a:defRPr sz="756" kern="1200">
           <a:solidFill>
             <a:schemeClr val="tx1"/>
           </a:solidFill>
@@ -2788,16 +2786,16 @@
           <a:cs typeface="+mn-cs"/>
         </a:defRPr>
       </a:lvl5pPr>
-      <a:lvl6pPr marL="890923" indent="-80993" algn="l" defTabSz="323972" rtl="0" eaLnBrk="1" latinLnBrk="0" hangingPunct="1">
+      <a:lvl6pPr marL="1055881" indent="-95989" algn="l" defTabSz="383957" rtl="0" eaLnBrk="1" latinLnBrk="0" hangingPunct="1">
         <a:lnSpc>
           <a:spcPct val="90000"/>
         </a:lnSpc>
         <a:spcBef>
-          <a:spcPts val="177"/>
+          <a:spcPts val="210"/>
         </a:spcBef>
         <a:buFont typeface="Arial" panose="020B0604020202020204" pitchFamily="34" charset="0"/>
         <a:buChar char="•"/>
-        <a:defRPr sz="638" kern="1200">
+        <a:defRPr sz="756" kern="1200">
           <a:solidFill>
             <a:schemeClr val="tx1"/>
           </a:solidFill>
@@ -2806,16 +2804,16 @@
           <a:cs typeface="+mn-cs"/>
         </a:defRPr>
       </a:lvl6pPr>
-      <a:lvl7pPr marL="1052909" indent="-80993" algn="l" defTabSz="323972" rtl="0" eaLnBrk="1" latinLnBrk="0" hangingPunct="1">
+      <a:lvl7pPr marL="1247859" indent="-95989" algn="l" defTabSz="383957" rtl="0" eaLnBrk="1" latinLnBrk="0" hangingPunct="1">
         <a:lnSpc>
           <a:spcPct val="90000"/>
         </a:lnSpc>
         <a:spcBef>
-          <a:spcPts val="177"/>
+          <a:spcPts val="210"/>
         </a:spcBef>
         <a:buFont typeface="Arial" panose="020B0604020202020204" pitchFamily="34" charset="0"/>
         <a:buChar char="•"/>
-        <a:defRPr sz="638" kern="1200">
+        <a:defRPr sz="756" kern="1200">
           <a:solidFill>
             <a:schemeClr val="tx1"/>
           </a:solidFill>
@@ -2824,16 +2822,16 @@
           <a:cs typeface="+mn-cs"/>
         </a:defRPr>
       </a:lvl7pPr>
-      <a:lvl8pPr marL="1214895" indent="-80993" algn="l" defTabSz="323972" rtl="0" eaLnBrk="1" latinLnBrk="0" hangingPunct="1">
+      <a:lvl8pPr marL="1439837" indent="-95989" algn="l" defTabSz="383957" rtl="0" eaLnBrk="1" latinLnBrk="0" hangingPunct="1">
         <a:lnSpc>
           <a:spcPct val="90000"/>
         </a:lnSpc>
         <a:spcBef>
-          <a:spcPts val="177"/>
+          <a:spcPts val="210"/>
         </a:spcBef>
         <a:buFont typeface="Arial" panose="020B0604020202020204" pitchFamily="34" charset="0"/>
         <a:buChar char="•"/>
-        <a:defRPr sz="638" kern="1200">
+        <a:defRPr sz="756" kern="1200">
           <a:solidFill>
             <a:schemeClr val="tx1"/>
           </a:solidFill>
@@ -2842,16 +2840,16 @@
           <a:cs typeface="+mn-cs"/>
         </a:defRPr>
       </a:lvl8pPr>
-      <a:lvl9pPr marL="1376881" indent="-80993" algn="l" defTabSz="323972" rtl="0" eaLnBrk="1" latinLnBrk="0" hangingPunct="1">
+      <a:lvl9pPr marL="1631815" indent="-95989" algn="l" defTabSz="383957" rtl="0" eaLnBrk="1" latinLnBrk="0" hangingPunct="1">
         <a:lnSpc>
           <a:spcPct val="90000"/>
         </a:lnSpc>
         <a:spcBef>
-          <a:spcPts val="177"/>
+          <a:spcPts val="210"/>
         </a:spcBef>
         <a:buFont typeface="Arial" panose="020B0604020202020204" pitchFamily="34" charset="0"/>
         <a:buChar char="•"/>
-        <a:defRPr sz="638" kern="1200">
+        <a:defRPr sz="756" kern="1200">
           <a:solidFill>
             <a:schemeClr val="tx1"/>
           </a:solidFill>
@@ -2865,8 +2863,8 @@
       <a:defPPr>
         <a:defRPr lang="en-US"/>
       </a:defPPr>
-      <a:lvl1pPr marL="0" algn="l" defTabSz="323972" rtl="0" eaLnBrk="1" latinLnBrk="0" hangingPunct="1">
-        <a:defRPr sz="638" kern="1200">
+      <a:lvl1pPr marL="0" algn="l" defTabSz="383957" rtl="0" eaLnBrk="1" latinLnBrk="0" hangingPunct="1">
+        <a:defRPr sz="756" kern="1200">
           <a:solidFill>
             <a:schemeClr val="tx1"/>
           </a:solidFill>
@@ -2875,8 +2873,8 @@
           <a:cs typeface="+mn-cs"/>
         </a:defRPr>
       </a:lvl1pPr>
-      <a:lvl2pPr marL="161986" algn="l" defTabSz="323972" rtl="0" eaLnBrk="1" latinLnBrk="0" hangingPunct="1">
-        <a:defRPr sz="638" kern="1200">
+      <a:lvl2pPr marL="191978" algn="l" defTabSz="383957" rtl="0" eaLnBrk="1" latinLnBrk="0" hangingPunct="1">
+        <a:defRPr sz="756" kern="1200">
           <a:solidFill>
             <a:schemeClr val="tx1"/>
           </a:solidFill>
@@ -2885,8 +2883,8 @@
           <a:cs typeface="+mn-cs"/>
         </a:defRPr>
       </a:lvl2pPr>
-      <a:lvl3pPr marL="323972" algn="l" defTabSz="323972" rtl="0" eaLnBrk="1" latinLnBrk="0" hangingPunct="1">
-        <a:defRPr sz="638" kern="1200">
+      <a:lvl3pPr marL="383957" algn="l" defTabSz="383957" rtl="0" eaLnBrk="1" latinLnBrk="0" hangingPunct="1">
+        <a:defRPr sz="756" kern="1200">
           <a:solidFill>
             <a:schemeClr val="tx1"/>
           </a:solidFill>
@@ -2895,8 +2893,8 @@
           <a:cs typeface="+mn-cs"/>
         </a:defRPr>
       </a:lvl3pPr>
-      <a:lvl4pPr marL="485958" algn="l" defTabSz="323972" rtl="0" eaLnBrk="1" latinLnBrk="0" hangingPunct="1">
-        <a:defRPr sz="638" kern="1200">
+      <a:lvl4pPr marL="575935" algn="l" defTabSz="383957" rtl="0" eaLnBrk="1" latinLnBrk="0" hangingPunct="1">
+        <a:defRPr sz="756" kern="1200">
           <a:solidFill>
             <a:schemeClr val="tx1"/>
           </a:solidFill>
@@ -2905,8 +2903,8 @@
           <a:cs typeface="+mn-cs"/>
         </a:defRPr>
       </a:lvl4pPr>
-      <a:lvl5pPr marL="647944" algn="l" defTabSz="323972" rtl="0" eaLnBrk="1" latinLnBrk="0" hangingPunct="1">
-        <a:defRPr sz="638" kern="1200">
+      <a:lvl5pPr marL="767913" algn="l" defTabSz="383957" rtl="0" eaLnBrk="1" latinLnBrk="0" hangingPunct="1">
+        <a:defRPr sz="756" kern="1200">
           <a:solidFill>
             <a:schemeClr val="tx1"/>
           </a:solidFill>
@@ -2915,8 +2913,8 @@
           <a:cs typeface="+mn-cs"/>
         </a:defRPr>
       </a:lvl5pPr>
-      <a:lvl6pPr marL="809930" algn="l" defTabSz="323972" rtl="0" eaLnBrk="1" latinLnBrk="0" hangingPunct="1">
-        <a:defRPr sz="638" kern="1200">
+      <a:lvl6pPr marL="959891" algn="l" defTabSz="383957" rtl="0" eaLnBrk="1" latinLnBrk="0" hangingPunct="1">
+        <a:defRPr sz="756" kern="1200">
           <a:solidFill>
             <a:schemeClr val="tx1"/>
           </a:solidFill>
@@ -2925,8 +2923,8 @@
           <a:cs typeface="+mn-cs"/>
         </a:defRPr>
       </a:lvl6pPr>
-      <a:lvl7pPr marL="971916" algn="l" defTabSz="323972" rtl="0" eaLnBrk="1" latinLnBrk="0" hangingPunct="1">
-        <a:defRPr sz="638" kern="1200">
+      <a:lvl7pPr marL="1151870" algn="l" defTabSz="383957" rtl="0" eaLnBrk="1" latinLnBrk="0" hangingPunct="1">
+        <a:defRPr sz="756" kern="1200">
           <a:solidFill>
             <a:schemeClr val="tx1"/>
           </a:solidFill>
@@ -2935,8 +2933,8 @@
           <a:cs typeface="+mn-cs"/>
         </a:defRPr>
       </a:lvl7pPr>
-      <a:lvl8pPr marL="1133902" algn="l" defTabSz="323972" rtl="0" eaLnBrk="1" latinLnBrk="0" hangingPunct="1">
-        <a:defRPr sz="638" kern="1200">
+      <a:lvl8pPr marL="1343848" algn="l" defTabSz="383957" rtl="0" eaLnBrk="1" latinLnBrk="0" hangingPunct="1">
+        <a:defRPr sz="756" kern="1200">
           <a:solidFill>
             <a:schemeClr val="tx1"/>
           </a:solidFill>
@@ -2945,8 +2943,8 @@
           <a:cs typeface="+mn-cs"/>
         </a:defRPr>
       </a:lvl8pPr>
-      <a:lvl9pPr marL="1295888" algn="l" defTabSz="323972" rtl="0" eaLnBrk="1" latinLnBrk="0" hangingPunct="1">
-        <a:defRPr sz="638" kern="1200">
+      <a:lvl9pPr marL="1535826" algn="l" defTabSz="383957" rtl="0" eaLnBrk="1" latinLnBrk="0" hangingPunct="1">
+        <a:defRPr sz="756" kern="1200">
           <a:solidFill>
             <a:schemeClr val="tx1"/>
           </a:solidFill>
@@ -2985,7 +2983,7 @@
         </p:nvGrpSpPr>
         <p:grpSpPr>
           <a:xfrm>
-            <a:off x="1293821" y="25392"/>
+            <a:off x="316505" y="181384"/>
             <a:ext cx="1732087" cy="2409331"/>
             <a:chOff x="50799" y="954415"/>
             <a:chExt cx="3558586" cy="4949984"/>
@@ -3717,7 +3715,7 @@
         </p:nvSpPr>
         <p:spPr>
           <a:xfrm>
-            <a:off x="1161383" y="2140756"/>
+            <a:off x="184066" y="2296748"/>
             <a:ext cx="1991080" cy="326469"/>
           </a:xfrm>
           <a:prstGeom prst="roundRect">
@@ -3768,7 +3766,7 @@
         </p:nvSpPr>
         <p:spPr>
           <a:xfrm>
-            <a:off x="442166" y="2173113"/>
+            <a:off x="708951" y="2618115"/>
             <a:ext cx="799644" cy="261610"/>
           </a:xfrm>
           <a:prstGeom prst="rect">
@@ -3797,7 +3795,7 @@
         </p:nvSpPr>
         <p:spPr>
           <a:xfrm>
-            <a:off x="1205989" y="0"/>
+            <a:off x="228672" y="155992"/>
             <a:ext cx="1905236" cy="2467225"/>
           </a:xfrm>
           <a:prstGeom prst="roundRect">
@@ -3848,7 +3846,7 @@
         </p:nvSpPr>
         <p:spPr>
           <a:xfrm rot="16200000">
-            <a:off x="862952" y="693468"/>
+            <a:off x="-114365" y="849459"/>
             <a:ext cx="551902" cy="261610"/>
           </a:xfrm>
           <a:prstGeom prst="rect">
@@ -3877,7 +3875,7 @@
         </p:nvSpPr>
         <p:spPr>
           <a:xfrm>
-            <a:off x="1712709" y="11590"/>
+            <a:off x="735392" y="167581"/>
             <a:ext cx="727734" cy="563450"/>
           </a:xfrm>
           <a:prstGeom prst="roundRect">
@@ -3928,7 +3926,7 @@
         </p:nvSpPr>
         <p:spPr>
           <a:xfrm>
-            <a:off x="2362821" y="51855"/>
+            <a:off x="1385504" y="207847"/>
             <a:ext cx="502078" cy="430887"/>
           </a:xfrm>
           <a:prstGeom prst="rect">
@@ -3967,7 +3965,7 @@
         </p:nvSpPr>
         <p:spPr>
           <a:xfrm rot="3812136">
-            <a:off x="1159467" y="1094179"/>
+            <a:off x="182150" y="1250170"/>
             <a:ext cx="2548896" cy="339646"/>
           </a:xfrm>
           <a:prstGeom prst="roundRect">
@@ -4018,7 +4016,7 @@
         </p:nvSpPr>
         <p:spPr>
           <a:xfrm rot="3780266">
-            <a:off x="2067505" y="1035149"/>
+            <a:off x="1090189" y="1191140"/>
             <a:ext cx="1253041" cy="261610"/>
           </a:xfrm>
           <a:prstGeom prst="rect">
@@ -4048,6 +4046,914 @@
           </a:p>
         </p:txBody>
       </p:sp>
+      <p:grpSp>
+        <p:nvGrpSpPr>
+          <p:cNvPr id="30" name="Gruppe 29"/>
+          <p:cNvGrpSpPr/>
+          <p:nvPr/>
+        </p:nvGrpSpPr>
+        <p:grpSpPr>
+          <a:xfrm>
+            <a:off x="2576910" y="215328"/>
+            <a:ext cx="1732087" cy="2409331"/>
+            <a:chOff x="50799" y="954415"/>
+            <a:chExt cx="3558586" cy="4949984"/>
+          </a:xfrm>
+        </p:grpSpPr>
+        <p:sp>
+          <p:nvSpPr>
+            <p:cNvPr id="31" name="Rectangle 3"/>
+            <p:cNvSpPr/>
+            <p:nvPr/>
+          </p:nvSpPr>
+          <p:spPr>
+            <a:xfrm>
+              <a:off x="1127653" y="954415"/>
+              <a:ext cx="1074368" cy="1074367"/>
+            </a:xfrm>
+            <a:prstGeom prst="rect">
+              <a:avLst/>
+            </a:prstGeom>
+            <a:solidFill>
+              <a:schemeClr val="bg1"/>
+            </a:solidFill>
+            <a:ln>
+              <a:solidFill>
+                <a:schemeClr val="tx1"/>
+              </a:solidFill>
+            </a:ln>
+          </p:spPr>
+          <p:style>
+            <a:lnRef idx="2">
+              <a:schemeClr val="accent1">
+                <a:shade val="50000"/>
+              </a:schemeClr>
+            </a:lnRef>
+            <a:fillRef idx="1">
+              <a:schemeClr val="accent1"/>
+            </a:fillRef>
+            <a:effectRef idx="0">
+              <a:schemeClr val="accent1"/>
+            </a:effectRef>
+            <a:fontRef idx="minor">
+              <a:schemeClr val="lt1"/>
+            </a:fontRef>
+          </p:style>
+          <p:txBody>
+            <a:bodyPr rot="0" spcFirstLastPara="0" vertOverflow="overflow" horzOverflow="overflow" vert="horz" wrap="square" lIns="26876" tIns="13438" rIns="26876" bIns="13438" numCol="1" spcCol="0" rtlCol="0" fromWordArt="0" anchor="ctr" anchorCtr="0" forceAA="0" compatLnSpc="1">
+              <a:prstTxWarp prst="textNoShape">
+                <a:avLst/>
+              </a:prstTxWarp>
+              <a:noAutofit/>
+            </a:bodyPr>
+            <a:lstStyle/>
+            <a:p>
+              <a:pPr algn="ctr"/>
+              <a:r>
+                <a:rPr lang="nb-NO" sz="1100" dirty="0">
+                  <a:solidFill>
+                    <a:schemeClr val="tx1"/>
+                  </a:solidFill>
+                </a:rPr>
+                <a:t>2</a:t>
+              </a:r>
+            </a:p>
+          </p:txBody>
+        </p:sp>
+        <p:sp>
+          <p:nvSpPr>
+            <p:cNvPr id="32" name="Oval 7"/>
+            <p:cNvSpPr/>
+            <p:nvPr/>
+          </p:nvSpPr>
+          <p:spPr>
+            <a:xfrm>
+              <a:off x="1396245" y="3405562"/>
+              <a:ext cx="537184" cy="537183"/>
+            </a:xfrm>
+            <a:prstGeom prst="ellipse">
+              <a:avLst/>
+            </a:prstGeom>
+            <a:noFill/>
+            <a:ln>
+              <a:solidFill>
+                <a:schemeClr val="tx1"/>
+              </a:solidFill>
+            </a:ln>
+          </p:spPr>
+          <p:style>
+            <a:lnRef idx="2">
+              <a:schemeClr val="accent1">
+                <a:shade val="50000"/>
+              </a:schemeClr>
+            </a:lnRef>
+            <a:fillRef idx="1">
+              <a:schemeClr val="accent1"/>
+            </a:fillRef>
+            <a:effectRef idx="0">
+              <a:schemeClr val="accent1"/>
+            </a:effectRef>
+            <a:fontRef idx="minor">
+              <a:schemeClr val="lt1"/>
+            </a:fontRef>
+          </p:style>
+          <p:txBody>
+            <a:bodyPr rot="0" spcFirstLastPara="0" vertOverflow="overflow" horzOverflow="overflow" vert="horz" wrap="square" lIns="26876" tIns="13438" rIns="26876" bIns="13438" numCol="1" spcCol="0" rtlCol="0" fromWordArt="0" anchor="ctr" anchorCtr="0" forceAA="0" compatLnSpc="1">
+              <a:prstTxWarp prst="textNoShape">
+                <a:avLst/>
+              </a:prstTxWarp>
+              <a:noAutofit/>
+            </a:bodyPr>
+            <a:lstStyle/>
+            <a:p>
+              <a:pPr algn="ctr"/>
+              <a:r>
+                <a:rPr lang="nb-NO" sz="1100" dirty="0">
+                  <a:solidFill>
+                    <a:schemeClr val="tx1"/>
+                  </a:solidFill>
+                </a:rPr>
+                <a:t>1</a:t>
+              </a:r>
+            </a:p>
+          </p:txBody>
+        </p:sp>
+        <p:sp>
+          <p:nvSpPr>
+            <p:cNvPr id="33" name="Oval 8"/>
+            <p:cNvSpPr/>
+            <p:nvPr/>
+          </p:nvSpPr>
+          <p:spPr>
+            <a:xfrm>
+              <a:off x="2196157" y="3405562"/>
+              <a:ext cx="537184" cy="537183"/>
+            </a:xfrm>
+            <a:prstGeom prst="ellipse">
+              <a:avLst/>
+            </a:prstGeom>
+            <a:noFill/>
+            <a:ln>
+              <a:solidFill>
+                <a:schemeClr val="tx1"/>
+              </a:solidFill>
+            </a:ln>
+          </p:spPr>
+          <p:style>
+            <a:lnRef idx="2">
+              <a:schemeClr val="accent1">
+                <a:shade val="50000"/>
+              </a:schemeClr>
+            </a:lnRef>
+            <a:fillRef idx="1">
+              <a:schemeClr val="accent1"/>
+            </a:fillRef>
+            <a:effectRef idx="0">
+              <a:schemeClr val="accent1"/>
+            </a:effectRef>
+            <a:fontRef idx="minor">
+              <a:schemeClr val="lt1"/>
+            </a:fontRef>
+          </p:style>
+          <p:txBody>
+            <a:bodyPr rot="0" spcFirstLastPara="0" vertOverflow="overflow" horzOverflow="overflow" vert="horz" wrap="square" lIns="26876" tIns="13438" rIns="26876" bIns="13438" numCol="1" spcCol="0" rtlCol="0" fromWordArt="0" anchor="ctr" anchorCtr="0" forceAA="0" compatLnSpc="1">
+              <a:prstTxWarp prst="textNoShape">
+                <a:avLst/>
+              </a:prstTxWarp>
+              <a:noAutofit/>
+            </a:bodyPr>
+            <a:lstStyle/>
+            <a:p>
+              <a:pPr algn="ctr"/>
+              <a:r>
+                <a:rPr lang="nb-NO" sz="1100" dirty="0">
+                  <a:solidFill>
+                    <a:schemeClr val="tx1"/>
+                  </a:solidFill>
+                </a:rPr>
+                <a:t>2</a:t>
+              </a:r>
+            </a:p>
+          </p:txBody>
+        </p:sp>
+        <p:sp>
+          <p:nvSpPr>
+            <p:cNvPr id="34" name="Oval 11"/>
+            <p:cNvSpPr/>
+            <p:nvPr/>
+          </p:nvSpPr>
+          <p:spPr>
+            <a:xfrm>
+              <a:off x="596332" y="3405562"/>
+              <a:ext cx="537184" cy="537183"/>
+            </a:xfrm>
+            <a:prstGeom prst="ellipse">
+              <a:avLst/>
+            </a:prstGeom>
+            <a:noFill/>
+            <a:ln>
+              <a:solidFill>
+                <a:schemeClr val="tx1"/>
+              </a:solidFill>
+            </a:ln>
+          </p:spPr>
+          <p:style>
+            <a:lnRef idx="2">
+              <a:schemeClr val="accent1">
+                <a:shade val="50000"/>
+              </a:schemeClr>
+            </a:lnRef>
+            <a:fillRef idx="1">
+              <a:schemeClr val="accent1"/>
+            </a:fillRef>
+            <a:effectRef idx="0">
+              <a:schemeClr val="accent1"/>
+            </a:effectRef>
+            <a:fontRef idx="minor">
+              <a:schemeClr val="lt1"/>
+            </a:fontRef>
+          </p:style>
+          <p:txBody>
+            <a:bodyPr rot="0" spcFirstLastPara="0" vertOverflow="overflow" horzOverflow="overflow" vert="horz" wrap="square" lIns="26876" tIns="13438" rIns="26876" bIns="13438" numCol="1" spcCol="0" rtlCol="0" fromWordArt="0" anchor="ctr" anchorCtr="0" forceAA="0" compatLnSpc="1">
+              <a:prstTxWarp prst="textNoShape">
+                <a:avLst/>
+              </a:prstTxWarp>
+              <a:noAutofit/>
+            </a:bodyPr>
+            <a:lstStyle/>
+            <a:p>
+              <a:pPr algn="ctr"/>
+              <a:r>
+                <a:rPr lang="nb-NO" sz="1100" dirty="0">
+                  <a:solidFill>
+                    <a:schemeClr val="tx1"/>
+                  </a:solidFill>
+                </a:rPr>
+                <a:t>0</a:t>
+              </a:r>
+            </a:p>
+          </p:txBody>
+        </p:sp>
+        <p:sp>
+          <p:nvSpPr>
+            <p:cNvPr id="35" name="Oval 18"/>
+            <p:cNvSpPr/>
+            <p:nvPr/>
+          </p:nvSpPr>
+          <p:spPr>
+            <a:xfrm>
+              <a:off x="2065067" y="5367216"/>
+              <a:ext cx="537184" cy="537183"/>
+            </a:xfrm>
+            <a:prstGeom prst="ellipse">
+              <a:avLst/>
+            </a:prstGeom>
+            <a:noFill/>
+            <a:ln>
+              <a:solidFill>
+                <a:schemeClr val="tx1"/>
+              </a:solidFill>
+            </a:ln>
+          </p:spPr>
+          <p:style>
+            <a:lnRef idx="2">
+              <a:schemeClr val="accent1">
+                <a:shade val="50000"/>
+              </a:schemeClr>
+            </a:lnRef>
+            <a:fillRef idx="1">
+              <a:schemeClr val="accent1"/>
+            </a:fillRef>
+            <a:effectRef idx="0">
+              <a:schemeClr val="accent1"/>
+            </a:effectRef>
+            <a:fontRef idx="minor">
+              <a:schemeClr val="lt1"/>
+            </a:fontRef>
+          </p:style>
+          <p:txBody>
+            <a:bodyPr rot="0" spcFirstLastPara="0" vertOverflow="overflow" horzOverflow="overflow" vert="horz" wrap="square" lIns="26876" tIns="13438" rIns="26876" bIns="13438" numCol="1" spcCol="0" rtlCol="0" fromWordArt="0" anchor="ctr" anchorCtr="0" forceAA="0" compatLnSpc="1">
+              <a:prstTxWarp prst="textNoShape">
+                <a:avLst/>
+              </a:prstTxWarp>
+              <a:noAutofit/>
+            </a:bodyPr>
+            <a:lstStyle/>
+            <a:p>
+              <a:pPr algn="ctr"/>
+              <a:r>
+                <a:rPr lang="nb-NO" sz="1100" dirty="0">
+                  <a:solidFill>
+                    <a:schemeClr val="tx1"/>
+                  </a:solidFill>
+                </a:rPr>
+                <a:t>1</a:t>
+              </a:r>
+            </a:p>
+          </p:txBody>
+        </p:sp>
+        <p:sp>
+          <p:nvSpPr>
+            <p:cNvPr id="36" name="Oval 21"/>
+            <p:cNvSpPr/>
+            <p:nvPr/>
+          </p:nvSpPr>
+          <p:spPr>
+            <a:xfrm>
+              <a:off x="50799" y="5367216"/>
+              <a:ext cx="537184" cy="537183"/>
+            </a:xfrm>
+            <a:prstGeom prst="ellipse">
+              <a:avLst/>
+            </a:prstGeom>
+            <a:noFill/>
+            <a:ln>
+              <a:solidFill>
+                <a:schemeClr val="tx1"/>
+              </a:solidFill>
+            </a:ln>
+          </p:spPr>
+          <p:style>
+            <a:lnRef idx="2">
+              <a:schemeClr val="accent1">
+                <a:shade val="50000"/>
+              </a:schemeClr>
+            </a:lnRef>
+            <a:fillRef idx="1">
+              <a:schemeClr val="accent1"/>
+            </a:fillRef>
+            <a:effectRef idx="0">
+              <a:schemeClr val="accent1"/>
+            </a:effectRef>
+            <a:fontRef idx="minor">
+              <a:schemeClr val="lt1"/>
+            </a:fontRef>
+          </p:style>
+          <p:txBody>
+            <a:bodyPr rot="0" spcFirstLastPara="0" vertOverflow="overflow" horzOverflow="overflow" vert="horz" wrap="square" lIns="26876" tIns="13438" rIns="26876" bIns="13438" numCol="1" spcCol="0" rtlCol="0" fromWordArt="0" anchor="ctr" anchorCtr="0" forceAA="0" compatLnSpc="1">
+              <a:prstTxWarp prst="textNoShape">
+                <a:avLst/>
+              </a:prstTxWarp>
+              <a:noAutofit/>
+            </a:bodyPr>
+            <a:lstStyle/>
+            <a:p>
+              <a:pPr algn="ctr"/>
+              <a:r>
+                <a:rPr lang="nb-NO" sz="1100" dirty="0">
+                  <a:solidFill>
+                    <a:schemeClr val="tx1"/>
+                  </a:solidFill>
+                </a:rPr>
+                <a:t>0</a:t>
+              </a:r>
+            </a:p>
+          </p:txBody>
+        </p:sp>
+        <p:cxnSp>
+          <p:nvCxnSpPr>
+            <p:cNvPr id="37" name="Straight Arrow Connector 23"/>
+            <p:cNvCxnSpPr>
+              <a:endCxn id="34" idx="0"/>
+            </p:cNvCxnSpPr>
+            <p:nvPr/>
+          </p:nvCxnSpPr>
+          <p:spPr>
+            <a:xfrm flipH="1">
+              <a:off x="864922" y="2028780"/>
+              <a:ext cx="794051" cy="1376782"/>
+            </a:xfrm>
+            <a:prstGeom prst="straightConnector1">
+              <a:avLst/>
+            </a:prstGeom>
+            <a:ln>
+              <a:tailEnd type="triangle"/>
+            </a:ln>
+          </p:spPr>
+          <p:style>
+            <a:lnRef idx="1">
+              <a:schemeClr val="dk1"/>
+            </a:lnRef>
+            <a:fillRef idx="0">
+              <a:schemeClr val="dk1"/>
+            </a:fillRef>
+            <a:effectRef idx="0">
+              <a:schemeClr val="dk1"/>
+            </a:effectRef>
+            <a:fontRef idx="minor">
+              <a:schemeClr val="tx1"/>
+            </a:fontRef>
+          </p:style>
+        </p:cxnSp>
+        <p:cxnSp>
+          <p:nvCxnSpPr>
+            <p:cNvPr id="40" name="Straight Arrow Connector 25"/>
+            <p:cNvCxnSpPr>
+              <a:stCxn id="31" idx="2"/>
+              <a:endCxn id="32" idx="0"/>
+            </p:cNvCxnSpPr>
+            <p:nvPr/>
+          </p:nvCxnSpPr>
+          <p:spPr>
+            <a:xfrm>
+              <a:off x="1664837" y="2028780"/>
+              <a:ext cx="0" cy="1376782"/>
+            </a:xfrm>
+            <a:prstGeom prst="straightConnector1">
+              <a:avLst/>
+            </a:prstGeom>
+            <a:ln>
+              <a:tailEnd type="triangle"/>
+            </a:ln>
+          </p:spPr>
+          <p:style>
+            <a:lnRef idx="1">
+              <a:schemeClr val="dk1"/>
+            </a:lnRef>
+            <a:fillRef idx="0">
+              <a:schemeClr val="dk1"/>
+            </a:fillRef>
+            <a:effectRef idx="0">
+              <a:schemeClr val="dk1"/>
+            </a:effectRef>
+            <a:fontRef idx="minor">
+              <a:schemeClr val="tx1"/>
+            </a:fontRef>
+          </p:style>
+        </p:cxnSp>
+        <p:cxnSp>
+          <p:nvCxnSpPr>
+            <p:cNvPr id="41" name="Straight Arrow Connector 26"/>
+            <p:cNvCxnSpPr>
+              <a:stCxn id="31" idx="2"/>
+              <a:endCxn id="33" idx="0"/>
+            </p:cNvCxnSpPr>
+            <p:nvPr/>
+          </p:nvCxnSpPr>
+          <p:spPr>
+            <a:xfrm>
+              <a:off x="1664837" y="2028780"/>
+              <a:ext cx="799912" cy="1376782"/>
+            </a:xfrm>
+            <a:prstGeom prst="straightConnector1">
+              <a:avLst/>
+            </a:prstGeom>
+            <a:ln>
+              <a:tailEnd type="triangle"/>
+            </a:ln>
+          </p:spPr>
+          <p:style>
+            <a:lnRef idx="1">
+              <a:schemeClr val="dk1"/>
+            </a:lnRef>
+            <a:fillRef idx="0">
+              <a:schemeClr val="dk1"/>
+            </a:fillRef>
+            <a:effectRef idx="0">
+              <a:schemeClr val="dk1"/>
+            </a:effectRef>
+            <a:fontRef idx="minor">
+              <a:schemeClr val="tx1"/>
+            </a:fontRef>
+          </p:style>
+        </p:cxnSp>
+        <p:sp>
+          <p:nvSpPr>
+            <p:cNvPr id="42" name="Oval 37"/>
+            <p:cNvSpPr/>
+            <p:nvPr/>
+          </p:nvSpPr>
+          <p:spPr>
+            <a:xfrm>
+              <a:off x="1057933" y="5367216"/>
+              <a:ext cx="537184" cy="537183"/>
+            </a:xfrm>
+            <a:prstGeom prst="ellipse">
+              <a:avLst/>
+            </a:prstGeom>
+            <a:noFill/>
+            <a:ln>
+              <a:solidFill>
+                <a:schemeClr val="tx1"/>
+              </a:solidFill>
+            </a:ln>
+          </p:spPr>
+          <p:style>
+            <a:lnRef idx="2">
+              <a:schemeClr val="accent1">
+                <a:shade val="50000"/>
+              </a:schemeClr>
+            </a:lnRef>
+            <a:fillRef idx="1">
+              <a:schemeClr val="accent1"/>
+            </a:fillRef>
+            <a:effectRef idx="0">
+              <a:schemeClr val="accent1"/>
+            </a:effectRef>
+            <a:fontRef idx="minor">
+              <a:schemeClr val="lt1"/>
+            </a:fontRef>
+          </p:style>
+          <p:txBody>
+            <a:bodyPr rot="0" spcFirstLastPara="0" vertOverflow="overflow" horzOverflow="overflow" vert="horz" wrap="square" lIns="26876" tIns="13438" rIns="26876" bIns="13438" numCol="1" spcCol="0" rtlCol="0" fromWordArt="0" anchor="ctr" anchorCtr="0" forceAA="0" compatLnSpc="1">
+              <a:prstTxWarp prst="textNoShape">
+                <a:avLst/>
+              </a:prstTxWarp>
+              <a:noAutofit/>
+            </a:bodyPr>
+            <a:lstStyle/>
+            <a:p>
+              <a:pPr algn="ctr"/>
+              <a:r>
+                <a:rPr lang="nb-NO" sz="1100" dirty="0">
+                  <a:solidFill>
+                    <a:schemeClr val="tx1"/>
+                  </a:solidFill>
+                </a:rPr>
+                <a:t>0</a:t>
+              </a:r>
+            </a:p>
+          </p:txBody>
+        </p:sp>
+        <p:sp>
+          <p:nvSpPr>
+            <p:cNvPr id="43" name="Oval 38"/>
+            <p:cNvSpPr/>
+            <p:nvPr/>
+          </p:nvSpPr>
+          <p:spPr>
+            <a:xfrm>
+              <a:off x="3072201" y="5367216"/>
+              <a:ext cx="537184" cy="537183"/>
+            </a:xfrm>
+            <a:prstGeom prst="ellipse">
+              <a:avLst/>
+            </a:prstGeom>
+            <a:noFill/>
+            <a:ln>
+              <a:solidFill>
+                <a:schemeClr val="tx1"/>
+              </a:solidFill>
+            </a:ln>
+          </p:spPr>
+          <p:style>
+            <a:lnRef idx="2">
+              <a:schemeClr val="accent1">
+                <a:shade val="50000"/>
+              </a:schemeClr>
+            </a:lnRef>
+            <a:fillRef idx="1">
+              <a:schemeClr val="accent1"/>
+            </a:fillRef>
+            <a:effectRef idx="0">
+              <a:schemeClr val="accent1"/>
+            </a:effectRef>
+            <a:fontRef idx="minor">
+              <a:schemeClr val="lt1"/>
+            </a:fontRef>
+          </p:style>
+          <p:txBody>
+            <a:bodyPr rot="0" spcFirstLastPara="0" vertOverflow="overflow" horzOverflow="overflow" vert="horz" wrap="square" lIns="26876" tIns="13438" rIns="26876" bIns="13438" numCol="1" spcCol="0" rtlCol="0" fromWordArt="0" anchor="ctr" anchorCtr="0" forceAA="0" compatLnSpc="1">
+              <a:prstTxWarp prst="textNoShape">
+                <a:avLst/>
+              </a:prstTxWarp>
+              <a:noAutofit/>
+            </a:bodyPr>
+            <a:lstStyle/>
+            <a:p>
+              <a:pPr algn="ctr"/>
+              <a:r>
+                <a:rPr lang="nb-NO" sz="1100" dirty="0">
+                  <a:solidFill>
+                    <a:schemeClr val="tx1"/>
+                  </a:solidFill>
+                </a:rPr>
+                <a:t>0</a:t>
+              </a:r>
+            </a:p>
+          </p:txBody>
+        </p:sp>
+        <p:cxnSp>
+          <p:nvCxnSpPr>
+            <p:cNvPr id="44" name="Straight Arrow Connector 57"/>
+            <p:cNvCxnSpPr>
+              <a:stCxn id="34" idx="4"/>
+              <a:endCxn id="36" idx="0"/>
+            </p:cNvCxnSpPr>
+            <p:nvPr/>
+          </p:nvCxnSpPr>
+          <p:spPr>
+            <a:xfrm flipH="1">
+              <a:off x="319391" y="3942747"/>
+              <a:ext cx="545533" cy="1424471"/>
+            </a:xfrm>
+            <a:prstGeom prst="straightConnector1">
+              <a:avLst/>
+            </a:prstGeom>
+            <a:ln>
+              <a:tailEnd type="triangle"/>
+            </a:ln>
+          </p:spPr>
+          <p:style>
+            <a:lnRef idx="1">
+              <a:schemeClr val="dk1"/>
+            </a:lnRef>
+            <a:fillRef idx="0">
+              <a:schemeClr val="dk1"/>
+            </a:fillRef>
+            <a:effectRef idx="0">
+              <a:schemeClr val="dk1"/>
+            </a:effectRef>
+            <a:fontRef idx="minor">
+              <a:schemeClr val="tx1"/>
+            </a:fontRef>
+          </p:style>
+        </p:cxnSp>
+        <p:cxnSp>
+          <p:nvCxnSpPr>
+            <p:cNvPr id="45" name="Straight Arrow Connector 60"/>
+            <p:cNvCxnSpPr>
+              <a:stCxn id="32" idx="4"/>
+              <a:endCxn id="42" idx="0"/>
+            </p:cNvCxnSpPr>
+            <p:nvPr/>
+          </p:nvCxnSpPr>
+          <p:spPr>
+            <a:xfrm flipH="1">
+              <a:off x="1326525" y="3942747"/>
+              <a:ext cx="338312" cy="1424471"/>
+            </a:xfrm>
+            <a:prstGeom prst="straightConnector1">
+              <a:avLst/>
+            </a:prstGeom>
+            <a:ln>
+              <a:tailEnd type="triangle"/>
+            </a:ln>
+          </p:spPr>
+          <p:style>
+            <a:lnRef idx="1">
+              <a:schemeClr val="dk1"/>
+            </a:lnRef>
+            <a:fillRef idx="0">
+              <a:schemeClr val="dk1"/>
+            </a:fillRef>
+            <a:effectRef idx="0">
+              <a:schemeClr val="dk1"/>
+            </a:effectRef>
+            <a:fontRef idx="minor">
+              <a:schemeClr val="tx1"/>
+            </a:fontRef>
+          </p:style>
+        </p:cxnSp>
+        <p:cxnSp>
+          <p:nvCxnSpPr>
+            <p:cNvPr id="46" name="Straight Arrow Connector 63"/>
+            <p:cNvCxnSpPr>
+              <a:stCxn id="32" idx="4"/>
+              <a:endCxn id="35" idx="0"/>
+            </p:cNvCxnSpPr>
+            <p:nvPr/>
+          </p:nvCxnSpPr>
+          <p:spPr>
+            <a:xfrm>
+              <a:off x="1664837" y="3942747"/>
+              <a:ext cx="668820" cy="1424471"/>
+            </a:xfrm>
+            <a:prstGeom prst="straightConnector1">
+              <a:avLst/>
+            </a:prstGeom>
+            <a:ln>
+              <a:tailEnd type="triangle"/>
+            </a:ln>
+          </p:spPr>
+          <p:style>
+            <a:lnRef idx="1">
+              <a:schemeClr val="dk1"/>
+            </a:lnRef>
+            <a:fillRef idx="0">
+              <a:schemeClr val="dk1"/>
+            </a:fillRef>
+            <a:effectRef idx="0">
+              <a:schemeClr val="dk1"/>
+            </a:effectRef>
+            <a:fontRef idx="minor">
+              <a:schemeClr val="tx1"/>
+            </a:fontRef>
+          </p:style>
+        </p:cxnSp>
+        <p:cxnSp>
+          <p:nvCxnSpPr>
+            <p:cNvPr id="47" name="Straight Arrow Connector 66"/>
+            <p:cNvCxnSpPr>
+              <a:stCxn id="33" idx="4"/>
+              <a:endCxn id="43" idx="0"/>
+            </p:cNvCxnSpPr>
+            <p:nvPr/>
+          </p:nvCxnSpPr>
+          <p:spPr>
+            <a:xfrm>
+              <a:off x="2464751" y="3942749"/>
+              <a:ext cx="876044" cy="1424471"/>
+            </a:xfrm>
+            <a:prstGeom prst="straightConnector1">
+              <a:avLst/>
+            </a:prstGeom>
+            <a:ln>
+              <a:tailEnd type="triangle"/>
+            </a:ln>
+          </p:spPr>
+          <p:style>
+            <a:lnRef idx="1">
+              <a:schemeClr val="dk1"/>
+            </a:lnRef>
+            <a:fillRef idx="0">
+              <a:schemeClr val="dk1"/>
+            </a:fillRef>
+            <a:effectRef idx="0">
+              <a:schemeClr val="dk1"/>
+            </a:effectRef>
+            <a:fontRef idx="minor">
+              <a:schemeClr val="tx1"/>
+            </a:fontRef>
+          </p:style>
+        </p:cxnSp>
+      </p:grpSp>
+      <p:sp>
+        <p:nvSpPr>
+          <p:cNvPr id="68" name="Rektangel: avrundede hjørner 67"/>
+          <p:cNvSpPr/>
+          <p:nvPr/>
+        </p:nvSpPr>
+        <p:spPr>
+          <a:xfrm rot="5029231">
+            <a:off x="2194771" y="1335352"/>
+            <a:ext cx="2517675" cy="339646"/>
+          </a:xfrm>
+          <a:prstGeom prst="roundRect">
+            <a:avLst/>
+          </a:prstGeom>
+          <a:noFill/>
+          <a:ln>
+            <a:solidFill>
+              <a:srgbClr val="FF0000"/>
+            </a:solidFill>
+          </a:ln>
+        </p:spPr>
+        <p:style>
+          <a:lnRef idx="2">
+            <a:schemeClr val="accent1">
+              <a:shade val="50000"/>
+            </a:schemeClr>
+          </a:lnRef>
+          <a:fillRef idx="1">
+            <a:schemeClr val="accent1"/>
+          </a:fillRef>
+          <a:effectRef idx="0">
+            <a:schemeClr val="accent1"/>
+          </a:effectRef>
+          <a:fontRef idx="minor">
+            <a:schemeClr val="lt1"/>
+          </a:fontRef>
+        </p:style>
+        <p:txBody>
+          <a:bodyPr rot="0" spcFirstLastPara="0" vertOverflow="overflow" horzOverflow="overflow" vert="horz" wrap="square" lIns="45706" tIns="22853" rIns="45706" bIns="22853" numCol="1" spcCol="0" rtlCol="0" fromWordArt="0" anchor="ctr" anchorCtr="0" forceAA="0" compatLnSpc="1">
+            <a:prstTxWarp prst="textNoShape">
+              <a:avLst/>
+            </a:prstTxWarp>
+            <a:noAutofit/>
+          </a:bodyPr>
+          <a:lstStyle/>
+          <a:p>
+            <a:pPr algn="ctr"/>
+            <a:endParaRPr lang="nb-NO" sz="1100"/>
+          </a:p>
+        </p:txBody>
+      </p:sp>
+      <p:sp>
+        <p:nvSpPr>
+          <p:cNvPr id="69" name="TekstSylinder 68"/>
+          <p:cNvSpPr txBox="1"/>
+          <p:nvPr/>
+        </p:nvSpPr>
+        <p:spPr>
+          <a:xfrm>
+            <a:off x="2241907" y="-64711"/>
+            <a:ext cx="798696" cy="600164"/>
+          </a:xfrm>
+          <a:prstGeom prst="rect">
+            <a:avLst/>
+          </a:prstGeom>
+          <a:noFill/>
+        </p:spPr>
+        <p:txBody>
+          <a:bodyPr wrap="square" rtlCol="0">
+            <a:spAutoFit/>
+          </a:bodyPr>
+          <a:lstStyle/>
+          <a:p>
+            <a:pPr algn="ctr"/>
+            <a:r>
+              <a:rPr lang="nb-NO" sz="1100" dirty="0"/>
+              <a:t>Global </a:t>
+            </a:r>
+          </a:p>
+          <a:p>
+            <a:pPr algn="ctr"/>
+            <a:r>
+              <a:rPr lang="nb-NO" sz="1100" dirty="0" err="1"/>
+              <a:t>track</a:t>
+            </a:r>
+            <a:r>
+              <a:rPr lang="nb-NO" sz="1100" dirty="0"/>
+              <a:t> </a:t>
+            </a:r>
+          </a:p>
+          <a:p>
+            <a:pPr algn="ctr"/>
+            <a:r>
+              <a:rPr lang="nb-NO" sz="1100" dirty="0" err="1"/>
+              <a:t>hypothesis</a:t>
+            </a:r>
+            <a:endParaRPr lang="nb-NO" sz="1100" dirty="0"/>
+          </a:p>
+        </p:txBody>
+      </p:sp>
+      <p:cxnSp>
+        <p:nvCxnSpPr>
+          <p:cNvPr id="7" name="Rett linje 6"/>
+          <p:cNvCxnSpPr>
+            <a:cxnSpLocks/>
+            <a:stCxn id="69" idx="2"/>
+          </p:cNvCxnSpPr>
+          <p:nvPr/>
+        </p:nvCxnSpPr>
+        <p:spPr>
+          <a:xfrm>
+            <a:off x="2641255" y="535453"/>
+            <a:ext cx="575441" cy="327606"/>
+          </a:xfrm>
+          <a:prstGeom prst="line">
+            <a:avLst/>
+          </a:prstGeom>
+          <a:ln>
+            <a:solidFill>
+              <a:schemeClr val="tx1"/>
+            </a:solidFill>
+          </a:ln>
+        </p:spPr>
+        <p:style>
+          <a:lnRef idx="1">
+            <a:schemeClr val="accent1"/>
+          </a:lnRef>
+          <a:fillRef idx="0">
+            <a:schemeClr val="accent1"/>
+          </a:fillRef>
+          <a:effectRef idx="0">
+            <a:schemeClr val="accent1"/>
+          </a:effectRef>
+          <a:fontRef idx="minor">
+            <a:schemeClr val="tx1"/>
+          </a:fontRef>
+        </p:style>
+      </p:cxnSp>
+      <p:cxnSp>
+        <p:nvCxnSpPr>
+          <p:cNvPr id="70" name="Rett linje 69"/>
+          <p:cNvCxnSpPr>
+            <a:cxnSpLocks/>
+            <a:endCxn id="69" idx="2"/>
+          </p:cNvCxnSpPr>
+          <p:nvPr/>
+        </p:nvCxnSpPr>
+        <p:spPr>
+          <a:xfrm flipV="1">
+            <a:off x="1340845" y="535453"/>
+            <a:ext cx="1300410" cy="267983"/>
+          </a:xfrm>
+          <a:prstGeom prst="line">
+            <a:avLst/>
+          </a:prstGeom>
+          <a:ln>
+            <a:solidFill>
+              <a:schemeClr val="tx1"/>
+            </a:solidFill>
+          </a:ln>
+        </p:spPr>
+        <p:style>
+          <a:lnRef idx="1">
+            <a:schemeClr val="accent1"/>
+          </a:lnRef>
+          <a:fillRef idx="0">
+            <a:schemeClr val="accent1"/>
+          </a:fillRef>
+          <a:effectRef idx="0">
+            <a:schemeClr val="accent1"/>
+          </a:effectRef>
+          <a:fontRef idx="minor">
+            <a:schemeClr val="tx1"/>
+          </a:fontRef>
+        </p:style>
+      </p:cxnSp>
     </p:spTree>
     <p:extLst>
       <p:ext uri="{BB962C8B-B14F-4D97-AF65-F5344CB8AC3E}">
